--- a/content/ch/16/Triptych.pptx
+++ b/content/ch/16/Triptych.pptx
@@ -7,6 +7,7 @@
   <p:sldIdLst>
     <p:sldId id="256" r:id="rId2"/>
     <p:sldId id="257" r:id="rId3"/>
+    <p:sldId id="258" r:id="rId4"/>
   </p:sldIdLst>
   <p:sldSz cx="12192000" cy="6858000"/>
   <p:notesSz cx="6858000" cy="9144000"/>
@@ -105,6 +106,11 @@
       </a:defRPr>
     </a:lvl9pPr>
   </p:defaultTextStyle>
+  <p:extLst>
+    <p:ext uri="{EFAFB233-063F-42B5-8137-9DF3F51BA10A}">
+      <p15:sldGuideLst xmlns:p15="http://schemas.microsoft.com/office/powerpoint/2012/main"/>
+    </p:ext>
+  </p:extLst>
 </p:presentation>
 </file>
 
@@ -255,7 +261,7 @@
           <a:p>
             <a:fld id="{B0D446C8-A970-3F4D-ABD7-3EB31CDB4E93}" type="datetimeFigureOut">
               <a:rPr lang="en-US" smtClean="0"/>
-              <a:t>5/28/22</a:t>
+              <a:t>7/18/22</a:t>
             </a:fld>
             <a:endParaRPr lang="en-US"/>
           </a:p>
@@ -453,7 +459,7 @@
           <a:p>
             <a:fld id="{B0D446C8-A970-3F4D-ABD7-3EB31CDB4E93}" type="datetimeFigureOut">
               <a:rPr lang="en-US" smtClean="0"/>
-              <a:t>5/28/22</a:t>
+              <a:t>7/18/22</a:t>
             </a:fld>
             <a:endParaRPr lang="en-US"/>
           </a:p>
@@ -661,7 +667,7 @@
           <a:p>
             <a:fld id="{B0D446C8-A970-3F4D-ABD7-3EB31CDB4E93}" type="datetimeFigureOut">
               <a:rPr lang="en-US" smtClean="0"/>
-              <a:t>5/28/22</a:t>
+              <a:t>7/18/22</a:t>
             </a:fld>
             <a:endParaRPr lang="en-US"/>
           </a:p>
@@ -859,7 +865,7 @@
           <a:p>
             <a:fld id="{B0D446C8-A970-3F4D-ABD7-3EB31CDB4E93}" type="datetimeFigureOut">
               <a:rPr lang="en-US" smtClean="0"/>
-              <a:t>5/28/22</a:t>
+              <a:t>7/18/22</a:t>
             </a:fld>
             <a:endParaRPr lang="en-US"/>
           </a:p>
@@ -1134,7 +1140,7 @@
           <a:p>
             <a:fld id="{B0D446C8-A970-3F4D-ABD7-3EB31CDB4E93}" type="datetimeFigureOut">
               <a:rPr lang="en-US" smtClean="0"/>
-              <a:t>5/28/22</a:t>
+              <a:t>7/18/22</a:t>
             </a:fld>
             <a:endParaRPr lang="en-US"/>
           </a:p>
@@ -1399,7 +1405,7 @@
           <a:p>
             <a:fld id="{B0D446C8-A970-3F4D-ABD7-3EB31CDB4E93}" type="datetimeFigureOut">
               <a:rPr lang="en-US" smtClean="0"/>
-              <a:t>5/28/22</a:t>
+              <a:t>7/18/22</a:t>
             </a:fld>
             <a:endParaRPr lang="en-US"/>
           </a:p>
@@ -1811,7 +1817,7 @@
           <a:p>
             <a:fld id="{B0D446C8-A970-3F4D-ABD7-3EB31CDB4E93}" type="datetimeFigureOut">
               <a:rPr lang="en-US" smtClean="0"/>
-              <a:t>5/28/22</a:t>
+              <a:t>7/18/22</a:t>
             </a:fld>
             <a:endParaRPr lang="en-US"/>
           </a:p>
@@ -1952,7 +1958,7 @@
           <a:p>
             <a:fld id="{B0D446C8-A970-3F4D-ABD7-3EB31CDB4E93}" type="datetimeFigureOut">
               <a:rPr lang="en-US" smtClean="0"/>
-              <a:t>5/28/22</a:t>
+              <a:t>7/18/22</a:t>
             </a:fld>
             <a:endParaRPr lang="en-US"/>
           </a:p>
@@ -2065,7 +2071,7 @@
           <a:p>
             <a:fld id="{B0D446C8-A970-3F4D-ABD7-3EB31CDB4E93}" type="datetimeFigureOut">
               <a:rPr lang="en-US" smtClean="0"/>
-              <a:t>5/28/22</a:t>
+              <a:t>7/18/22</a:t>
             </a:fld>
             <a:endParaRPr lang="en-US"/>
           </a:p>
@@ -2376,7 +2382,7 @@
           <a:p>
             <a:fld id="{B0D446C8-A970-3F4D-ABD7-3EB31CDB4E93}" type="datetimeFigureOut">
               <a:rPr lang="en-US" smtClean="0"/>
-              <a:t>5/28/22</a:t>
+              <a:t>7/18/22</a:t>
             </a:fld>
             <a:endParaRPr lang="en-US"/>
           </a:p>
@@ -2664,7 +2670,7 @@
           <a:p>
             <a:fld id="{B0D446C8-A970-3F4D-ABD7-3EB31CDB4E93}" type="datetimeFigureOut">
               <a:rPr lang="en-US" smtClean="0"/>
-              <a:t>5/28/22</a:t>
+              <a:t>7/18/22</a:t>
             </a:fld>
             <a:endParaRPr lang="en-US"/>
           </a:p>
@@ -2905,7 +2911,7 @@
           <a:p>
             <a:fld id="{B0D446C8-A970-3F4D-ABD7-3EB31CDB4E93}" type="datetimeFigureOut">
               <a:rPr lang="en-US" smtClean="0"/>
-              <a:t>5/28/22</a:t>
+              <a:t>7/18/22</a:t>
             </a:fld>
             <a:endParaRPr lang="en-US"/>
           </a:p>
@@ -3324,10 +3330,10 @@
       </p:grpSpPr>
       <p:grpSp>
         <p:nvGrpSpPr>
-          <p:cNvPr id="72" name="Group 71">
+          <p:cNvPr id="71" name="Group 70">
             <a:extLst>
               <a:ext uri="{FF2B5EF4-FFF2-40B4-BE49-F238E27FC236}">
-                <a16:creationId xmlns:a16="http://schemas.microsoft.com/office/drawing/2014/main" id="{84A12FC0-33BC-E748-AC88-0B3DD149E667}"/>
+                <a16:creationId xmlns:a16="http://schemas.microsoft.com/office/drawing/2014/main" id="{7A13632D-E284-0048-8CA7-C0B9D8D7FDE1}"/>
               </a:ext>
             </a:extLst>
           </p:cNvPr>
@@ -3336,7 +3342,7 @@
         </p:nvGrpSpPr>
         <p:grpSpPr>
           <a:xfrm>
-            <a:off x="295349" y="273377"/>
+            <a:off x="184817" y="112604"/>
             <a:ext cx="11601279" cy="5662961"/>
             <a:chOff x="361337" y="169683"/>
             <a:chExt cx="11601279" cy="5662961"/>
@@ -3344,10 +3350,10 @@
         </p:grpSpPr>
         <p:pic>
           <p:nvPicPr>
-            <p:cNvPr id="59" name="Picture 58">
-              <a:extLst>
-                <a:ext uri="{FF2B5EF4-FFF2-40B4-BE49-F238E27FC236}">
-                  <a16:creationId xmlns:a16="http://schemas.microsoft.com/office/drawing/2014/main" id="{89F245DE-5511-354B-936A-72A8B6186050}"/>
+            <p:cNvPr id="5" name="Picture 4">
+              <a:extLst>
+                <a:ext uri="{FF2B5EF4-FFF2-40B4-BE49-F238E27FC236}">
+                  <a16:creationId xmlns:a16="http://schemas.microsoft.com/office/drawing/2014/main" id="{929F5182-4AE7-AC4B-9D20-6A43EA71D473}"/>
                 </a:ext>
               </a:extLst>
             </p:cNvPr>
@@ -3364,177 +3370,1425 @@
           </p:blipFill>
           <p:spPr>
             <a:xfrm>
-              <a:off x="1585880" y="5157767"/>
-              <a:ext cx="645343" cy="645343"/>
+              <a:off x="361337" y="1010653"/>
+              <a:ext cx="3921905" cy="2839453"/>
             </a:xfrm>
             <a:prstGeom prst="rect">
               <a:avLst/>
             </a:prstGeom>
           </p:spPr>
         </p:pic>
-        <p:grpSp>
-          <p:nvGrpSpPr>
-            <p:cNvPr id="71" name="Group 70">
-              <a:extLst>
-                <a:ext uri="{FF2B5EF4-FFF2-40B4-BE49-F238E27FC236}">
-                  <a16:creationId xmlns:a16="http://schemas.microsoft.com/office/drawing/2014/main" id="{7A13632D-E284-0048-8CA7-C0B9D8D7FDE1}"/>
-                </a:ext>
-              </a:extLst>
-            </p:cNvPr>
-            <p:cNvGrpSpPr/>
-            <p:nvPr/>
-          </p:nvGrpSpPr>
-          <p:grpSpPr>
+        <p:sp>
+          <p:nvSpPr>
+            <p:cNvPr id="15" name="Arc 14">
+              <a:extLst>
+                <a:ext uri="{FF2B5EF4-FFF2-40B4-BE49-F238E27FC236}">
+                  <a16:creationId xmlns:a16="http://schemas.microsoft.com/office/drawing/2014/main" id="{55BA842F-C23E-9343-A246-DBB9AD7F69C5}"/>
+                </a:ext>
+              </a:extLst>
+            </p:cNvPr>
+            <p:cNvSpPr/>
+            <p:nvPr/>
+          </p:nvSpPr>
+          <p:spPr>
             <a:xfrm>
-              <a:off x="361337" y="169683"/>
-              <a:ext cx="11601279" cy="5662961"/>
-              <a:chOff x="361337" y="169683"/>
-              <a:chExt cx="11601279" cy="5662961"/>
-            </a:xfrm>
-          </p:grpSpPr>
-          <p:pic>
-            <p:nvPicPr>
-              <p:cNvPr id="5" name="Picture 4">
-                <a:extLst>
-                  <a:ext uri="{FF2B5EF4-FFF2-40B4-BE49-F238E27FC236}">
-                    <a16:creationId xmlns:a16="http://schemas.microsoft.com/office/drawing/2014/main" id="{929F5182-4AE7-AC4B-9D20-6A43EA71D473}"/>
-                  </a:ext>
-                </a:extLst>
-              </p:cNvPr>
-              <p:cNvPicPr>
-                <a:picLocks noChangeAspect="1"/>
-              </p:cNvPicPr>
-              <p:nvPr/>
-            </p:nvPicPr>
-            <p:blipFill>
-              <a:blip r:embed="rId3"/>
-              <a:stretch>
-                <a:fillRect/>
-              </a:stretch>
-            </p:blipFill>
-            <p:spPr>
-              <a:xfrm>
-                <a:off x="361337" y="1010653"/>
-                <a:ext cx="3921905" cy="2839453"/>
-              </a:xfrm>
-              <a:prstGeom prst="rect">
-                <a:avLst/>
-              </a:prstGeom>
-            </p:spPr>
-          </p:pic>
-          <p:sp>
-            <p:nvSpPr>
-              <p:cNvPr id="15" name="Arc 14">
-                <a:extLst>
-                  <a:ext uri="{FF2B5EF4-FFF2-40B4-BE49-F238E27FC236}">
-                    <a16:creationId xmlns:a16="http://schemas.microsoft.com/office/drawing/2014/main" id="{55BA842F-C23E-9343-A246-DBB9AD7F69C5}"/>
-                  </a:ext>
-                </a:extLst>
-              </p:cNvPr>
-              <p:cNvSpPr/>
-              <p:nvPr/>
-            </p:nvSpPr>
-            <p:spPr>
-              <a:xfrm>
-                <a:off x="1941921" y="169683"/>
-                <a:ext cx="8155575" cy="2978870"/>
-              </a:xfrm>
-              <a:prstGeom prst="arc">
-                <a:avLst>
-                  <a:gd name="adj1" fmla="val 11392369"/>
-                  <a:gd name="adj2" fmla="val 0"/>
-                </a:avLst>
-              </a:prstGeom>
-              <a:noFill/>
-              <a:ln w="57150">
-                <a:solidFill>
-                  <a:schemeClr val="tx1"/>
-                </a:solidFill>
-              </a:ln>
-            </p:spPr>
-            <p:style>
-              <a:lnRef idx="1">
-                <a:schemeClr val="accent1"/>
-              </a:lnRef>
-              <a:fillRef idx="0">
-                <a:schemeClr val="accent1"/>
-              </a:fillRef>
-              <a:effectRef idx="0">
-                <a:schemeClr val="accent1"/>
-              </a:effectRef>
-              <a:fontRef idx="minor">
-                <a:schemeClr val="tx1"/>
-              </a:fontRef>
-            </p:style>
-            <p:txBody>
-              <a:bodyPr rtlCol="0" anchor="ctr"/>
-              <a:lstStyle/>
-              <a:p>
-                <a:pPr algn="ctr"/>
-                <a:endParaRPr lang="en-US"/>
-              </a:p>
-            </p:txBody>
-          </p:sp>
-          <p:sp>
-            <p:nvSpPr>
-              <p:cNvPr id="16" name="Triangle 15">
-                <a:extLst>
-                  <a:ext uri="{FF2B5EF4-FFF2-40B4-BE49-F238E27FC236}">
-                    <a16:creationId xmlns:a16="http://schemas.microsoft.com/office/drawing/2014/main" id="{0A0B82B3-8746-864E-A146-7FB5CE521A74}"/>
-                  </a:ext>
-                </a:extLst>
-              </p:cNvPr>
-              <p:cNvSpPr/>
-              <p:nvPr/>
-            </p:nvSpPr>
-            <p:spPr>
-              <a:xfrm rot="10800000">
-                <a:off x="9794450" y="1517714"/>
-                <a:ext cx="565608" cy="386499"/>
-              </a:xfrm>
-              <a:prstGeom prst="triangle">
-                <a:avLst/>
-              </a:prstGeom>
+              <a:off x="1941921" y="169683"/>
+              <a:ext cx="8155575" cy="2978870"/>
+            </a:xfrm>
+            <a:prstGeom prst="arc">
+              <a:avLst>
+                <a:gd name="adj1" fmla="val 11392369"/>
+                <a:gd name="adj2" fmla="val 0"/>
+              </a:avLst>
+            </a:prstGeom>
+            <a:noFill/>
+            <a:ln w="57150">
               <a:solidFill>
                 <a:schemeClr val="tx1"/>
               </a:solidFill>
-              <a:ln>
-                <a:solidFill>
-                  <a:schemeClr val="tx1"/>
-                </a:solidFill>
-              </a:ln>
-            </p:spPr>
-            <p:style>
-              <a:lnRef idx="2">
-                <a:schemeClr val="accent1">
-                  <a:shade val="50000"/>
-                </a:schemeClr>
-              </a:lnRef>
-              <a:fillRef idx="1">
-                <a:schemeClr val="accent1"/>
-              </a:fillRef>
-              <a:effectRef idx="0">
-                <a:schemeClr val="accent1"/>
-              </a:effectRef>
-              <a:fontRef idx="minor">
-                <a:schemeClr val="lt1"/>
-              </a:fontRef>
-            </p:style>
-            <p:txBody>
-              <a:bodyPr rtlCol="0" anchor="ctr"/>
-              <a:lstStyle/>
-              <a:p>
-                <a:pPr algn="ctr"/>
-                <a:endParaRPr lang="en-US"/>
-              </a:p>
-            </p:txBody>
-          </p:sp>
+            </a:ln>
+          </p:spPr>
+          <p:style>
+            <a:lnRef idx="1">
+              <a:schemeClr val="accent1"/>
+            </a:lnRef>
+            <a:fillRef idx="0">
+              <a:schemeClr val="accent1"/>
+            </a:fillRef>
+            <a:effectRef idx="0">
+              <a:schemeClr val="accent1"/>
+            </a:effectRef>
+            <a:fontRef idx="minor">
+              <a:schemeClr val="tx1"/>
+            </a:fontRef>
+          </p:style>
+          <p:txBody>
+            <a:bodyPr rtlCol="0" anchor="ctr"/>
+            <a:lstStyle/>
+            <a:p>
+              <a:pPr algn="ctr"/>
+              <a:endParaRPr lang="en-US"/>
+            </a:p>
+          </p:txBody>
+        </p:sp>
+        <p:sp>
+          <p:nvSpPr>
+            <p:cNvPr id="16" name="Triangle 15">
+              <a:extLst>
+                <a:ext uri="{FF2B5EF4-FFF2-40B4-BE49-F238E27FC236}">
+                  <a16:creationId xmlns:a16="http://schemas.microsoft.com/office/drawing/2014/main" id="{0A0B82B3-8746-864E-A146-7FB5CE521A74}"/>
+                </a:ext>
+              </a:extLst>
+            </p:cNvPr>
+            <p:cNvSpPr/>
+            <p:nvPr/>
+          </p:nvSpPr>
+          <p:spPr>
+            <a:xfrm rot="10800000">
+              <a:off x="9794450" y="1517714"/>
+              <a:ext cx="565608" cy="386499"/>
+            </a:xfrm>
+            <a:prstGeom prst="triangle">
+              <a:avLst/>
+            </a:prstGeom>
+            <a:solidFill>
+              <a:schemeClr val="tx1"/>
+            </a:solidFill>
+            <a:ln>
+              <a:solidFill>
+                <a:schemeClr val="tx1"/>
+              </a:solidFill>
+            </a:ln>
+          </p:spPr>
+          <p:style>
+            <a:lnRef idx="2">
+              <a:schemeClr val="accent1">
+                <a:shade val="50000"/>
+              </a:schemeClr>
+            </a:lnRef>
+            <a:fillRef idx="1">
+              <a:schemeClr val="accent1"/>
+            </a:fillRef>
+            <a:effectRef idx="0">
+              <a:schemeClr val="accent1"/>
+            </a:effectRef>
+            <a:fontRef idx="minor">
+              <a:schemeClr val="lt1"/>
+            </a:fontRef>
+          </p:style>
+          <p:txBody>
+            <a:bodyPr rtlCol="0" anchor="ctr"/>
+            <a:lstStyle/>
+            <a:p>
+              <a:pPr algn="ctr"/>
+              <a:endParaRPr lang="en-US"/>
+            </a:p>
+          </p:txBody>
+        </p:sp>
+        <p:sp>
+          <p:nvSpPr>
+            <p:cNvPr id="17" name="TextBox 16">
+              <a:extLst>
+                <a:ext uri="{FF2B5EF4-FFF2-40B4-BE49-F238E27FC236}">
+                  <a16:creationId xmlns:a16="http://schemas.microsoft.com/office/drawing/2014/main" id="{49405B28-1F6C-844F-BD40-118D556B1A30}"/>
+                </a:ext>
+              </a:extLst>
+            </p:cNvPr>
+            <p:cNvSpPr txBox="1"/>
+            <p:nvPr/>
+          </p:nvSpPr>
+          <p:spPr>
+            <a:xfrm>
+              <a:off x="1574276" y="1527142"/>
+              <a:ext cx="1461155" cy="369332"/>
+            </a:xfrm>
+            <a:prstGeom prst="rect">
+              <a:avLst/>
+            </a:prstGeom>
+            <a:noFill/>
+          </p:spPr>
+          <p:txBody>
+            <a:bodyPr wrap="square" rtlCol="0">
+              <a:spAutoFit/>
+            </a:bodyPr>
+            <a:lstStyle/>
+            <a:p>
+              <a:r>
+                <a:rPr lang="en-US" b="1" dirty="0"/>
+                <a:t>POPULATION</a:t>
+              </a:r>
+            </a:p>
+          </p:txBody>
+        </p:sp>
+        <p:sp>
+          <p:nvSpPr>
+            <p:cNvPr id="18" name="TextBox 17">
+              <a:extLst>
+                <a:ext uri="{FF2B5EF4-FFF2-40B4-BE49-F238E27FC236}">
+                  <a16:creationId xmlns:a16="http://schemas.microsoft.com/office/drawing/2014/main" id="{C668BDED-97AB-1E47-A273-36B27515B521}"/>
+                </a:ext>
+              </a:extLst>
+            </p:cNvPr>
+            <p:cNvSpPr txBox="1"/>
+            <p:nvPr/>
+          </p:nvSpPr>
+          <p:spPr>
+            <a:xfrm>
+              <a:off x="5619947" y="416350"/>
+              <a:ext cx="1025952" cy="369332"/>
+            </a:xfrm>
+            <a:prstGeom prst="rect">
+              <a:avLst/>
+            </a:prstGeom>
+            <a:noFill/>
+          </p:spPr>
+          <p:txBody>
+            <a:bodyPr wrap="square" rtlCol="0">
+              <a:spAutoFit/>
+            </a:bodyPr>
+            <a:lstStyle/>
+            <a:p>
+              <a:r>
+                <a:rPr lang="en-US" b="1" dirty="0"/>
+                <a:t>DESIGN</a:t>
+              </a:r>
+            </a:p>
+          </p:txBody>
+        </p:sp>
+        <p:sp>
+          <p:nvSpPr>
+            <p:cNvPr id="19" name="TextBox 18">
+              <a:extLst>
+                <a:ext uri="{FF2B5EF4-FFF2-40B4-BE49-F238E27FC236}">
+                  <a16:creationId xmlns:a16="http://schemas.microsoft.com/office/drawing/2014/main" id="{1ED98452-CE3E-8B4E-9211-3D4BBDBDAC5C}"/>
+                </a:ext>
+              </a:extLst>
+            </p:cNvPr>
+            <p:cNvSpPr txBox="1"/>
+            <p:nvPr/>
+          </p:nvSpPr>
+          <p:spPr>
+            <a:xfrm>
+              <a:off x="9607485" y="1934066"/>
+              <a:ext cx="1035377" cy="369332"/>
+            </a:xfrm>
+            <a:prstGeom prst="rect">
+              <a:avLst/>
+            </a:prstGeom>
+            <a:noFill/>
+          </p:spPr>
+          <p:txBody>
+            <a:bodyPr wrap="square" rtlCol="0">
+              <a:spAutoFit/>
+            </a:bodyPr>
+            <a:lstStyle/>
+            <a:p>
+              <a:r>
+                <a:rPr lang="en-US" b="1" dirty="0"/>
+                <a:t>SAMPLE</a:t>
+              </a:r>
+            </a:p>
+          </p:txBody>
+        </p:sp>
+        <p:pic>
+          <p:nvPicPr>
+            <p:cNvPr id="21" name="Picture 20">
+              <a:extLst>
+                <a:ext uri="{FF2B5EF4-FFF2-40B4-BE49-F238E27FC236}">
+                  <a16:creationId xmlns:a16="http://schemas.microsoft.com/office/drawing/2014/main" id="{B45BE301-CAA8-FD48-8089-EE2A0B449787}"/>
+                </a:ext>
+              </a:extLst>
+            </p:cNvPr>
+            <p:cNvPicPr>
+              <a:picLocks noChangeAspect="1"/>
+            </p:cNvPicPr>
+            <p:nvPr/>
+          </p:nvPicPr>
+          <p:blipFill>
+            <a:blip r:embed="rId3"/>
+            <a:stretch>
+              <a:fillRect/>
+            </a:stretch>
+          </p:blipFill>
+          <p:spPr>
+            <a:xfrm>
+              <a:off x="1092986" y="3054546"/>
+              <a:ext cx="377596" cy="377596"/>
+            </a:xfrm>
+            <a:prstGeom prst="rect">
+              <a:avLst/>
+            </a:prstGeom>
+          </p:spPr>
+        </p:pic>
+        <p:pic>
+          <p:nvPicPr>
+            <p:cNvPr id="22" name="Picture 21">
+              <a:extLst>
+                <a:ext uri="{FF2B5EF4-FFF2-40B4-BE49-F238E27FC236}">
+                  <a16:creationId xmlns:a16="http://schemas.microsoft.com/office/drawing/2014/main" id="{CD6473C5-7F02-E341-810B-BD2E92987E21}"/>
+                </a:ext>
+              </a:extLst>
+            </p:cNvPr>
+            <p:cNvPicPr>
+              <a:picLocks noChangeAspect="1"/>
+            </p:cNvPicPr>
+            <p:nvPr/>
+          </p:nvPicPr>
+          <p:blipFill>
+            <a:blip r:embed="rId3"/>
+            <a:stretch>
+              <a:fillRect/>
+            </a:stretch>
+          </p:blipFill>
+          <p:spPr>
+            <a:xfrm rot="2425782">
+              <a:off x="802326" y="2848728"/>
+              <a:ext cx="377596" cy="377596"/>
+            </a:xfrm>
+            <a:prstGeom prst="rect">
+              <a:avLst/>
+            </a:prstGeom>
+          </p:spPr>
+        </p:pic>
+        <p:pic>
+          <p:nvPicPr>
+            <p:cNvPr id="23" name="Picture 22">
+              <a:extLst>
+                <a:ext uri="{FF2B5EF4-FFF2-40B4-BE49-F238E27FC236}">
+                  <a16:creationId xmlns:a16="http://schemas.microsoft.com/office/drawing/2014/main" id="{9391AD8E-8119-5E49-9FBB-2CE2CD01A3FA}"/>
+                </a:ext>
+              </a:extLst>
+            </p:cNvPr>
+            <p:cNvPicPr>
+              <a:picLocks noChangeAspect="1"/>
+            </p:cNvPicPr>
+            <p:nvPr/>
+          </p:nvPicPr>
+          <p:blipFill>
+            <a:blip r:embed="rId3"/>
+            <a:stretch>
+              <a:fillRect/>
+            </a:stretch>
+          </p:blipFill>
+          <p:spPr>
+            <a:xfrm rot="1745556">
+              <a:off x="1086701" y="2652337"/>
+              <a:ext cx="377596" cy="377596"/>
+            </a:xfrm>
+            <a:prstGeom prst="rect">
+              <a:avLst/>
+            </a:prstGeom>
+          </p:spPr>
+        </p:pic>
+        <p:pic>
+          <p:nvPicPr>
+            <p:cNvPr id="24" name="Picture 23">
+              <a:extLst>
+                <a:ext uri="{FF2B5EF4-FFF2-40B4-BE49-F238E27FC236}">
+                  <a16:creationId xmlns:a16="http://schemas.microsoft.com/office/drawing/2014/main" id="{B610EB9C-E7F0-704B-B57C-D92F2A8E6002}"/>
+                </a:ext>
+              </a:extLst>
+            </p:cNvPr>
+            <p:cNvPicPr>
+              <a:picLocks noChangeAspect="1"/>
+            </p:cNvPicPr>
+            <p:nvPr/>
+          </p:nvPicPr>
+          <p:blipFill>
+            <a:blip r:embed="rId3"/>
+            <a:stretch>
+              <a:fillRect/>
+            </a:stretch>
+          </p:blipFill>
+          <p:spPr>
+            <a:xfrm rot="16415862">
+              <a:off x="1342796" y="3323211"/>
+              <a:ext cx="377596" cy="377596"/>
+            </a:xfrm>
+            <a:prstGeom prst="rect">
+              <a:avLst/>
+            </a:prstGeom>
+          </p:spPr>
+        </p:pic>
+        <p:pic>
+          <p:nvPicPr>
+            <p:cNvPr id="25" name="Picture 24">
+              <a:extLst>
+                <a:ext uri="{FF2B5EF4-FFF2-40B4-BE49-F238E27FC236}">
+                  <a16:creationId xmlns:a16="http://schemas.microsoft.com/office/drawing/2014/main" id="{A508807C-BE73-5446-9233-50FE556F713C}"/>
+                </a:ext>
+              </a:extLst>
+            </p:cNvPr>
+            <p:cNvPicPr>
+              <a:picLocks noChangeAspect="1"/>
+            </p:cNvPicPr>
+            <p:nvPr/>
+          </p:nvPicPr>
+          <p:blipFill>
+            <a:blip r:embed="rId3"/>
+            <a:stretch>
+              <a:fillRect/>
+            </a:stretch>
+          </p:blipFill>
+          <p:spPr>
+            <a:xfrm>
+              <a:off x="1410355" y="3070258"/>
+              <a:ext cx="377596" cy="377596"/>
+            </a:xfrm>
+            <a:prstGeom prst="rect">
+              <a:avLst/>
+            </a:prstGeom>
+          </p:spPr>
+        </p:pic>
+        <p:pic>
+          <p:nvPicPr>
+            <p:cNvPr id="26" name="Picture 25">
+              <a:extLst>
+                <a:ext uri="{FF2B5EF4-FFF2-40B4-BE49-F238E27FC236}">
+                  <a16:creationId xmlns:a16="http://schemas.microsoft.com/office/drawing/2014/main" id="{A4481F2E-7983-E342-9373-DFFCCDC96398}"/>
+                </a:ext>
+              </a:extLst>
+            </p:cNvPr>
+            <p:cNvPicPr>
+              <a:picLocks noChangeAspect="1"/>
+            </p:cNvPicPr>
+            <p:nvPr/>
+          </p:nvPicPr>
+          <p:blipFill>
+            <a:blip r:embed="rId3"/>
+            <a:stretch>
+              <a:fillRect/>
+            </a:stretch>
+          </p:blipFill>
+          <p:spPr>
+            <a:xfrm rot="14405037">
+              <a:off x="1383645" y="2760744"/>
+              <a:ext cx="377596" cy="377596"/>
+            </a:xfrm>
+            <a:prstGeom prst="rect">
+              <a:avLst/>
+            </a:prstGeom>
+          </p:spPr>
+        </p:pic>
+        <p:pic>
+          <p:nvPicPr>
+            <p:cNvPr id="27" name="Picture 26">
+              <a:extLst>
+                <a:ext uri="{FF2B5EF4-FFF2-40B4-BE49-F238E27FC236}">
+                  <a16:creationId xmlns:a16="http://schemas.microsoft.com/office/drawing/2014/main" id="{2288010D-1BDE-8643-B0FB-3303595DC8EA}"/>
+                </a:ext>
+              </a:extLst>
+            </p:cNvPr>
+            <p:cNvPicPr>
+              <a:picLocks noChangeAspect="1"/>
+            </p:cNvPicPr>
+            <p:nvPr/>
+          </p:nvPicPr>
+          <p:blipFill>
+            <a:blip r:embed="rId3"/>
+            <a:stretch>
+              <a:fillRect/>
+            </a:stretch>
+          </p:blipFill>
+          <p:spPr>
+            <a:xfrm>
+              <a:off x="1658594" y="3327924"/>
+              <a:ext cx="377596" cy="377596"/>
+            </a:xfrm>
+            <a:prstGeom prst="rect">
+              <a:avLst/>
+            </a:prstGeom>
+          </p:spPr>
+        </p:pic>
+        <p:pic>
+          <p:nvPicPr>
+            <p:cNvPr id="28" name="Picture 27">
+              <a:extLst>
+                <a:ext uri="{FF2B5EF4-FFF2-40B4-BE49-F238E27FC236}">
+                  <a16:creationId xmlns:a16="http://schemas.microsoft.com/office/drawing/2014/main" id="{0570A39D-F800-8847-88B5-8BCAA0C14227}"/>
+                </a:ext>
+              </a:extLst>
+            </p:cNvPr>
+            <p:cNvPicPr>
+              <a:picLocks noChangeAspect="1"/>
+            </p:cNvPicPr>
+            <p:nvPr/>
+          </p:nvPicPr>
+          <p:blipFill>
+            <a:blip r:embed="rId3"/>
+            <a:stretch>
+              <a:fillRect/>
+            </a:stretch>
+          </p:blipFill>
+          <p:spPr>
+            <a:xfrm>
+              <a:off x="1613031" y="2952423"/>
+              <a:ext cx="377596" cy="377596"/>
+            </a:xfrm>
+            <a:prstGeom prst="rect">
+              <a:avLst/>
+            </a:prstGeom>
+          </p:spPr>
+        </p:pic>
+        <p:pic>
+          <p:nvPicPr>
+            <p:cNvPr id="29" name="Picture 28">
+              <a:extLst>
+                <a:ext uri="{FF2B5EF4-FFF2-40B4-BE49-F238E27FC236}">
+                  <a16:creationId xmlns:a16="http://schemas.microsoft.com/office/drawing/2014/main" id="{804AB597-C9D3-ED4A-8FE8-4865BFB520B2}"/>
+                </a:ext>
+              </a:extLst>
+            </p:cNvPr>
+            <p:cNvPicPr>
+              <a:picLocks noChangeAspect="1"/>
+            </p:cNvPicPr>
+            <p:nvPr/>
+          </p:nvPicPr>
+          <p:blipFill>
+            <a:blip r:embed="rId3"/>
+            <a:stretch>
+              <a:fillRect/>
+            </a:stretch>
+          </p:blipFill>
+          <p:spPr>
+            <a:xfrm rot="2467878">
+              <a:off x="1887980" y="3321639"/>
+              <a:ext cx="377596" cy="377596"/>
+            </a:xfrm>
+            <a:prstGeom prst="rect">
+              <a:avLst/>
+            </a:prstGeom>
+          </p:spPr>
+        </p:pic>
+        <p:pic>
+          <p:nvPicPr>
+            <p:cNvPr id="30" name="Picture 29">
+              <a:extLst>
+                <a:ext uri="{FF2B5EF4-FFF2-40B4-BE49-F238E27FC236}">
+                  <a16:creationId xmlns:a16="http://schemas.microsoft.com/office/drawing/2014/main" id="{F6D091CA-22D3-7F4C-84B1-15D4EFB698DA}"/>
+                </a:ext>
+              </a:extLst>
+            </p:cNvPr>
+            <p:cNvPicPr>
+              <a:picLocks noChangeAspect="1"/>
+            </p:cNvPicPr>
+            <p:nvPr/>
+          </p:nvPicPr>
+          <p:blipFill>
+            <a:blip r:embed="rId3"/>
+            <a:stretch>
+              <a:fillRect/>
+            </a:stretch>
+          </p:blipFill>
+          <p:spPr>
+            <a:xfrm rot="19431032">
+              <a:off x="1748149" y="2616200"/>
+              <a:ext cx="377596" cy="377596"/>
+            </a:xfrm>
+            <a:prstGeom prst="rect">
+              <a:avLst/>
+            </a:prstGeom>
+          </p:spPr>
+        </p:pic>
+        <p:pic>
+          <p:nvPicPr>
+            <p:cNvPr id="31" name="Picture 30">
+              <a:extLst>
+                <a:ext uri="{FF2B5EF4-FFF2-40B4-BE49-F238E27FC236}">
+                  <a16:creationId xmlns:a16="http://schemas.microsoft.com/office/drawing/2014/main" id="{3909C165-F994-234A-A4FA-749675050783}"/>
+                </a:ext>
+              </a:extLst>
+            </p:cNvPr>
+            <p:cNvPicPr>
+              <a:picLocks noChangeAspect="1"/>
+            </p:cNvPicPr>
+            <p:nvPr/>
+          </p:nvPicPr>
+          <p:blipFill>
+            <a:blip r:embed="rId3"/>
+            <a:stretch>
+              <a:fillRect/>
+            </a:stretch>
+          </p:blipFill>
+          <p:spPr>
+            <a:xfrm>
+              <a:off x="2192780" y="3296501"/>
+              <a:ext cx="377596" cy="377596"/>
+            </a:xfrm>
+            <a:prstGeom prst="rect">
+              <a:avLst/>
+            </a:prstGeom>
+          </p:spPr>
+        </p:pic>
+        <p:pic>
+          <p:nvPicPr>
+            <p:cNvPr id="32" name="Picture 31">
+              <a:extLst>
+                <a:ext uri="{FF2B5EF4-FFF2-40B4-BE49-F238E27FC236}">
+                  <a16:creationId xmlns:a16="http://schemas.microsoft.com/office/drawing/2014/main" id="{647E4B7F-1953-F24B-9946-CD380A5C123F}"/>
+                </a:ext>
+              </a:extLst>
+            </p:cNvPr>
+            <p:cNvPicPr>
+              <a:picLocks noChangeAspect="1"/>
+            </p:cNvPicPr>
+            <p:nvPr/>
+          </p:nvPicPr>
+          <p:blipFill>
+            <a:blip r:embed="rId3"/>
+            <a:stretch>
+              <a:fillRect/>
+            </a:stretch>
+          </p:blipFill>
+          <p:spPr>
+            <a:xfrm rot="8467023">
+              <a:off x="2561996" y="3298072"/>
+              <a:ext cx="377596" cy="377596"/>
+            </a:xfrm>
+            <a:prstGeom prst="rect">
+              <a:avLst/>
+            </a:prstGeom>
+          </p:spPr>
+        </p:pic>
+        <p:pic>
+          <p:nvPicPr>
+            <p:cNvPr id="33" name="Picture 32">
+              <a:extLst>
+                <a:ext uri="{FF2B5EF4-FFF2-40B4-BE49-F238E27FC236}">
+                  <a16:creationId xmlns:a16="http://schemas.microsoft.com/office/drawing/2014/main" id="{71D33E9C-2568-FB44-ADFF-121E3B3174CA}"/>
+                </a:ext>
+              </a:extLst>
+            </p:cNvPr>
+            <p:cNvPicPr>
+              <a:picLocks noChangeAspect="1"/>
+            </p:cNvPicPr>
+            <p:nvPr/>
+          </p:nvPicPr>
+          <p:blipFill>
+            <a:blip r:embed="rId3"/>
+            <a:stretch>
+              <a:fillRect/>
+            </a:stretch>
+          </p:blipFill>
+          <p:spPr>
+            <a:xfrm>
+              <a:off x="2959493" y="3327924"/>
+              <a:ext cx="377596" cy="377596"/>
+            </a:xfrm>
+            <a:prstGeom prst="rect">
+              <a:avLst/>
+            </a:prstGeom>
+          </p:spPr>
+        </p:pic>
+        <p:pic>
+          <p:nvPicPr>
+            <p:cNvPr id="34" name="Picture 33">
+              <a:extLst>
+                <a:ext uri="{FF2B5EF4-FFF2-40B4-BE49-F238E27FC236}">
+                  <a16:creationId xmlns:a16="http://schemas.microsoft.com/office/drawing/2014/main" id="{5BED1ED5-D8E1-F64E-AD2D-D6F6A8FBB806}"/>
+                </a:ext>
+              </a:extLst>
+            </p:cNvPr>
+            <p:cNvPicPr>
+              <a:picLocks noChangeAspect="1"/>
+            </p:cNvPicPr>
+            <p:nvPr/>
+          </p:nvPicPr>
+          <p:blipFill>
+            <a:blip r:embed="rId3"/>
+            <a:stretch>
+              <a:fillRect/>
+            </a:stretch>
+          </p:blipFill>
+          <p:spPr>
+            <a:xfrm>
+              <a:off x="2913930" y="2971276"/>
+              <a:ext cx="377596" cy="377596"/>
+            </a:xfrm>
+            <a:prstGeom prst="rect">
+              <a:avLst/>
+            </a:prstGeom>
+          </p:spPr>
+        </p:pic>
+        <p:pic>
+          <p:nvPicPr>
+            <p:cNvPr id="35" name="Picture 34">
+              <a:extLst>
+                <a:ext uri="{FF2B5EF4-FFF2-40B4-BE49-F238E27FC236}">
+                  <a16:creationId xmlns:a16="http://schemas.microsoft.com/office/drawing/2014/main" id="{D74DCC3E-B89B-5A44-9FDA-20227EF3F04A}"/>
+                </a:ext>
+              </a:extLst>
+            </p:cNvPr>
+            <p:cNvPicPr>
+              <a:picLocks noChangeAspect="1"/>
+            </p:cNvPicPr>
+            <p:nvPr/>
+          </p:nvPicPr>
+          <p:blipFill>
+            <a:blip r:embed="rId3"/>
+            <a:stretch>
+              <a:fillRect/>
+            </a:stretch>
+          </p:blipFill>
+          <p:spPr>
+            <a:xfrm rot="18995547">
+              <a:off x="3254866" y="3104823"/>
+              <a:ext cx="377596" cy="377596"/>
+            </a:xfrm>
+            <a:prstGeom prst="rect">
+              <a:avLst/>
+            </a:prstGeom>
+          </p:spPr>
+        </p:pic>
+        <p:pic>
+          <p:nvPicPr>
+            <p:cNvPr id="36" name="Picture 35">
+              <a:extLst>
+                <a:ext uri="{FF2B5EF4-FFF2-40B4-BE49-F238E27FC236}">
+                  <a16:creationId xmlns:a16="http://schemas.microsoft.com/office/drawing/2014/main" id="{107DC5FD-AE06-254D-A85F-DC0E8F849D67}"/>
+                </a:ext>
+              </a:extLst>
+            </p:cNvPr>
+            <p:cNvPicPr>
+              <a:picLocks noChangeAspect="1"/>
+            </p:cNvPicPr>
+            <p:nvPr/>
+          </p:nvPicPr>
+          <p:blipFill>
+            <a:blip r:embed="rId3"/>
+            <a:stretch>
+              <a:fillRect/>
+            </a:stretch>
+          </p:blipFill>
+          <p:spPr>
+            <a:xfrm rot="18199245">
+              <a:off x="2587134" y="3012126"/>
+              <a:ext cx="377596" cy="377596"/>
+            </a:xfrm>
+            <a:prstGeom prst="rect">
+              <a:avLst/>
+            </a:prstGeom>
+          </p:spPr>
+        </p:pic>
+        <p:pic>
+          <p:nvPicPr>
+            <p:cNvPr id="37" name="Picture 36">
+              <a:extLst>
+                <a:ext uri="{FF2B5EF4-FFF2-40B4-BE49-F238E27FC236}">
+                  <a16:creationId xmlns:a16="http://schemas.microsoft.com/office/drawing/2014/main" id="{10A61B54-87BB-2043-BB01-6C9966E31390}"/>
+                </a:ext>
+              </a:extLst>
+            </p:cNvPr>
+            <p:cNvPicPr>
+              <a:picLocks noChangeAspect="1"/>
+            </p:cNvPicPr>
+            <p:nvPr/>
+          </p:nvPicPr>
+          <p:blipFill>
+            <a:blip r:embed="rId3"/>
+            <a:stretch>
+              <a:fillRect/>
+            </a:stretch>
+          </p:blipFill>
+          <p:spPr>
+            <a:xfrm rot="2871506">
+              <a:off x="2249340" y="2994844"/>
+              <a:ext cx="377596" cy="377596"/>
+            </a:xfrm>
+            <a:prstGeom prst="rect">
+              <a:avLst/>
+            </a:prstGeom>
+          </p:spPr>
+        </p:pic>
+        <p:pic>
+          <p:nvPicPr>
+            <p:cNvPr id="38" name="Picture 37">
+              <a:extLst>
+                <a:ext uri="{FF2B5EF4-FFF2-40B4-BE49-F238E27FC236}">
+                  <a16:creationId xmlns:a16="http://schemas.microsoft.com/office/drawing/2014/main" id="{FD53D6BF-F599-BD4F-882F-F2985476BFBF}"/>
+                </a:ext>
+              </a:extLst>
+            </p:cNvPr>
+            <p:cNvPicPr>
+              <a:picLocks noChangeAspect="1"/>
+            </p:cNvPicPr>
+            <p:nvPr/>
+          </p:nvPicPr>
+          <p:blipFill>
+            <a:blip r:embed="rId3"/>
+            <a:stretch>
+              <a:fillRect/>
+            </a:stretch>
+          </p:blipFill>
+          <p:spPr>
+            <a:xfrm>
+              <a:off x="1883266" y="2930427"/>
+              <a:ext cx="377596" cy="377596"/>
+            </a:xfrm>
+            <a:prstGeom prst="rect">
+              <a:avLst/>
+            </a:prstGeom>
+          </p:spPr>
+        </p:pic>
+        <p:pic>
+          <p:nvPicPr>
+            <p:cNvPr id="39" name="Picture 38">
+              <a:extLst>
+                <a:ext uri="{FF2B5EF4-FFF2-40B4-BE49-F238E27FC236}">
+                  <a16:creationId xmlns:a16="http://schemas.microsoft.com/office/drawing/2014/main" id="{1F2EA987-8151-0C48-8A28-105ECF454E6A}"/>
+                </a:ext>
+              </a:extLst>
+            </p:cNvPr>
+            <p:cNvPicPr>
+              <a:picLocks noChangeAspect="1"/>
+            </p:cNvPicPr>
+            <p:nvPr/>
+          </p:nvPicPr>
+          <p:blipFill>
+            <a:blip r:embed="rId3"/>
+            <a:stretch>
+              <a:fillRect/>
+            </a:stretch>
+          </p:blipFill>
+          <p:spPr>
+            <a:xfrm rot="7316094">
+              <a:off x="3534528" y="2818876"/>
+              <a:ext cx="377596" cy="377596"/>
+            </a:xfrm>
+            <a:prstGeom prst="rect">
+              <a:avLst/>
+            </a:prstGeom>
+          </p:spPr>
+        </p:pic>
+        <p:pic>
+          <p:nvPicPr>
+            <p:cNvPr id="40" name="Picture 39">
+              <a:extLst>
+                <a:ext uri="{FF2B5EF4-FFF2-40B4-BE49-F238E27FC236}">
+                  <a16:creationId xmlns:a16="http://schemas.microsoft.com/office/drawing/2014/main" id="{2B21A3B1-A98C-5B4D-B4B6-104FACC1BFC4}"/>
+                </a:ext>
+              </a:extLst>
+            </p:cNvPr>
+            <p:cNvPicPr>
+              <a:picLocks noChangeAspect="1"/>
+            </p:cNvPicPr>
+            <p:nvPr/>
+          </p:nvPicPr>
+          <p:blipFill>
+            <a:blip r:embed="rId3"/>
+            <a:stretch>
+              <a:fillRect/>
+            </a:stretch>
+          </p:blipFill>
+          <p:spPr>
+            <a:xfrm>
+              <a:off x="3187307" y="2735606"/>
+              <a:ext cx="377596" cy="377596"/>
+            </a:xfrm>
+            <a:prstGeom prst="rect">
+              <a:avLst/>
+            </a:prstGeom>
+          </p:spPr>
+        </p:pic>
+        <p:pic>
+          <p:nvPicPr>
+            <p:cNvPr id="41" name="Picture 40">
+              <a:extLst>
+                <a:ext uri="{FF2B5EF4-FFF2-40B4-BE49-F238E27FC236}">
+                  <a16:creationId xmlns:a16="http://schemas.microsoft.com/office/drawing/2014/main" id="{D1344187-3BB5-3640-95C0-9074BDAB7AD7}"/>
+                </a:ext>
+              </a:extLst>
+            </p:cNvPr>
+            <p:cNvPicPr>
+              <a:picLocks noChangeAspect="1"/>
+            </p:cNvPicPr>
+            <p:nvPr/>
+          </p:nvPicPr>
+          <p:blipFill>
+            <a:blip r:embed="rId3"/>
+            <a:stretch>
+              <a:fillRect/>
+            </a:stretch>
+          </p:blipFill>
+          <p:spPr>
+            <a:xfrm rot="5903496">
+              <a:off x="2142503" y="2652336"/>
+              <a:ext cx="377596" cy="377596"/>
+            </a:xfrm>
+            <a:prstGeom prst="rect">
+              <a:avLst/>
+            </a:prstGeom>
+          </p:spPr>
+        </p:pic>
+        <p:pic>
+          <p:nvPicPr>
+            <p:cNvPr id="42" name="Picture 41">
+              <a:extLst>
+                <a:ext uri="{FF2B5EF4-FFF2-40B4-BE49-F238E27FC236}">
+                  <a16:creationId xmlns:a16="http://schemas.microsoft.com/office/drawing/2014/main" id="{68EAB327-C46B-4E43-8583-9BF39E6EA146}"/>
+                </a:ext>
+              </a:extLst>
+            </p:cNvPr>
+            <p:cNvPicPr>
+              <a:picLocks noChangeAspect="1"/>
+            </p:cNvPicPr>
+            <p:nvPr/>
+          </p:nvPicPr>
+          <p:blipFill>
+            <a:blip r:embed="rId3"/>
+            <a:stretch>
+              <a:fillRect/>
+            </a:stretch>
+          </p:blipFill>
+          <p:spPr>
+            <a:xfrm>
+              <a:off x="2808664" y="2677474"/>
+              <a:ext cx="377596" cy="377596"/>
+            </a:xfrm>
+            <a:prstGeom prst="rect">
+              <a:avLst/>
+            </a:prstGeom>
+          </p:spPr>
+        </p:pic>
+        <p:pic>
+          <p:nvPicPr>
+            <p:cNvPr id="43" name="Picture 42">
+              <a:extLst>
+                <a:ext uri="{FF2B5EF4-FFF2-40B4-BE49-F238E27FC236}">
+                  <a16:creationId xmlns:a16="http://schemas.microsoft.com/office/drawing/2014/main" id="{BFE84037-8AFD-6D48-9FEB-739EA2289221}"/>
+                </a:ext>
+              </a:extLst>
+            </p:cNvPr>
+            <p:cNvPicPr>
+              <a:picLocks noChangeAspect="1"/>
+            </p:cNvPicPr>
+            <p:nvPr/>
+          </p:nvPicPr>
+          <p:blipFill>
+            <a:blip r:embed="rId3"/>
+            <a:stretch>
+              <a:fillRect/>
+            </a:stretch>
+          </p:blipFill>
+          <p:spPr>
+            <a:xfrm rot="1671962">
+              <a:off x="3055332" y="2433949"/>
+              <a:ext cx="377596" cy="377596"/>
+            </a:xfrm>
+            <a:prstGeom prst="rect">
+              <a:avLst/>
+            </a:prstGeom>
+          </p:spPr>
+        </p:pic>
+        <p:pic>
+          <p:nvPicPr>
+            <p:cNvPr id="44" name="Picture 43">
+              <a:extLst>
+                <a:ext uri="{FF2B5EF4-FFF2-40B4-BE49-F238E27FC236}">
+                  <a16:creationId xmlns:a16="http://schemas.microsoft.com/office/drawing/2014/main" id="{E1D56CE7-0E2B-9A4C-AFA2-05B26907CAF5}"/>
+                </a:ext>
+              </a:extLst>
+            </p:cNvPr>
+            <p:cNvPicPr>
+              <a:picLocks noChangeAspect="1"/>
+            </p:cNvPicPr>
+            <p:nvPr/>
+          </p:nvPicPr>
+          <p:blipFill>
+            <a:blip r:embed="rId3"/>
+            <a:stretch>
+              <a:fillRect/>
+            </a:stretch>
+          </p:blipFill>
+          <p:spPr>
+            <a:xfrm rot="1962492">
+              <a:off x="2491294" y="2605202"/>
+              <a:ext cx="377596" cy="377596"/>
+            </a:xfrm>
+            <a:prstGeom prst="rect">
+              <a:avLst/>
+            </a:prstGeom>
+          </p:spPr>
+        </p:pic>
+        <p:pic>
+          <p:nvPicPr>
+            <p:cNvPr id="45" name="Picture 44">
+              <a:extLst>
+                <a:ext uri="{FF2B5EF4-FFF2-40B4-BE49-F238E27FC236}">
+                  <a16:creationId xmlns:a16="http://schemas.microsoft.com/office/drawing/2014/main" id="{2D3BFE50-0964-4940-9F55-09BF6EB2C57B}"/>
+                </a:ext>
+              </a:extLst>
+            </p:cNvPr>
+            <p:cNvPicPr>
+              <a:picLocks noChangeAspect="1"/>
+            </p:cNvPicPr>
+            <p:nvPr/>
+          </p:nvPicPr>
+          <p:blipFill>
+            <a:blip r:embed="rId3"/>
+            <a:stretch>
+              <a:fillRect/>
+            </a:stretch>
+          </p:blipFill>
+          <p:spPr>
+            <a:xfrm rot="2181941">
+              <a:off x="9624243" y="2262694"/>
+              <a:ext cx="377596" cy="377596"/>
+            </a:xfrm>
+            <a:prstGeom prst="rect">
+              <a:avLst/>
+            </a:prstGeom>
+          </p:spPr>
+        </p:pic>
+        <p:pic>
+          <p:nvPicPr>
+            <p:cNvPr id="46" name="Picture 45">
+              <a:extLst>
+                <a:ext uri="{FF2B5EF4-FFF2-40B4-BE49-F238E27FC236}">
+                  <a16:creationId xmlns:a16="http://schemas.microsoft.com/office/drawing/2014/main" id="{FA013E27-2B11-4342-A98E-5EC6659EA4CB}"/>
+                </a:ext>
+              </a:extLst>
+            </p:cNvPr>
+            <p:cNvPicPr>
+              <a:picLocks noChangeAspect="1"/>
+            </p:cNvPicPr>
+            <p:nvPr/>
+          </p:nvPicPr>
+          <p:blipFill>
+            <a:blip r:embed="rId3"/>
+            <a:stretch>
+              <a:fillRect/>
+            </a:stretch>
+          </p:blipFill>
+          <p:spPr>
+            <a:xfrm rot="3785886">
+              <a:off x="9908619" y="2650765"/>
+              <a:ext cx="377596" cy="377596"/>
+            </a:xfrm>
+            <a:prstGeom prst="rect">
+              <a:avLst/>
+            </a:prstGeom>
+          </p:spPr>
+        </p:pic>
+        <p:pic>
+          <p:nvPicPr>
+            <p:cNvPr id="47" name="Picture 46">
+              <a:extLst>
+                <a:ext uri="{FF2B5EF4-FFF2-40B4-BE49-F238E27FC236}">
+                  <a16:creationId xmlns:a16="http://schemas.microsoft.com/office/drawing/2014/main" id="{BB918D08-4DC9-5648-BAF0-5729786B2E82}"/>
+                </a:ext>
+              </a:extLst>
+            </p:cNvPr>
+            <p:cNvPicPr>
+              <a:picLocks noChangeAspect="1"/>
+            </p:cNvPicPr>
+            <p:nvPr/>
+          </p:nvPicPr>
+          <p:blipFill>
+            <a:blip r:embed="rId3"/>
+            <a:stretch>
+              <a:fillRect/>
+            </a:stretch>
+          </p:blipFill>
+          <p:spPr>
+            <a:xfrm rot="16600393">
+              <a:off x="9853629" y="3019982"/>
+              <a:ext cx="377596" cy="377596"/>
+            </a:xfrm>
+            <a:prstGeom prst="rect">
+              <a:avLst/>
+            </a:prstGeom>
+          </p:spPr>
+        </p:pic>
+        <p:pic>
+          <p:nvPicPr>
+            <p:cNvPr id="48" name="Picture 47">
+              <a:extLst>
+                <a:ext uri="{FF2B5EF4-FFF2-40B4-BE49-F238E27FC236}">
+                  <a16:creationId xmlns:a16="http://schemas.microsoft.com/office/drawing/2014/main" id="{CE1B675C-34B3-A44F-9316-7EF69B60D37A}"/>
+                </a:ext>
+              </a:extLst>
+            </p:cNvPr>
+            <p:cNvPicPr>
+              <a:picLocks noChangeAspect="1"/>
+            </p:cNvPicPr>
+            <p:nvPr/>
+          </p:nvPicPr>
+          <p:blipFill>
+            <a:blip r:embed="rId3"/>
+            <a:stretch>
+              <a:fillRect/>
+            </a:stretch>
+          </p:blipFill>
+          <p:spPr>
+            <a:xfrm rot="7588957">
+              <a:off x="10222845" y="2267409"/>
+              <a:ext cx="377596" cy="377596"/>
+            </a:xfrm>
+            <a:prstGeom prst="rect">
+              <a:avLst/>
+            </a:prstGeom>
+          </p:spPr>
+        </p:pic>
+        <p:pic>
+          <p:nvPicPr>
+            <p:cNvPr id="49" name="Picture 48">
+              <a:extLst>
+                <a:ext uri="{FF2B5EF4-FFF2-40B4-BE49-F238E27FC236}">
+                  <a16:creationId xmlns:a16="http://schemas.microsoft.com/office/drawing/2014/main" id="{A8D5BFE9-1EDB-7346-9DB8-CCE62DA2B854}"/>
+                </a:ext>
+              </a:extLst>
+            </p:cNvPr>
+            <p:cNvPicPr>
+              <a:picLocks noChangeAspect="1"/>
+            </p:cNvPicPr>
+            <p:nvPr/>
+          </p:nvPicPr>
+          <p:blipFill>
+            <a:blip r:embed="rId3"/>
+            <a:stretch>
+              <a:fillRect/>
+            </a:stretch>
+          </p:blipFill>
+          <p:spPr>
+            <a:xfrm rot="6663518">
+              <a:off x="10403526" y="3023124"/>
+              <a:ext cx="377596" cy="377596"/>
+            </a:xfrm>
+            <a:prstGeom prst="rect">
+              <a:avLst/>
+            </a:prstGeom>
+          </p:spPr>
+        </p:pic>
+        <p:pic>
+          <p:nvPicPr>
+            <p:cNvPr id="50" name="Picture 49">
+              <a:extLst>
+                <a:ext uri="{FF2B5EF4-FFF2-40B4-BE49-F238E27FC236}">
+                  <a16:creationId xmlns:a16="http://schemas.microsoft.com/office/drawing/2014/main" id="{46AD7148-D043-0A42-9123-7E2B25296FCE}"/>
+                </a:ext>
+              </a:extLst>
+            </p:cNvPr>
+            <p:cNvPicPr>
+              <a:picLocks noChangeAspect="1"/>
+            </p:cNvPicPr>
+            <p:nvPr/>
+          </p:nvPicPr>
+          <p:blipFill>
+            <a:blip r:embed="rId3"/>
+            <a:stretch>
+              <a:fillRect/>
+            </a:stretch>
+          </p:blipFill>
+          <p:spPr>
+            <a:xfrm rot="17630836">
+              <a:off x="10697328" y="2609915"/>
+              <a:ext cx="377596" cy="377596"/>
+            </a:xfrm>
+            <a:prstGeom prst="rect">
+              <a:avLst/>
+            </a:prstGeom>
+          </p:spPr>
+        </p:pic>
+        <p:pic>
+          <p:nvPicPr>
+            <p:cNvPr id="51" name="Picture 50">
+              <a:extLst>
+                <a:ext uri="{FF2B5EF4-FFF2-40B4-BE49-F238E27FC236}">
+                  <a16:creationId xmlns:a16="http://schemas.microsoft.com/office/drawing/2014/main" id="{630567DB-AE3E-6444-A1A4-2DA2AF91B613}"/>
+                </a:ext>
+              </a:extLst>
+            </p:cNvPr>
+            <p:cNvPicPr>
+              <a:picLocks noChangeAspect="1"/>
+            </p:cNvPicPr>
+            <p:nvPr/>
+          </p:nvPicPr>
+          <p:blipFill>
+            <a:blip r:embed="rId3"/>
+            <a:stretch>
+              <a:fillRect/>
+            </a:stretch>
+          </p:blipFill>
+          <p:spPr>
+            <a:xfrm rot="19067721">
+              <a:off x="9492268" y="2696328"/>
+              <a:ext cx="377596" cy="377596"/>
+            </a:xfrm>
+            <a:prstGeom prst="rect">
+              <a:avLst/>
+            </a:prstGeom>
+          </p:spPr>
+        </p:pic>
+        <p:pic>
+          <p:nvPicPr>
+            <p:cNvPr id="52" name="Picture 51">
+              <a:extLst>
+                <a:ext uri="{FF2B5EF4-FFF2-40B4-BE49-F238E27FC236}">
+                  <a16:creationId xmlns:a16="http://schemas.microsoft.com/office/drawing/2014/main" id="{87CF84BD-AB17-974D-AD06-93F764123DE4}"/>
+                </a:ext>
+              </a:extLst>
+            </p:cNvPr>
+            <p:cNvPicPr>
+              <a:picLocks noChangeAspect="1"/>
+            </p:cNvPicPr>
+            <p:nvPr/>
+          </p:nvPicPr>
+          <p:blipFill>
+            <a:blip r:embed="rId3"/>
+            <a:stretch>
+              <a:fillRect/>
+            </a:stretch>
+          </p:blipFill>
+          <p:spPr>
+            <a:xfrm rot="7129247">
+              <a:off x="9135621" y="2320827"/>
+              <a:ext cx="377596" cy="377596"/>
+            </a:xfrm>
+            <a:prstGeom prst="rect">
+              <a:avLst/>
+            </a:prstGeom>
+          </p:spPr>
+        </p:pic>
+        <p:sp>
+          <p:nvSpPr>
+            <p:cNvPr id="53" name="TextBox 52">
+              <a:extLst>
+                <a:ext uri="{FF2B5EF4-FFF2-40B4-BE49-F238E27FC236}">
+                  <a16:creationId xmlns:a16="http://schemas.microsoft.com/office/drawing/2014/main" id="{48EBCDF8-D4D2-E549-A02F-4BB2A45D54F1}"/>
+                </a:ext>
+              </a:extLst>
+            </p:cNvPr>
+            <p:cNvSpPr txBox="1"/>
+            <p:nvPr/>
+          </p:nvSpPr>
+          <p:spPr>
+            <a:xfrm>
+              <a:off x="1046375" y="4119513"/>
+              <a:ext cx="2168165" cy="646331"/>
+            </a:xfrm>
+            <a:prstGeom prst="rect">
+              <a:avLst/>
+            </a:prstGeom>
+            <a:noFill/>
+          </p:spPr>
+          <p:txBody>
+            <a:bodyPr wrap="square" rtlCol="0">
+              <a:spAutoFit/>
+            </a:bodyPr>
+            <a:lstStyle/>
+            <a:p>
+              <a:r>
+                <a:rPr lang="en-US" dirty="0"/>
+                <a:t>Population Distribution</a:t>
+              </a:r>
+            </a:p>
+          </p:txBody>
+        </p:sp>
+        <p:sp>
+          <p:nvSpPr>
+            <p:cNvPr id="54" name="TextBox 53">
+              <a:extLst>
+                <a:ext uri="{FF2B5EF4-FFF2-40B4-BE49-F238E27FC236}">
+                  <a16:creationId xmlns:a16="http://schemas.microsoft.com/office/drawing/2014/main" id="{C8C55FD7-47BC-5049-852B-6E780533CCF3}"/>
+                </a:ext>
+              </a:extLst>
+            </p:cNvPr>
+            <p:cNvSpPr txBox="1"/>
+            <p:nvPr/>
+          </p:nvSpPr>
+          <p:spPr>
+            <a:xfrm>
+              <a:off x="5073193" y="1613555"/>
+              <a:ext cx="1393595" cy="923330"/>
+            </a:xfrm>
+            <a:prstGeom prst="rect">
+              <a:avLst/>
+            </a:prstGeom>
+            <a:noFill/>
+          </p:spPr>
+          <p:txBody>
+            <a:bodyPr wrap="square" rtlCol="0">
+              <a:spAutoFit/>
+            </a:bodyPr>
+            <a:lstStyle/>
+            <a:p>
+              <a:r>
+                <a:rPr lang="en-US" dirty="0"/>
+                <a:t>Sampling Distribution of Statistic</a:t>
+              </a:r>
+            </a:p>
+          </p:txBody>
+        </p:sp>
+        <p:sp>
+          <p:nvSpPr>
+            <p:cNvPr id="55" name="TextBox 54">
+              <a:extLst>
+                <a:ext uri="{FF2B5EF4-FFF2-40B4-BE49-F238E27FC236}">
+                  <a16:creationId xmlns:a16="http://schemas.microsoft.com/office/drawing/2014/main" id="{D1611491-BC1D-2840-B9AC-C57D15F587AA}"/>
+                </a:ext>
+              </a:extLst>
+            </p:cNvPr>
+            <p:cNvSpPr txBox="1"/>
+            <p:nvPr/>
+          </p:nvSpPr>
+          <p:spPr>
+            <a:xfrm>
+              <a:off x="8099198" y="4017391"/>
+              <a:ext cx="1403022" cy="646331"/>
+            </a:xfrm>
+            <a:prstGeom prst="rect">
+              <a:avLst/>
+            </a:prstGeom>
+            <a:noFill/>
+          </p:spPr>
+          <p:txBody>
+            <a:bodyPr wrap="square" rtlCol="0">
+              <a:spAutoFit/>
+            </a:bodyPr>
+            <a:lstStyle/>
+            <a:p>
+              <a:r>
+                <a:rPr lang="en-US" dirty="0"/>
+                <a:t>Empirical Distribution</a:t>
+              </a:r>
+            </a:p>
+          </p:txBody>
+        </p:sp>
+        <p:sp>
+          <p:nvSpPr>
+            <p:cNvPr id="57" name="TextBox 56">
+              <a:extLst>
+                <a:ext uri="{FF2B5EF4-FFF2-40B4-BE49-F238E27FC236}">
+                  <a16:creationId xmlns:a16="http://schemas.microsoft.com/office/drawing/2014/main" id="{6FE23224-4655-1144-A3F1-956F99D019B6}"/>
+                </a:ext>
+              </a:extLst>
+            </p:cNvPr>
+            <p:cNvSpPr txBox="1"/>
+            <p:nvPr/>
+          </p:nvSpPr>
+          <p:spPr>
+            <a:xfrm>
+              <a:off x="482337" y="5186313"/>
+              <a:ext cx="1434447" cy="646331"/>
+            </a:xfrm>
+            <a:prstGeom prst="rect">
+              <a:avLst/>
+            </a:prstGeom>
+            <a:noFill/>
+          </p:spPr>
+          <p:txBody>
+            <a:bodyPr wrap="square" rtlCol="0">
+              <a:spAutoFit/>
+            </a:bodyPr>
+            <a:lstStyle/>
+            <a:p>
+              <a:r>
+                <a:rPr lang="en-US" dirty="0"/>
+                <a:t>Population Summary</a:t>
+              </a:r>
+            </a:p>
+          </p:txBody>
+        </p:sp>
+        <p:pic>
+          <p:nvPicPr>
+            <p:cNvPr id="65" name="Picture 64">
+              <a:extLst>
+                <a:ext uri="{FF2B5EF4-FFF2-40B4-BE49-F238E27FC236}">
+                  <a16:creationId xmlns:a16="http://schemas.microsoft.com/office/drawing/2014/main" id="{1F9157C7-A581-0F42-8AC1-10120FC0EA5A}"/>
+                </a:ext>
+              </a:extLst>
+            </p:cNvPr>
+            <p:cNvPicPr>
+              <a:picLocks noChangeAspect="1"/>
+            </p:cNvPicPr>
+            <p:nvPr/>
+          </p:nvPicPr>
+          <p:blipFill>
+            <a:blip r:embed="rId4"/>
+            <a:stretch>
+              <a:fillRect/>
+            </a:stretch>
+          </p:blipFill>
+          <p:spPr>
+            <a:xfrm>
+              <a:off x="9328610" y="3477247"/>
+              <a:ext cx="2634006" cy="1536504"/>
+            </a:xfrm>
+            <a:prstGeom prst="rect">
+              <a:avLst/>
+            </a:prstGeom>
+          </p:spPr>
+        </p:pic>
+        <p:pic>
+          <p:nvPicPr>
+            <p:cNvPr id="67" name="Picture 66">
+              <a:extLst>
+                <a:ext uri="{FF2B5EF4-FFF2-40B4-BE49-F238E27FC236}">
+                  <a16:creationId xmlns:a16="http://schemas.microsoft.com/office/drawing/2014/main" id="{65D2039C-5DDC-7141-B0F3-28608B60B776}"/>
+                </a:ext>
+              </a:extLst>
+            </p:cNvPr>
+            <p:cNvPicPr>
+              <a:picLocks noChangeAspect="1"/>
+            </p:cNvPicPr>
+            <p:nvPr/>
+          </p:nvPicPr>
+          <p:blipFill>
+            <a:blip r:embed="rId5"/>
+            <a:stretch>
+              <a:fillRect/>
+            </a:stretch>
+          </p:blipFill>
+          <p:spPr>
+            <a:xfrm>
+              <a:off x="2343346" y="4005148"/>
+              <a:ext cx="2549165" cy="1487013"/>
+            </a:xfrm>
+            <a:prstGeom prst="rect">
+              <a:avLst/>
+            </a:prstGeom>
+          </p:spPr>
+        </p:pic>
+        <p:pic>
+          <p:nvPicPr>
+            <p:cNvPr id="70" name="Picture 69">
+              <a:extLst>
+                <a:ext uri="{FF2B5EF4-FFF2-40B4-BE49-F238E27FC236}">
+                  <a16:creationId xmlns:a16="http://schemas.microsoft.com/office/drawing/2014/main" id="{5A30362F-D0A4-B74A-90AE-FCA83C775BAD}"/>
+                </a:ext>
+              </a:extLst>
+            </p:cNvPr>
+            <p:cNvPicPr>
+              <a:picLocks noChangeAspect="1"/>
+            </p:cNvPicPr>
+            <p:nvPr/>
+          </p:nvPicPr>
+          <p:blipFill>
+            <a:blip r:embed="rId6"/>
+            <a:stretch>
+              <a:fillRect/>
+            </a:stretch>
+          </p:blipFill>
+          <p:spPr>
+            <a:xfrm>
+              <a:off x="4718901" y="2449725"/>
+              <a:ext cx="2747128" cy="1602491"/>
+            </a:xfrm>
+            <a:prstGeom prst="rect">
+              <a:avLst/>
+            </a:prstGeom>
+          </p:spPr>
+        </p:pic>
+      </p:grpSp>
+      <mc:AlternateContent xmlns:mc="http://schemas.openxmlformats.org/markup-compatibility/2006" xmlns:a14="http://schemas.microsoft.com/office/drawing/2010/main">
+        <mc:Choice Requires="a14">
           <p:sp>
             <p:nvSpPr>
-              <p:cNvPr id="17" name="TextBox 16">
+              <p:cNvPr id="2" name="TextBox 1">
                 <a:extLst>
                   <a:ext uri="{FF2B5EF4-FFF2-40B4-BE49-F238E27FC236}">
-                    <a16:creationId xmlns:a16="http://schemas.microsoft.com/office/drawing/2014/main" id="{49405B28-1F6C-844F-BD40-118D556B1A30}"/>
+                    <a16:creationId xmlns:a16="http://schemas.microsoft.com/office/drawing/2014/main" id="{44005832-F47D-9641-907F-2793BCC0F546}"/>
                   </a:ext>
                 </a:extLst>
               </p:cNvPr>
@@ -3543,8 +4797,8 @@
             </p:nvSpPr>
             <p:spPr>
               <a:xfrm>
-                <a:off x="1574276" y="1527142"/>
-                <a:ext cx="1461155" cy="369332"/>
+                <a:off x="5626807" y="3952395"/>
+                <a:ext cx="392156" cy="605550"/>
               </a:xfrm>
               <a:prstGeom prst="rect">
                 <a:avLst/>
@@ -3557,19 +4811,95 @@
               </a:bodyPr>
               <a:lstStyle/>
               <a:p>
+                <a:pPr/>
+                <a14:m>
+                  <m:oMathPara xmlns:m="http://schemas.openxmlformats.org/officeDocument/2006/math">
+                    <m:oMathParaPr>
+                      <m:jc m:val="centerGroup"/>
+                    </m:oMathParaPr>
+                    <m:oMath xmlns:m="http://schemas.openxmlformats.org/officeDocument/2006/math">
+                      <m:acc>
+                        <m:accPr>
+                          <m:chr m:val="̂"/>
+                          <m:ctrlPr>
+                            <a:rPr lang="en-US" sz="3200" b="0" i="1" smtClean="0">
+                              <a:latin typeface="Cambria Math" panose="02040503050406030204" pitchFamily="18" charset="0"/>
+                            </a:rPr>
+                          </m:ctrlPr>
+                        </m:accPr>
+                        <m:e>
+                          <m:r>
+                            <a:rPr lang="en-US" sz="3200" b="0" i="1" smtClean="0">
+                              <a:latin typeface="Cambria Math" panose="02040503050406030204" pitchFamily="18" charset="0"/>
+                              <a:ea typeface="Cambria Math" panose="02040503050406030204" pitchFamily="18" charset="0"/>
+                            </a:rPr>
+                            <m:t>𝜃</m:t>
+                          </m:r>
+                        </m:e>
+                      </m:acc>
+                    </m:oMath>
+                  </m:oMathPara>
+                </a14:m>
+                <a:endParaRPr lang="en-US" sz="3200" b="0" i="1" dirty="0">
+                  <a:latin typeface="Cambria Math" panose="02040503050406030204" pitchFamily="18" charset="0"/>
+                </a:endParaRPr>
+              </a:p>
+            </p:txBody>
+          </p:sp>
+        </mc:Choice>
+        <mc:Fallback xmlns="">
+          <p:sp>
+            <p:nvSpPr>
+              <p:cNvPr id="2" name="TextBox 1">
+                <a:extLst>
+                  <a:ext uri="{FF2B5EF4-FFF2-40B4-BE49-F238E27FC236}">
+                    <a16:creationId xmlns:a16="http://schemas.microsoft.com/office/drawing/2014/main" id="{44005832-F47D-9641-907F-2793BCC0F546}"/>
+                  </a:ext>
+                </a:extLst>
+              </p:cNvPr>
+              <p:cNvSpPr txBox="1">
+                <a:spLocks noRot="1" noChangeAspect="1" noMove="1" noResize="1" noEditPoints="1" noAdjustHandles="1" noChangeArrowheads="1" noChangeShapeType="1" noTextEdit="1"/>
+              </p:cNvSpPr>
+              <p:nvPr/>
+            </p:nvSpPr>
+            <p:spPr>
+              <a:xfrm>
+                <a:off x="5626807" y="3952395"/>
+                <a:ext cx="392156" cy="605550"/>
+              </a:xfrm>
+              <a:prstGeom prst="rect">
+                <a:avLst/>
+              </a:prstGeom>
+              <a:blipFill>
+                <a:blip r:embed="rId7"/>
+                <a:stretch>
+                  <a:fillRect l="-9375" t="-10204" r="-15625"/>
+                </a:stretch>
+              </a:blipFill>
+            </p:spPr>
+            <p:txBody>
+              <a:bodyPr/>
+              <a:lstStyle/>
+              <a:p>
                 <a:r>
-                  <a:rPr lang="en-US" b="1" dirty="0"/>
-                  <a:t>POPULATION</a:t>
+                  <a:rPr lang="en-US">
+                    <a:noFill/>
+                  </a:rPr>
+                  <a:t> </a:t>
                 </a:r>
               </a:p>
             </p:txBody>
           </p:sp>
+        </mc:Fallback>
+      </mc:AlternateContent>
+      <mc:AlternateContent xmlns:mc="http://schemas.openxmlformats.org/markup-compatibility/2006" xmlns:a14="http://schemas.microsoft.com/office/drawing/2010/main">
+        <mc:Choice Requires="a14">
           <p:sp>
             <p:nvSpPr>
-              <p:cNvPr id="18" name="TextBox 17">
+              <p:cNvPr id="73" name="TextBox 72">
                 <a:extLst>
                   <a:ext uri="{FF2B5EF4-FFF2-40B4-BE49-F238E27FC236}">
-                    <a16:creationId xmlns:a16="http://schemas.microsoft.com/office/drawing/2014/main" id="{C668BDED-97AB-1E47-A273-36B27515B521}"/>
+                    <a16:creationId xmlns:a16="http://schemas.microsoft.com/office/drawing/2014/main" id="{BB3694D1-200C-7449-96F9-40C867E721DB}"/>
                   </a:ext>
                 </a:extLst>
               </p:cNvPr>
@@ -3578,8 +4908,8 @@
             </p:nvSpPr>
             <p:spPr>
               <a:xfrm>
-                <a:off x="5619947" y="416350"/>
-                <a:ext cx="1025952" cy="369332"/>
+                <a:off x="10118690" y="5526593"/>
+                <a:ext cx="411982" cy="541495"/>
               </a:xfrm>
               <a:prstGeom prst="rect">
                 <a:avLst/>
@@ -3592,19 +4922,95 @@
               </a:bodyPr>
               <a:lstStyle/>
               <a:p>
+                <a:pPr/>
+                <a14:m>
+                  <m:oMathPara xmlns:m="http://schemas.openxmlformats.org/officeDocument/2006/math">
+                    <m:oMathParaPr>
+                      <m:jc m:val="centerGroup"/>
+                    </m:oMathParaPr>
+                    <m:oMath xmlns:m="http://schemas.openxmlformats.org/officeDocument/2006/math">
+                      <m:acc>
+                        <m:accPr>
+                          <m:chr m:val="̂"/>
+                          <m:ctrlPr>
+                            <a:rPr lang="en-US" sz="2800" i="1">
+                              <a:latin typeface="Cambria Math" panose="02040503050406030204" pitchFamily="18" charset="0"/>
+                            </a:rPr>
+                          </m:ctrlPr>
+                        </m:accPr>
+                        <m:e>
+                          <m:r>
+                            <a:rPr lang="en-US" sz="2800" i="1">
+                              <a:latin typeface="Cambria Math" panose="02040503050406030204" pitchFamily="18" charset="0"/>
+                              <a:ea typeface="Cambria Math" panose="02040503050406030204" pitchFamily="18" charset="0"/>
+                            </a:rPr>
+                            <m:t>𝜃</m:t>
+                          </m:r>
+                        </m:e>
+                      </m:acc>
+                    </m:oMath>
+                  </m:oMathPara>
+                </a14:m>
+                <a:endParaRPr lang="en-US" sz="2800" b="0" i="1" dirty="0">
+                  <a:latin typeface="Cambria Math" panose="02040503050406030204" pitchFamily="18" charset="0"/>
+                </a:endParaRPr>
+              </a:p>
+            </p:txBody>
+          </p:sp>
+        </mc:Choice>
+        <mc:Fallback xmlns="">
+          <p:sp>
+            <p:nvSpPr>
+              <p:cNvPr id="73" name="TextBox 72">
+                <a:extLst>
+                  <a:ext uri="{FF2B5EF4-FFF2-40B4-BE49-F238E27FC236}">
+                    <a16:creationId xmlns:a16="http://schemas.microsoft.com/office/drawing/2014/main" id="{BB3694D1-200C-7449-96F9-40C867E721DB}"/>
+                  </a:ext>
+                </a:extLst>
+              </p:cNvPr>
+              <p:cNvSpPr txBox="1">
+                <a:spLocks noRot="1" noChangeAspect="1" noMove="1" noResize="1" noEditPoints="1" noAdjustHandles="1" noChangeArrowheads="1" noChangeShapeType="1" noTextEdit="1"/>
+              </p:cNvSpPr>
+              <p:nvPr/>
+            </p:nvSpPr>
+            <p:spPr>
+              <a:xfrm>
+                <a:off x="10118690" y="5526593"/>
+                <a:ext cx="411982" cy="541495"/>
+              </a:xfrm>
+              <a:prstGeom prst="rect">
+                <a:avLst/>
+              </a:prstGeom>
+              <a:blipFill>
+                <a:blip r:embed="rId8"/>
+                <a:stretch>
+                  <a:fillRect l="-6061" t="-6818"/>
+                </a:stretch>
+              </a:blipFill>
+            </p:spPr>
+            <p:txBody>
+              <a:bodyPr/>
+              <a:lstStyle/>
+              <a:p>
                 <a:r>
-                  <a:rPr lang="en-US" b="1" dirty="0"/>
-                  <a:t>DESIGN</a:t>
+                  <a:rPr lang="en-US">
+                    <a:noFill/>
+                  </a:rPr>
+                  <a:t> </a:t>
                 </a:r>
               </a:p>
             </p:txBody>
           </p:sp>
+        </mc:Fallback>
+      </mc:AlternateContent>
+      <mc:AlternateContent xmlns:mc="http://schemas.openxmlformats.org/markup-compatibility/2006" xmlns:a14="http://schemas.microsoft.com/office/drawing/2010/main">
+        <mc:Choice Requires="a14">
           <p:sp>
             <p:nvSpPr>
-              <p:cNvPr id="19" name="TextBox 18">
+              <p:cNvPr id="3" name="TextBox 2">
                 <a:extLst>
                   <a:ext uri="{FF2B5EF4-FFF2-40B4-BE49-F238E27FC236}">
-                    <a16:creationId xmlns:a16="http://schemas.microsoft.com/office/drawing/2014/main" id="{1ED98452-CE3E-8B4E-9211-3D4BBDBDAC5C}"/>
+                    <a16:creationId xmlns:a16="http://schemas.microsoft.com/office/drawing/2014/main" id="{EA99AF1B-8F50-4443-9708-14927A779B75}"/>
                   </a:ext>
                 </a:extLst>
               </p:cNvPr>
@@ -3613,8 +5019,8 @@
             </p:nvSpPr>
             <p:spPr>
               <a:xfrm>
-                <a:off x="9607485" y="1934066"/>
-                <a:ext cx="1035377" cy="369332"/>
+                <a:off x="1386672" y="5255288"/>
+                <a:ext cx="612950" cy="584775"/>
               </a:xfrm>
               <a:prstGeom prst="rect">
                 <a:avLst/>
@@ -3627,1361 +5033,128 @@
               </a:bodyPr>
               <a:lstStyle/>
               <a:p>
+                <a:pPr/>
+                <a14:m>
+                  <m:oMathPara xmlns:m="http://schemas.openxmlformats.org/officeDocument/2006/math">
+                    <m:oMathParaPr>
+                      <m:jc m:val="centerGroup"/>
+                    </m:oMathParaPr>
+                    <m:oMath xmlns:m="http://schemas.openxmlformats.org/officeDocument/2006/math">
+                      <m:sSup>
+                        <m:sSupPr>
+                          <m:ctrlPr>
+                            <a:rPr lang="en-US" sz="3200" b="0" i="1" dirty="0" smtClean="0">
+                              <a:latin typeface="Cambria Math" panose="02040503050406030204" pitchFamily="18" charset="0"/>
+                            </a:rPr>
+                          </m:ctrlPr>
+                        </m:sSupPr>
+                        <m:e>
+                          <m:r>
+                            <a:rPr lang="en-US" sz="3200" b="0" i="1" dirty="0" smtClean="0">
+                              <a:latin typeface="Cambria Math" panose="02040503050406030204" pitchFamily="18" charset="0"/>
+                              <a:ea typeface="Cambria Math" panose="02040503050406030204" pitchFamily="18" charset="0"/>
+                            </a:rPr>
+                            <m:t>𝜃</m:t>
+                          </m:r>
+                        </m:e>
+                        <m:sup>
+                          <m:r>
+                            <a:rPr lang="en-US" sz="3200" b="0" i="1" dirty="0" smtClean="0">
+                              <a:latin typeface="Cambria Math" panose="02040503050406030204" pitchFamily="18" charset="0"/>
+                              <a:ea typeface="Cambria Math" panose="02040503050406030204" pitchFamily="18" charset="0"/>
+                            </a:rPr>
+                            <m:t>∗</m:t>
+                          </m:r>
+                        </m:sup>
+                      </m:sSup>
+                    </m:oMath>
+                  </m:oMathPara>
+                </a14:m>
+                <a:endParaRPr lang="en-US" sz="3200" b="0" dirty="0"/>
+              </a:p>
+            </p:txBody>
+          </p:sp>
+        </mc:Choice>
+        <mc:Fallback xmlns="">
+          <p:sp>
+            <p:nvSpPr>
+              <p:cNvPr id="3" name="TextBox 2">
+                <a:extLst>
+                  <a:ext uri="{FF2B5EF4-FFF2-40B4-BE49-F238E27FC236}">
+                    <a16:creationId xmlns:a16="http://schemas.microsoft.com/office/drawing/2014/main" id="{EA99AF1B-8F50-4443-9708-14927A779B75}"/>
+                  </a:ext>
+                </a:extLst>
+              </p:cNvPr>
+              <p:cNvSpPr txBox="1">
+                <a:spLocks noRot="1" noChangeAspect="1" noMove="1" noResize="1" noEditPoints="1" noAdjustHandles="1" noChangeArrowheads="1" noChangeShapeType="1" noTextEdit="1"/>
+              </p:cNvSpPr>
+              <p:nvPr/>
+            </p:nvSpPr>
+            <p:spPr>
+              <a:xfrm>
+                <a:off x="1386672" y="5255288"/>
+                <a:ext cx="612950" cy="584775"/>
+              </a:xfrm>
+              <a:prstGeom prst="rect">
+                <a:avLst/>
+              </a:prstGeom>
+              <a:blipFill>
+                <a:blip r:embed="rId9"/>
+                <a:stretch>
+                  <a:fillRect l="-4082"/>
+                </a:stretch>
+              </a:blipFill>
+            </p:spPr>
+            <p:txBody>
+              <a:bodyPr/>
+              <a:lstStyle/>
+              <a:p>
                 <a:r>
-                  <a:rPr lang="en-US" b="1" dirty="0"/>
-                  <a:t>SAMPLE</a:t>
+                  <a:rPr lang="en-US">
+                    <a:noFill/>
+                  </a:rPr>
+                  <a:t> </a:t>
                 </a:r>
               </a:p>
             </p:txBody>
           </p:sp>
-          <p:pic>
-            <p:nvPicPr>
-              <p:cNvPr id="21" name="Picture 20">
-                <a:extLst>
-                  <a:ext uri="{FF2B5EF4-FFF2-40B4-BE49-F238E27FC236}">
-                    <a16:creationId xmlns:a16="http://schemas.microsoft.com/office/drawing/2014/main" id="{B45BE301-CAA8-FD48-8089-EE2A0B449787}"/>
-                  </a:ext>
-                </a:extLst>
-              </p:cNvPr>
-              <p:cNvPicPr>
-                <a:picLocks noChangeAspect="1"/>
-              </p:cNvPicPr>
-              <p:nvPr/>
-            </p:nvPicPr>
-            <p:blipFill>
-              <a:blip r:embed="rId4"/>
-              <a:stretch>
-                <a:fillRect/>
-              </a:stretch>
-            </p:blipFill>
-            <p:spPr>
-              <a:xfrm>
-                <a:off x="1092986" y="3054546"/>
-                <a:ext cx="377596" cy="377596"/>
-              </a:xfrm>
-              <a:prstGeom prst="rect">
-                <a:avLst/>
-              </a:prstGeom>
-            </p:spPr>
-          </p:pic>
-          <p:pic>
-            <p:nvPicPr>
-              <p:cNvPr id="22" name="Picture 21">
-                <a:extLst>
-                  <a:ext uri="{FF2B5EF4-FFF2-40B4-BE49-F238E27FC236}">
-                    <a16:creationId xmlns:a16="http://schemas.microsoft.com/office/drawing/2014/main" id="{CD6473C5-7F02-E341-810B-BD2E92987E21}"/>
-                  </a:ext>
-                </a:extLst>
-              </p:cNvPr>
-              <p:cNvPicPr>
-                <a:picLocks noChangeAspect="1"/>
-              </p:cNvPicPr>
-              <p:nvPr/>
-            </p:nvPicPr>
-            <p:blipFill>
-              <a:blip r:embed="rId4"/>
-              <a:stretch>
-                <a:fillRect/>
-              </a:stretch>
-            </p:blipFill>
-            <p:spPr>
-              <a:xfrm rot="2425782">
-                <a:off x="802326" y="2848728"/>
-                <a:ext cx="377596" cy="377596"/>
-              </a:xfrm>
-              <a:prstGeom prst="rect">
-                <a:avLst/>
-              </a:prstGeom>
-            </p:spPr>
-          </p:pic>
-          <p:pic>
-            <p:nvPicPr>
-              <p:cNvPr id="23" name="Picture 22">
-                <a:extLst>
-                  <a:ext uri="{FF2B5EF4-FFF2-40B4-BE49-F238E27FC236}">
-                    <a16:creationId xmlns:a16="http://schemas.microsoft.com/office/drawing/2014/main" id="{9391AD8E-8119-5E49-9FBB-2CE2CD01A3FA}"/>
-                  </a:ext>
-                </a:extLst>
-              </p:cNvPr>
-              <p:cNvPicPr>
-                <a:picLocks noChangeAspect="1"/>
-              </p:cNvPicPr>
-              <p:nvPr/>
-            </p:nvPicPr>
-            <p:blipFill>
-              <a:blip r:embed="rId4"/>
-              <a:stretch>
-                <a:fillRect/>
-              </a:stretch>
-            </p:blipFill>
-            <p:spPr>
-              <a:xfrm rot="1745556">
-                <a:off x="1086701" y="2652337"/>
-                <a:ext cx="377596" cy="377596"/>
-              </a:xfrm>
-              <a:prstGeom prst="rect">
-                <a:avLst/>
-              </a:prstGeom>
-            </p:spPr>
-          </p:pic>
-          <p:pic>
-            <p:nvPicPr>
-              <p:cNvPr id="24" name="Picture 23">
-                <a:extLst>
-                  <a:ext uri="{FF2B5EF4-FFF2-40B4-BE49-F238E27FC236}">
-                    <a16:creationId xmlns:a16="http://schemas.microsoft.com/office/drawing/2014/main" id="{B610EB9C-E7F0-704B-B57C-D92F2A8E6002}"/>
-                  </a:ext>
-                </a:extLst>
-              </p:cNvPr>
-              <p:cNvPicPr>
-                <a:picLocks noChangeAspect="1"/>
-              </p:cNvPicPr>
-              <p:nvPr/>
-            </p:nvPicPr>
-            <p:blipFill>
-              <a:blip r:embed="rId4"/>
-              <a:stretch>
-                <a:fillRect/>
-              </a:stretch>
-            </p:blipFill>
-            <p:spPr>
-              <a:xfrm rot="16415862">
-                <a:off x="1342796" y="3323211"/>
-                <a:ext cx="377596" cy="377596"/>
-              </a:xfrm>
-              <a:prstGeom prst="rect">
-                <a:avLst/>
-              </a:prstGeom>
-            </p:spPr>
-          </p:pic>
-          <p:pic>
-            <p:nvPicPr>
-              <p:cNvPr id="25" name="Picture 24">
-                <a:extLst>
-                  <a:ext uri="{FF2B5EF4-FFF2-40B4-BE49-F238E27FC236}">
-                    <a16:creationId xmlns:a16="http://schemas.microsoft.com/office/drawing/2014/main" id="{A508807C-BE73-5446-9233-50FE556F713C}"/>
-                  </a:ext>
-                </a:extLst>
-              </p:cNvPr>
-              <p:cNvPicPr>
-                <a:picLocks noChangeAspect="1"/>
-              </p:cNvPicPr>
-              <p:nvPr/>
-            </p:nvPicPr>
-            <p:blipFill>
-              <a:blip r:embed="rId4"/>
-              <a:stretch>
-                <a:fillRect/>
-              </a:stretch>
-            </p:blipFill>
-            <p:spPr>
-              <a:xfrm>
-                <a:off x="1410355" y="3070258"/>
-                <a:ext cx="377596" cy="377596"/>
-              </a:xfrm>
-              <a:prstGeom prst="rect">
-                <a:avLst/>
-              </a:prstGeom>
-            </p:spPr>
-          </p:pic>
-          <p:pic>
-            <p:nvPicPr>
-              <p:cNvPr id="26" name="Picture 25">
-                <a:extLst>
-                  <a:ext uri="{FF2B5EF4-FFF2-40B4-BE49-F238E27FC236}">
-                    <a16:creationId xmlns:a16="http://schemas.microsoft.com/office/drawing/2014/main" id="{A4481F2E-7983-E342-9373-DFFCCDC96398}"/>
-                  </a:ext>
-                </a:extLst>
-              </p:cNvPr>
-              <p:cNvPicPr>
-                <a:picLocks noChangeAspect="1"/>
-              </p:cNvPicPr>
-              <p:nvPr/>
-            </p:nvPicPr>
-            <p:blipFill>
-              <a:blip r:embed="rId4"/>
-              <a:stretch>
-                <a:fillRect/>
-              </a:stretch>
-            </p:blipFill>
-            <p:spPr>
-              <a:xfrm rot="14405037">
-                <a:off x="1383645" y="2760744"/>
-                <a:ext cx="377596" cy="377596"/>
-              </a:xfrm>
-              <a:prstGeom prst="rect">
-                <a:avLst/>
-              </a:prstGeom>
-            </p:spPr>
-          </p:pic>
-          <p:pic>
-            <p:nvPicPr>
-              <p:cNvPr id="27" name="Picture 26">
-                <a:extLst>
-                  <a:ext uri="{FF2B5EF4-FFF2-40B4-BE49-F238E27FC236}">
-                    <a16:creationId xmlns:a16="http://schemas.microsoft.com/office/drawing/2014/main" id="{2288010D-1BDE-8643-B0FB-3303595DC8EA}"/>
-                  </a:ext>
-                </a:extLst>
-              </p:cNvPr>
-              <p:cNvPicPr>
-                <a:picLocks noChangeAspect="1"/>
-              </p:cNvPicPr>
-              <p:nvPr/>
-            </p:nvPicPr>
-            <p:blipFill>
-              <a:blip r:embed="rId4"/>
-              <a:stretch>
-                <a:fillRect/>
-              </a:stretch>
-            </p:blipFill>
-            <p:spPr>
-              <a:xfrm>
-                <a:off x="1658594" y="3327924"/>
-                <a:ext cx="377596" cy="377596"/>
-              </a:xfrm>
-              <a:prstGeom prst="rect">
-                <a:avLst/>
-              </a:prstGeom>
-            </p:spPr>
-          </p:pic>
-          <p:pic>
-            <p:nvPicPr>
-              <p:cNvPr id="28" name="Picture 27">
-                <a:extLst>
-                  <a:ext uri="{FF2B5EF4-FFF2-40B4-BE49-F238E27FC236}">
-                    <a16:creationId xmlns:a16="http://schemas.microsoft.com/office/drawing/2014/main" id="{0570A39D-F800-8847-88B5-8BCAA0C14227}"/>
-                  </a:ext>
-                </a:extLst>
-              </p:cNvPr>
-              <p:cNvPicPr>
-                <a:picLocks noChangeAspect="1"/>
-              </p:cNvPicPr>
-              <p:nvPr/>
-            </p:nvPicPr>
-            <p:blipFill>
-              <a:blip r:embed="rId4"/>
-              <a:stretch>
-                <a:fillRect/>
-              </a:stretch>
-            </p:blipFill>
-            <p:spPr>
-              <a:xfrm>
-                <a:off x="1613031" y="2952423"/>
-                <a:ext cx="377596" cy="377596"/>
-              </a:xfrm>
-              <a:prstGeom prst="rect">
-                <a:avLst/>
-              </a:prstGeom>
-            </p:spPr>
-          </p:pic>
-          <p:pic>
-            <p:nvPicPr>
-              <p:cNvPr id="29" name="Picture 28">
-                <a:extLst>
-                  <a:ext uri="{FF2B5EF4-FFF2-40B4-BE49-F238E27FC236}">
-                    <a16:creationId xmlns:a16="http://schemas.microsoft.com/office/drawing/2014/main" id="{804AB597-C9D3-ED4A-8FE8-4865BFB520B2}"/>
-                  </a:ext>
-                </a:extLst>
-              </p:cNvPr>
-              <p:cNvPicPr>
-                <a:picLocks noChangeAspect="1"/>
-              </p:cNvPicPr>
-              <p:nvPr/>
-            </p:nvPicPr>
-            <p:blipFill>
-              <a:blip r:embed="rId4"/>
-              <a:stretch>
-                <a:fillRect/>
-              </a:stretch>
-            </p:blipFill>
-            <p:spPr>
-              <a:xfrm rot="2467878">
-                <a:off x="1887980" y="3321639"/>
-                <a:ext cx="377596" cy="377596"/>
-              </a:xfrm>
-              <a:prstGeom prst="rect">
-                <a:avLst/>
-              </a:prstGeom>
-            </p:spPr>
-          </p:pic>
-          <p:pic>
-            <p:nvPicPr>
-              <p:cNvPr id="30" name="Picture 29">
-                <a:extLst>
-                  <a:ext uri="{FF2B5EF4-FFF2-40B4-BE49-F238E27FC236}">
-                    <a16:creationId xmlns:a16="http://schemas.microsoft.com/office/drawing/2014/main" id="{F6D091CA-22D3-7F4C-84B1-15D4EFB698DA}"/>
-                  </a:ext>
-                </a:extLst>
-              </p:cNvPr>
-              <p:cNvPicPr>
-                <a:picLocks noChangeAspect="1"/>
-              </p:cNvPicPr>
-              <p:nvPr/>
-            </p:nvPicPr>
-            <p:blipFill>
-              <a:blip r:embed="rId4"/>
-              <a:stretch>
-                <a:fillRect/>
-              </a:stretch>
-            </p:blipFill>
-            <p:spPr>
-              <a:xfrm rot="19431032">
-                <a:off x="1748149" y="2616200"/>
-                <a:ext cx="377596" cy="377596"/>
-              </a:xfrm>
-              <a:prstGeom prst="rect">
-                <a:avLst/>
-              </a:prstGeom>
-            </p:spPr>
-          </p:pic>
-          <p:pic>
-            <p:nvPicPr>
-              <p:cNvPr id="31" name="Picture 30">
-                <a:extLst>
-                  <a:ext uri="{FF2B5EF4-FFF2-40B4-BE49-F238E27FC236}">
-                    <a16:creationId xmlns:a16="http://schemas.microsoft.com/office/drawing/2014/main" id="{3909C165-F994-234A-A4FA-749675050783}"/>
-                  </a:ext>
-                </a:extLst>
-              </p:cNvPr>
-              <p:cNvPicPr>
-                <a:picLocks noChangeAspect="1"/>
-              </p:cNvPicPr>
-              <p:nvPr/>
-            </p:nvPicPr>
-            <p:blipFill>
-              <a:blip r:embed="rId4"/>
-              <a:stretch>
-                <a:fillRect/>
-              </a:stretch>
-            </p:blipFill>
-            <p:spPr>
-              <a:xfrm>
-                <a:off x="2192780" y="3296501"/>
-                <a:ext cx="377596" cy="377596"/>
-              </a:xfrm>
-              <a:prstGeom prst="rect">
-                <a:avLst/>
-              </a:prstGeom>
-            </p:spPr>
-          </p:pic>
-          <p:pic>
-            <p:nvPicPr>
-              <p:cNvPr id="32" name="Picture 31">
-                <a:extLst>
-                  <a:ext uri="{FF2B5EF4-FFF2-40B4-BE49-F238E27FC236}">
-                    <a16:creationId xmlns:a16="http://schemas.microsoft.com/office/drawing/2014/main" id="{647E4B7F-1953-F24B-9946-CD380A5C123F}"/>
-                  </a:ext>
-                </a:extLst>
-              </p:cNvPr>
-              <p:cNvPicPr>
-                <a:picLocks noChangeAspect="1"/>
-              </p:cNvPicPr>
-              <p:nvPr/>
-            </p:nvPicPr>
-            <p:blipFill>
-              <a:blip r:embed="rId4"/>
-              <a:stretch>
-                <a:fillRect/>
-              </a:stretch>
-            </p:blipFill>
-            <p:spPr>
-              <a:xfrm rot="8467023">
-                <a:off x="2561996" y="3298072"/>
-                <a:ext cx="377596" cy="377596"/>
-              </a:xfrm>
-              <a:prstGeom prst="rect">
-                <a:avLst/>
-              </a:prstGeom>
-            </p:spPr>
-          </p:pic>
-          <p:pic>
-            <p:nvPicPr>
-              <p:cNvPr id="33" name="Picture 32">
-                <a:extLst>
-                  <a:ext uri="{FF2B5EF4-FFF2-40B4-BE49-F238E27FC236}">
-                    <a16:creationId xmlns:a16="http://schemas.microsoft.com/office/drawing/2014/main" id="{71D33E9C-2568-FB44-ADFF-121E3B3174CA}"/>
-                  </a:ext>
-                </a:extLst>
-              </p:cNvPr>
-              <p:cNvPicPr>
-                <a:picLocks noChangeAspect="1"/>
-              </p:cNvPicPr>
-              <p:nvPr/>
-            </p:nvPicPr>
-            <p:blipFill>
-              <a:blip r:embed="rId4"/>
-              <a:stretch>
-                <a:fillRect/>
-              </a:stretch>
-            </p:blipFill>
-            <p:spPr>
-              <a:xfrm>
-                <a:off x="2959493" y="3327924"/>
-                <a:ext cx="377596" cy="377596"/>
-              </a:xfrm>
-              <a:prstGeom prst="rect">
-                <a:avLst/>
-              </a:prstGeom>
-            </p:spPr>
-          </p:pic>
-          <p:pic>
-            <p:nvPicPr>
-              <p:cNvPr id="34" name="Picture 33">
-                <a:extLst>
-                  <a:ext uri="{FF2B5EF4-FFF2-40B4-BE49-F238E27FC236}">
-                    <a16:creationId xmlns:a16="http://schemas.microsoft.com/office/drawing/2014/main" id="{5BED1ED5-D8E1-F64E-AD2D-D6F6A8FBB806}"/>
-                  </a:ext>
-                </a:extLst>
-              </p:cNvPr>
-              <p:cNvPicPr>
-                <a:picLocks noChangeAspect="1"/>
-              </p:cNvPicPr>
-              <p:nvPr/>
-            </p:nvPicPr>
-            <p:blipFill>
-              <a:blip r:embed="rId4"/>
-              <a:stretch>
-                <a:fillRect/>
-              </a:stretch>
-            </p:blipFill>
-            <p:spPr>
-              <a:xfrm>
-                <a:off x="2913930" y="2971276"/>
-                <a:ext cx="377596" cy="377596"/>
-              </a:xfrm>
-              <a:prstGeom prst="rect">
-                <a:avLst/>
-              </a:prstGeom>
-            </p:spPr>
-          </p:pic>
-          <p:pic>
-            <p:nvPicPr>
-              <p:cNvPr id="35" name="Picture 34">
-                <a:extLst>
-                  <a:ext uri="{FF2B5EF4-FFF2-40B4-BE49-F238E27FC236}">
-                    <a16:creationId xmlns:a16="http://schemas.microsoft.com/office/drawing/2014/main" id="{D74DCC3E-B89B-5A44-9FDA-20227EF3F04A}"/>
-                  </a:ext>
-                </a:extLst>
-              </p:cNvPr>
-              <p:cNvPicPr>
-                <a:picLocks noChangeAspect="1"/>
-              </p:cNvPicPr>
-              <p:nvPr/>
-            </p:nvPicPr>
-            <p:blipFill>
-              <a:blip r:embed="rId4"/>
-              <a:stretch>
-                <a:fillRect/>
-              </a:stretch>
-            </p:blipFill>
-            <p:spPr>
-              <a:xfrm rot="18995547">
-                <a:off x="3254866" y="3104823"/>
-                <a:ext cx="377596" cy="377596"/>
-              </a:xfrm>
-              <a:prstGeom prst="rect">
-                <a:avLst/>
-              </a:prstGeom>
-            </p:spPr>
-          </p:pic>
-          <p:pic>
-            <p:nvPicPr>
-              <p:cNvPr id="36" name="Picture 35">
-                <a:extLst>
-                  <a:ext uri="{FF2B5EF4-FFF2-40B4-BE49-F238E27FC236}">
-                    <a16:creationId xmlns:a16="http://schemas.microsoft.com/office/drawing/2014/main" id="{107DC5FD-AE06-254D-A85F-DC0E8F849D67}"/>
-                  </a:ext>
-                </a:extLst>
-              </p:cNvPr>
-              <p:cNvPicPr>
-                <a:picLocks noChangeAspect="1"/>
-              </p:cNvPicPr>
-              <p:nvPr/>
-            </p:nvPicPr>
-            <p:blipFill>
-              <a:blip r:embed="rId4"/>
-              <a:stretch>
-                <a:fillRect/>
-              </a:stretch>
-            </p:blipFill>
-            <p:spPr>
-              <a:xfrm rot="18199245">
-                <a:off x="2587134" y="3012126"/>
-                <a:ext cx="377596" cy="377596"/>
-              </a:xfrm>
-              <a:prstGeom prst="rect">
-                <a:avLst/>
-              </a:prstGeom>
-            </p:spPr>
-          </p:pic>
-          <p:pic>
-            <p:nvPicPr>
-              <p:cNvPr id="37" name="Picture 36">
-                <a:extLst>
-                  <a:ext uri="{FF2B5EF4-FFF2-40B4-BE49-F238E27FC236}">
-                    <a16:creationId xmlns:a16="http://schemas.microsoft.com/office/drawing/2014/main" id="{10A61B54-87BB-2043-BB01-6C9966E31390}"/>
-                  </a:ext>
-                </a:extLst>
-              </p:cNvPr>
-              <p:cNvPicPr>
-                <a:picLocks noChangeAspect="1"/>
-              </p:cNvPicPr>
-              <p:nvPr/>
-            </p:nvPicPr>
-            <p:blipFill>
-              <a:blip r:embed="rId4"/>
-              <a:stretch>
-                <a:fillRect/>
-              </a:stretch>
-            </p:blipFill>
-            <p:spPr>
-              <a:xfrm rot="2871506">
-                <a:off x="2249340" y="2994844"/>
-                <a:ext cx="377596" cy="377596"/>
-              </a:xfrm>
-              <a:prstGeom prst="rect">
-                <a:avLst/>
-              </a:prstGeom>
-            </p:spPr>
-          </p:pic>
-          <p:pic>
-            <p:nvPicPr>
-              <p:cNvPr id="38" name="Picture 37">
-                <a:extLst>
-                  <a:ext uri="{FF2B5EF4-FFF2-40B4-BE49-F238E27FC236}">
-                    <a16:creationId xmlns:a16="http://schemas.microsoft.com/office/drawing/2014/main" id="{FD53D6BF-F599-BD4F-882F-F2985476BFBF}"/>
-                  </a:ext>
-                </a:extLst>
-              </p:cNvPr>
-              <p:cNvPicPr>
-                <a:picLocks noChangeAspect="1"/>
-              </p:cNvPicPr>
-              <p:nvPr/>
-            </p:nvPicPr>
-            <p:blipFill>
-              <a:blip r:embed="rId4"/>
-              <a:stretch>
-                <a:fillRect/>
-              </a:stretch>
-            </p:blipFill>
-            <p:spPr>
-              <a:xfrm>
-                <a:off x="1883266" y="2930427"/>
-                <a:ext cx="377596" cy="377596"/>
-              </a:xfrm>
-              <a:prstGeom prst="rect">
-                <a:avLst/>
-              </a:prstGeom>
-            </p:spPr>
-          </p:pic>
-          <p:pic>
-            <p:nvPicPr>
-              <p:cNvPr id="39" name="Picture 38">
-                <a:extLst>
-                  <a:ext uri="{FF2B5EF4-FFF2-40B4-BE49-F238E27FC236}">
-                    <a16:creationId xmlns:a16="http://schemas.microsoft.com/office/drawing/2014/main" id="{1F2EA987-8151-0C48-8A28-105ECF454E6A}"/>
-                  </a:ext>
-                </a:extLst>
-              </p:cNvPr>
-              <p:cNvPicPr>
-                <a:picLocks noChangeAspect="1"/>
-              </p:cNvPicPr>
-              <p:nvPr/>
-            </p:nvPicPr>
-            <p:blipFill>
-              <a:blip r:embed="rId4"/>
-              <a:stretch>
-                <a:fillRect/>
-              </a:stretch>
-            </p:blipFill>
-            <p:spPr>
-              <a:xfrm rot="7316094">
-                <a:off x="3534528" y="2818876"/>
-                <a:ext cx="377596" cy="377596"/>
-              </a:xfrm>
-              <a:prstGeom prst="rect">
-                <a:avLst/>
-              </a:prstGeom>
-            </p:spPr>
-          </p:pic>
-          <p:pic>
-            <p:nvPicPr>
-              <p:cNvPr id="40" name="Picture 39">
-                <a:extLst>
-                  <a:ext uri="{FF2B5EF4-FFF2-40B4-BE49-F238E27FC236}">
-                    <a16:creationId xmlns:a16="http://schemas.microsoft.com/office/drawing/2014/main" id="{2B21A3B1-A98C-5B4D-B4B6-104FACC1BFC4}"/>
-                  </a:ext>
-                </a:extLst>
-              </p:cNvPr>
-              <p:cNvPicPr>
-                <a:picLocks noChangeAspect="1"/>
-              </p:cNvPicPr>
-              <p:nvPr/>
-            </p:nvPicPr>
-            <p:blipFill>
-              <a:blip r:embed="rId4"/>
-              <a:stretch>
-                <a:fillRect/>
-              </a:stretch>
-            </p:blipFill>
-            <p:spPr>
-              <a:xfrm>
-                <a:off x="3187307" y="2735606"/>
-                <a:ext cx="377596" cy="377596"/>
-              </a:xfrm>
-              <a:prstGeom prst="rect">
-                <a:avLst/>
-              </a:prstGeom>
-            </p:spPr>
-          </p:pic>
-          <p:pic>
-            <p:nvPicPr>
-              <p:cNvPr id="41" name="Picture 40">
-                <a:extLst>
-                  <a:ext uri="{FF2B5EF4-FFF2-40B4-BE49-F238E27FC236}">
-                    <a16:creationId xmlns:a16="http://schemas.microsoft.com/office/drawing/2014/main" id="{D1344187-3BB5-3640-95C0-9074BDAB7AD7}"/>
-                  </a:ext>
-                </a:extLst>
-              </p:cNvPr>
-              <p:cNvPicPr>
-                <a:picLocks noChangeAspect="1"/>
-              </p:cNvPicPr>
-              <p:nvPr/>
-            </p:nvPicPr>
-            <p:blipFill>
-              <a:blip r:embed="rId4"/>
-              <a:stretch>
-                <a:fillRect/>
-              </a:stretch>
-            </p:blipFill>
-            <p:spPr>
-              <a:xfrm rot="5903496">
-                <a:off x="2142503" y="2652336"/>
-                <a:ext cx="377596" cy="377596"/>
-              </a:xfrm>
-              <a:prstGeom prst="rect">
-                <a:avLst/>
-              </a:prstGeom>
-            </p:spPr>
-          </p:pic>
-          <p:pic>
-            <p:nvPicPr>
-              <p:cNvPr id="42" name="Picture 41">
-                <a:extLst>
-                  <a:ext uri="{FF2B5EF4-FFF2-40B4-BE49-F238E27FC236}">
-                    <a16:creationId xmlns:a16="http://schemas.microsoft.com/office/drawing/2014/main" id="{68EAB327-C46B-4E43-8583-9BF39E6EA146}"/>
-                  </a:ext>
-                </a:extLst>
-              </p:cNvPr>
-              <p:cNvPicPr>
-                <a:picLocks noChangeAspect="1"/>
-              </p:cNvPicPr>
-              <p:nvPr/>
-            </p:nvPicPr>
-            <p:blipFill>
-              <a:blip r:embed="rId4"/>
-              <a:stretch>
-                <a:fillRect/>
-              </a:stretch>
-            </p:blipFill>
-            <p:spPr>
-              <a:xfrm>
-                <a:off x="2808664" y="2677474"/>
-                <a:ext cx="377596" cy="377596"/>
-              </a:xfrm>
-              <a:prstGeom prst="rect">
-                <a:avLst/>
-              </a:prstGeom>
-            </p:spPr>
-          </p:pic>
-          <p:pic>
-            <p:nvPicPr>
-              <p:cNvPr id="43" name="Picture 42">
-                <a:extLst>
-                  <a:ext uri="{FF2B5EF4-FFF2-40B4-BE49-F238E27FC236}">
-                    <a16:creationId xmlns:a16="http://schemas.microsoft.com/office/drawing/2014/main" id="{BFE84037-8AFD-6D48-9FEB-739EA2289221}"/>
-                  </a:ext>
-                </a:extLst>
-              </p:cNvPr>
-              <p:cNvPicPr>
-                <a:picLocks noChangeAspect="1"/>
-              </p:cNvPicPr>
-              <p:nvPr/>
-            </p:nvPicPr>
-            <p:blipFill>
-              <a:blip r:embed="rId4"/>
-              <a:stretch>
-                <a:fillRect/>
-              </a:stretch>
-            </p:blipFill>
-            <p:spPr>
-              <a:xfrm rot="1671962">
-                <a:off x="3055332" y="2433949"/>
-                <a:ext cx="377596" cy="377596"/>
-              </a:xfrm>
-              <a:prstGeom prst="rect">
-                <a:avLst/>
-              </a:prstGeom>
-            </p:spPr>
-          </p:pic>
-          <p:pic>
-            <p:nvPicPr>
-              <p:cNvPr id="44" name="Picture 43">
-                <a:extLst>
-                  <a:ext uri="{FF2B5EF4-FFF2-40B4-BE49-F238E27FC236}">
-                    <a16:creationId xmlns:a16="http://schemas.microsoft.com/office/drawing/2014/main" id="{E1D56CE7-0E2B-9A4C-AFA2-05B26907CAF5}"/>
-                  </a:ext>
-                </a:extLst>
-              </p:cNvPr>
-              <p:cNvPicPr>
-                <a:picLocks noChangeAspect="1"/>
-              </p:cNvPicPr>
-              <p:nvPr/>
-            </p:nvPicPr>
-            <p:blipFill>
-              <a:blip r:embed="rId4"/>
-              <a:stretch>
-                <a:fillRect/>
-              </a:stretch>
-            </p:blipFill>
-            <p:spPr>
-              <a:xfrm rot="1962492">
-                <a:off x="2491294" y="2605202"/>
-                <a:ext cx="377596" cy="377596"/>
-              </a:xfrm>
-              <a:prstGeom prst="rect">
-                <a:avLst/>
-              </a:prstGeom>
-            </p:spPr>
-          </p:pic>
-          <p:pic>
-            <p:nvPicPr>
-              <p:cNvPr id="45" name="Picture 44">
-                <a:extLst>
-                  <a:ext uri="{FF2B5EF4-FFF2-40B4-BE49-F238E27FC236}">
-                    <a16:creationId xmlns:a16="http://schemas.microsoft.com/office/drawing/2014/main" id="{2D3BFE50-0964-4940-9F55-09BF6EB2C57B}"/>
-                  </a:ext>
-                </a:extLst>
-              </p:cNvPr>
-              <p:cNvPicPr>
-                <a:picLocks noChangeAspect="1"/>
-              </p:cNvPicPr>
-              <p:nvPr/>
-            </p:nvPicPr>
-            <p:blipFill>
-              <a:blip r:embed="rId4"/>
-              <a:stretch>
-                <a:fillRect/>
-              </a:stretch>
-            </p:blipFill>
-            <p:spPr>
-              <a:xfrm rot="2181941">
-                <a:off x="9624243" y="2262694"/>
-                <a:ext cx="377596" cy="377596"/>
-              </a:xfrm>
-              <a:prstGeom prst="rect">
-                <a:avLst/>
-              </a:prstGeom>
-            </p:spPr>
-          </p:pic>
-          <p:pic>
-            <p:nvPicPr>
-              <p:cNvPr id="46" name="Picture 45">
-                <a:extLst>
-                  <a:ext uri="{FF2B5EF4-FFF2-40B4-BE49-F238E27FC236}">
-                    <a16:creationId xmlns:a16="http://schemas.microsoft.com/office/drawing/2014/main" id="{FA013E27-2B11-4342-A98E-5EC6659EA4CB}"/>
-                  </a:ext>
-                </a:extLst>
-              </p:cNvPr>
-              <p:cNvPicPr>
-                <a:picLocks noChangeAspect="1"/>
-              </p:cNvPicPr>
-              <p:nvPr/>
-            </p:nvPicPr>
-            <p:blipFill>
-              <a:blip r:embed="rId4"/>
-              <a:stretch>
-                <a:fillRect/>
-              </a:stretch>
-            </p:blipFill>
-            <p:spPr>
-              <a:xfrm rot="3785886">
-                <a:off x="9908619" y="2650765"/>
-                <a:ext cx="377596" cy="377596"/>
-              </a:xfrm>
-              <a:prstGeom prst="rect">
-                <a:avLst/>
-              </a:prstGeom>
-            </p:spPr>
-          </p:pic>
-          <p:pic>
-            <p:nvPicPr>
-              <p:cNvPr id="47" name="Picture 46">
-                <a:extLst>
-                  <a:ext uri="{FF2B5EF4-FFF2-40B4-BE49-F238E27FC236}">
-                    <a16:creationId xmlns:a16="http://schemas.microsoft.com/office/drawing/2014/main" id="{BB918D08-4DC9-5648-BAF0-5729786B2E82}"/>
-                  </a:ext>
-                </a:extLst>
-              </p:cNvPr>
-              <p:cNvPicPr>
-                <a:picLocks noChangeAspect="1"/>
-              </p:cNvPicPr>
-              <p:nvPr/>
-            </p:nvPicPr>
-            <p:blipFill>
-              <a:blip r:embed="rId4"/>
-              <a:stretch>
-                <a:fillRect/>
-              </a:stretch>
-            </p:blipFill>
-            <p:spPr>
-              <a:xfrm rot="16600393">
-                <a:off x="9853629" y="3019982"/>
-                <a:ext cx="377596" cy="377596"/>
-              </a:xfrm>
-              <a:prstGeom prst="rect">
-                <a:avLst/>
-              </a:prstGeom>
-            </p:spPr>
-          </p:pic>
-          <p:pic>
-            <p:nvPicPr>
-              <p:cNvPr id="48" name="Picture 47">
-                <a:extLst>
-                  <a:ext uri="{FF2B5EF4-FFF2-40B4-BE49-F238E27FC236}">
-                    <a16:creationId xmlns:a16="http://schemas.microsoft.com/office/drawing/2014/main" id="{CE1B675C-34B3-A44F-9316-7EF69B60D37A}"/>
-                  </a:ext>
-                </a:extLst>
-              </p:cNvPr>
-              <p:cNvPicPr>
-                <a:picLocks noChangeAspect="1"/>
-              </p:cNvPicPr>
-              <p:nvPr/>
-            </p:nvPicPr>
-            <p:blipFill>
-              <a:blip r:embed="rId4"/>
-              <a:stretch>
-                <a:fillRect/>
-              </a:stretch>
-            </p:blipFill>
-            <p:spPr>
-              <a:xfrm rot="7588957">
-                <a:off x="10222845" y="2267409"/>
-                <a:ext cx="377596" cy="377596"/>
-              </a:xfrm>
-              <a:prstGeom prst="rect">
-                <a:avLst/>
-              </a:prstGeom>
-            </p:spPr>
-          </p:pic>
-          <p:pic>
-            <p:nvPicPr>
-              <p:cNvPr id="49" name="Picture 48">
-                <a:extLst>
-                  <a:ext uri="{FF2B5EF4-FFF2-40B4-BE49-F238E27FC236}">
-                    <a16:creationId xmlns:a16="http://schemas.microsoft.com/office/drawing/2014/main" id="{A8D5BFE9-1EDB-7346-9DB8-CCE62DA2B854}"/>
-                  </a:ext>
-                </a:extLst>
-              </p:cNvPr>
-              <p:cNvPicPr>
-                <a:picLocks noChangeAspect="1"/>
-              </p:cNvPicPr>
-              <p:nvPr/>
-            </p:nvPicPr>
-            <p:blipFill>
-              <a:blip r:embed="rId4"/>
-              <a:stretch>
-                <a:fillRect/>
-              </a:stretch>
-            </p:blipFill>
-            <p:spPr>
-              <a:xfrm rot="6663518">
-                <a:off x="10403526" y="3023124"/>
-                <a:ext cx="377596" cy="377596"/>
-              </a:xfrm>
-              <a:prstGeom prst="rect">
-                <a:avLst/>
-              </a:prstGeom>
-            </p:spPr>
-          </p:pic>
-          <p:pic>
-            <p:nvPicPr>
-              <p:cNvPr id="50" name="Picture 49">
-                <a:extLst>
-                  <a:ext uri="{FF2B5EF4-FFF2-40B4-BE49-F238E27FC236}">
-                    <a16:creationId xmlns:a16="http://schemas.microsoft.com/office/drawing/2014/main" id="{46AD7148-D043-0A42-9123-7E2B25296FCE}"/>
-                  </a:ext>
-                </a:extLst>
-              </p:cNvPr>
-              <p:cNvPicPr>
-                <a:picLocks noChangeAspect="1"/>
-              </p:cNvPicPr>
-              <p:nvPr/>
-            </p:nvPicPr>
-            <p:blipFill>
-              <a:blip r:embed="rId4"/>
-              <a:stretch>
-                <a:fillRect/>
-              </a:stretch>
-            </p:blipFill>
-            <p:spPr>
-              <a:xfrm rot="17630836">
-                <a:off x="10697328" y="2609915"/>
-                <a:ext cx="377596" cy="377596"/>
-              </a:xfrm>
-              <a:prstGeom prst="rect">
-                <a:avLst/>
-              </a:prstGeom>
-            </p:spPr>
-          </p:pic>
-          <p:pic>
-            <p:nvPicPr>
-              <p:cNvPr id="51" name="Picture 50">
-                <a:extLst>
-                  <a:ext uri="{FF2B5EF4-FFF2-40B4-BE49-F238E27FC236}">
-                    <a16:creationId xmlns:a16="http://schemas.microsoft.com/office/drawing/2014/main" id="{630567DB-AE3E-6444-A1A4-2DA2AF91B613}"/>
-                  </a:ext>
-                </a:extLst>
-              </p:cNvPr>
-              <p:cNvPicPr>
-                <a:picLocks noChangeAspect="1"/>
-              </p:cNvPicPr>
-              <p:nvPr/>
-            </p:nvPicPr>
-            <p:blipFill>
-              <a:blip r:embed="rId4"/>
-              <a:stretch>
-                <a:fillRect/>
-              </a:stretch>
-            </p:blipFill>
-            <p:spPr>
-              <a:xfrm rot="19067721">
-                <a:off x="9492268" y="2696328"/>
-                <a:ext cx="377596" cy="377596"/>
-              </a:xfrm>
-              <a:prstGeom prst="rect">
-                <a:avLst/>
-              </a:prstGeom>
-            </p:spPr>
-          </p:pic>
-          <p:pic>
-            <p:nvPicPr>
-              <p:cNvPr id="52" name="Picture 51">
-                <a:extLst>
-                  <a:ext uri="{FF2B5EF4-FFF2-40B4-BE49-F238E27FC236}">
-                    <a16:creationId xmlns:a16="http://schemas.microsoft.com/office/drawing/2014/main" id="{87CF84BD-AB17-974D-AD06-93F764123DE4}"/>
-                  </a:ext>
-                </a:extLst>
-              </p:cNvPr>
-              <p:cNvPicPr>
-                <a:picLocks noChangeAspect="1"/>
-              </p:cNvPicPr>
-              <p:nvPr/>
-            </p:nvPicPr>
-            <p:blipFill>
-              <a:blip r:embed="rId4"/>
-              <a:stretch>
-                <a:fillRect/>
-              </a:stretch>
-            </p:blipFill>
-            <p:spPr>
-              <a:xfrm rot="7129247">
-                <a:off x="9135621" y="2320827"/>
-                <a:ext cx="377596" cy="377596"/>
-              </a:xfrm>
-              <a:prstGeom prst="rect">
-                <a:avLst/>
-              </a:prstGeom>
-            </p:spPr>
-          </p:pic>
-          <p:sp>
-            <p:nvSpPr>
-              <p:cNvPr id="53" name="TextBox 52">
-                <a:extLst>
-                  <a:ext uri="{FF2B5EF4-FFF2-40B4-BE49-F238E27FC236}">
-                    <a16:creationId xmlns:a16="http://schemas.microsoft.com/office/drawing/2014/main" id="{48EBCDF8-D4D2-E549-A02F-4BB2A45D54F1}"/>
-                  </a:ext>
-                </a:extLst>
-              </p:cNvPr>
-              <p:cNvSpPr txBox="1"/>
-              <p:nvPr/>
-            </p:nvSpPr>
-            <p:spPr>
-              <a:xfrm>
-                <a:off x="1046375" y="4119513"/>
-                <a:ext cx="2168165" cy="646331"/>
-              </a:xfrm>
-              <a:prstGeom prst="rect">
-                <a:avLst/>
-              </a:prstGeom>
-              <a:noFill/>
-            </p:spPr>
-            <p:txBody>
-              <a:bodyPr wrap="square" rtlCol="0">
-                <a:spAutoFit/>
-              </a:bodyPr>
-              <a:lstStyle/>
-              <a:p>
-                <a:r>
-                  <a:rPr lang="en-US" dirty="0"/>
-                  <a:t>Population Distribution</a:t>
-                </a:r>
-              </a:p>
-            </p:txBody>
-          </p:sp>
-          <p:sp>
-            <p:nvSpPr>
-              <p:cNvPr id="54" name="TextBox 53">
-                <a:extLst>
-                  <a:ext uri="{FF2B5EF4-FFF2-40B4-BE49-F238E27FC236}">
-                    <a16:creationId xmlns:a16="http://schemas.microsoft.com/office/drawing/2014/main" id="{C8C55FD7-47BC-5049-852B-6E780533CCF3}"/>
-                  </a:ext>
-                </a:extLst>
-              </p:cNvPr>
-              <p:cNvSpPr txBox="1"/>
-              <p:nvPr/>
-            </p:nvSpPr>
-            <p:spPr>
-              <a:xfrm>
-                <a:off x="5073193" y="1613555"/>
-                <a:ext cx="1393595" cy="923330"/>
-              </a:xfrm>
-              <a:prstGeom prst="rect">
-                <a:avLst/>
-              </a:prstGeom>
-              <a:noFill/>
-            </p:spPr>
-            <p:txBody>
-              <a:bodyPr wrap="square" rtlCol="0">
-                <a:spAutoFit/>
-              </a:bodyPr>
-              <a:lstStyle/>
-              <a:p>
-                <a:r>
-                  <a:rPr lang="en-US" dirty="0"/>
-                  <a:t>Sampling Distribution of Statistic</a:t>
-                </a:r>
-              </a:p>
-            </p:txBody>
-          </p:sp>
-          <p:sp>
-            <p:nvSpPr>
-              <p:cNvPr id="55" name="TextBox 54">
-                <a:extLst>
-                  <a:ext uri="{FF2B5EF4-FFF2-40B4-BE49-F238E27FC236}">
-                    <a16:creationId xmlns:a16="http://schemas.microsoft.com/office/drawing/2014/main" id="{D1611491-BC1D-2840-B9AC-C57D15F587AA}"/>
-                  </a:ext>
-                </a:extLst>
-              </p:cNvPr>
-              <p:cNvSpPr txBox="1"/>
-              <p:nvPr/>
-            </p:nvSpPr>
-            <p:spPr>
-              <a:xfrm>
-                <a:off x="8099198" y="4017391"/>
-                <a:ext cx="1403022" cy="646331"/>
-              </a:xfrm>
-              <a:prstGeom prst="rect">
-                <a:avLst/>
-              </a:prstGeom>
-              <a:noFill/>
-            </p:spPr>
-            <p:txBody>
-              <a:bodyPr wrap="square" rtlCol="0">
-                <a:spAutoFit/>
-              </a:bodyPr>
-              <a:lstStyle/>
-              <a:p>
-                <a:r>
-                  <a:rPr lang="en-US" dirty="0"/>
-                  <a:t>Empirical Distribution</a:t>
-                </a:r>
-              </a:p>
-            </p:txBody>
-          </p:sp>
-          <p:sp>
-            <p:nvSpPr>
-              <p:cNvPr id="56" name="TextBox 55">
-                <a:extLst>
-                  <a:ext uri="{FF2B5EF4-FFF2-40B4-BE49-F238E27FC236}">
-                    <a16:creationId xmlns:a16="http://schemas.microsoft.com/office/drawing/2014/main" id="{D63A713E-852C-9849-8F87-B30B0FD478C6}"/>
-                  </a:ext>
-                </a:extLst>
-              </p:cNvPr>
-              <p:cNvSpPr txBox="1"/>
-              <p:nvPr/>
-            </p:nvSpPr>
-            <p:spPr>
-              <a:xfrm>
-                <a:off x="8295588" y="5184744"/>
-                <a:ext cx="1434447" cy="646331"/>
-              </a:xfrm>
-              <a:prstGeom prst="rect">
-                <a:avLst/>
-              </a:prstGeom>
-              <a:noFill/>
-            </p:spPr>
-            <p:txBody>
-              <a:bodyPr wrap="square" rtlCol="0">
-                <a:spAutoFit/>
-              </a:bodyPr>
-              <a:lstStyle/>
-              <a:p>
-                <a:r>
-                  <a:rPr lang="en-US" dirty="0"/>
-                  <a:t>Observed Statistic</a:t>
-                </a:r>
-              </a:p>
-            </p:txBody>
-          </p:sp>
-          <p:sp>
-            <p:nvSpPr>
-              <p:cNvPr id="57" name="TextBox 56">
-                <a:extLst>
-                  <a:ext uri="{FF2B5EF4-FFF2-40B4-BE49-F238E27FC236}">
-                    <a16:creationId xmlns:a16="http://schemas.microsoft.com/office/drawing/2014/main" id="{6FE23224-4655-1144-A3F1-956F99D019B6}"/>
-                  </a:ext>
-                </a:extLst>
-              </p:cNvPr>
-              <p:cNvSpPr txBox="1"/>
-              <p:nvPr/>
-            </p:nvSpPr>
-            <p:spPr>
-              <a:xfrm>
-                <a:off x="482337" y="5186313"/>
-                <a:ext cx="1434447" cy="646331"/>
-              </a:xfrm>
-              <a:prstGeom prst="rect">
-                <a:avLst/>
-              </a:prstGeom>
-              <a:noFill/>
-            </p:spPr>
-            <p:txBody>
-              <a:bodyPr wrap="square" rtlCol="0">
-                <a:spAutoFit/>
-              </a:bodyPr>
-              <a:lstStyle/>
-              <a:p>
-                <a:r>
-                  <a:rPr lang="en-US" dirty="0"/>
-                  <a:t>Population Summary</a:t>
-                </a:r>
-              </a:p>
-            </p:txBody>
-          </p:sp>
-          <p:sp>
-            <p:nvSpPr>
-              <p:cNvPr id="61" name="TextBox 60">
-                <a:extLst>
-                  <a:ext uri="{FF2B5EF4-FFF2-40B4-BE49-F238E27FC236}">
-                    <a16:creationId xmlns:a16="http://schemas.microsoft.com/office/drawing/2014/main" id="{A883542C-8DEA-1F43-9E84-45325F38C9B2}"/>
-                  </a:ext>
-                </a:extLst>
-              </p:cNvPr>
-              <p:cNvSpPr txBox="1"/>
-              <p:nvPr/>
-            </p:nvSpPr>
-            <p:spPr>
-              <a:xfrm>
-                <a:off x="1970203" y="4949074"/>
-                <a:ext cx="386499" cy="646331"/>
-              </a:xfrm>
-              <a:prstGeom prst="rect">
-                <a:avLst/>
-              </a:prstGeom>
-              <a:noFill/>
-            </p:spPr>
-            <p:txBody>
-              <a:bodyPr wrap="square" rtlCol="0">
-                <a:spAutoFit/>
-              </a:bodyPr>
-              <a:lstStyle/>
-              <a:p>
-                <a:r>
-                  <a:rPr lang="en-US" sz="3600" dirty="0"/>
-                  <a:t>*</a:t>
-                </a:r>
-              </a:p>
-            </p:txBody>
-          </p:sp>
-          <p:grpSp>
-            <p:nvGrpSpPr>
-              <p:cNvPr id="68" name="Group 67">
-                <a:extLst>
-                  <a:ext uri="{FF2B5EF4-FFF2-40B4-BE49-F238E27FC236}">
-                    <a16:creationId xmlns:a16="http://schemas.microsoft.com/office/drawing/2014/main" id="{84CE5DED-636C-EC42-B8B4-35D91FD4A1E9}"/>
-                  </a:ext>
-                </a:extLst>
-              </p:cNvPr>
-              <p:cNvGrpSpPr/>
-              <p:nvPr/>
-            </p:nvGrpSpPr>
-            <p:grpSpPr>
-              <a:xfrm>
-                <a:off x="9329787" y="4958014"/>
-                <a:ext cx="662137" cy="851254"/>
-                <a:chOff x="8820739" y="4826039"/>
-                <a:chExt cx="662137" cy="851254"/>
-              </a:xfrm>
-            </p:grpSpPr>
-            <p:pic>
-              <p:nvPicPr>
-                <p:cNvPr id="60" name="Picture 59">
-                  <a:extLst>
-                    <a:ext uri="{FF2B5EF4-FFF2-40B4-BE49-F238E27FC236}">
-                      <a16:creationId xmlns:a16="http://schemas.microsoft.com/office/drawing/2014/main" id="{17E8BA7C-EF15-9547-9AA1-7EECD2FB2E0D}"/>
-                    </a:ext>
-                  </a:extLst>
-                </p:cNvPr>
-                <p:cNvPicPr>
-                  <a:picLocks noChangeAspect="1"/>
-                </p:cNvPicPr>
-                <p:nvPr/>
-              </p:nvPicPr>
-              <p:blipFill>
-                <a:blip r:embed="rId2"/>
-                <a:stretch>
-                  <a:fillRect/>
-                </a:stretch>
-              </p:blipFill>
-              <p:spPr>
-                <a:xfrm>
-                  <a:off x="8820739" y="5031950"/>
-                  <a:ext cx="645343" cy="645343"/>
-                </a:xfrm>
-                <a:prstGeom prst="rect">
-                  <a:avLst/>
-                </a:prstGeom>
-              </p:spPr>
-            </p:pic>
-            <p:sp>
-              <p:nvSpPr>
-                <p:cNvPr id="63" name="TextBox 62">
-                  <a:extLst>
-                    <a:ext uri="{FF2B5EF4-FFF2-40B4-BE49-F238E27FC236}">
-                      <a16:creationId xmlns:a16="http://schemas.microsoft.com/office/drawing/2014/main" id="{AB0B0C1B-4C6F-0949-BDF5-26CF6BC04B46}"/>
-                    </a:ext>
-                  </a:extLst>
-                </p:cNvPr>
-                <p:cNvSpPr txBox="1"/>
-                <p:nvPr/>
-              </p:nvSpPr>
-              <p:spPr>
-                <a:xfrm rot="16200000">
-                  <a:off x="8966461" y="4696123"/>
-                  <a:ext cx="386499" cy="646331"/>
-                </a:xfrm>
-                <a:prstGeom prst="rect">
-                  <a:avLst/>
-                </a:prstGeom>
-                <a:noFill/>
-              </p:spPr>
-              <p:txBody>
-                <a:bodyPr wrap="square" rtlCol="0">
-                  <a:spAutoFit/>
-                </a:bodyPr>
-                <a:lstStyle/>
-                <a:p>
-                  <a:r>
-                    <a:rPr lang="en-US" sz="3600" dirty="0"/>
-                    <a:t>〉</a:t>
-                  </a:r>
-                </a:p>
-              </p:txBody>
-            </p:sp>
-          </p:grpSp>
-          <p:pic>
-            <p:nvPicPr>
-              <p:cNvPr id="65" name="Picture 64">
-                <a:extLst>
-                  <a:ext uri="{FF2B5EF4-FFF2-40B4-BE49-F238E27FC236}">
-                    <a16:creationId xmlns:a16="http://schemas.microsoft.com/office/drawing/2014/main" id="{1F9157C7-A581-0F42-8AC1-10120FC0EA5A}"/>
-                  </a:ext>
-                </a:extLst>
-              </p:cNvPr>
-              <p:cNvPicPr>
-                <a:picLocks noChangeAspect="1"/>
-              </p:cNvPicPr>
-              <p:nvPr/>
-            </p:nvPicPr>
-            <p:blipFill>
-              <a:blip r:embed="rId5"/>
-              <a:stretch>
-                <a:fillRect/>
-              </a:stretch>
-            </p:blipFill>
-            <p:spPr>
-              <a:xfrm>
-                <a:off x="9328610" y="3477247"/>
-                <a:ext cx="2634006" cy="1536504"/>
-              </a:xfrm>
-              <a:prstGeom prst="rect">
-                <a:avLst/>
-              </a:prstGeom>
-            </p:spPr>
-          </p:pic>
-          <p:pic>
-            <p:nvPicPr>
-              <p:cNvPr id="67" name="Picture 66">
-                <a:extLst>
-                  <a:ext uri="{FF2B5EF4-FFF2-40B4-BE49-F238E27FC236}">
-                    <a16:creationId xmlns:a16="http://schemas.microsoft.com/office/drawing/2014/main" id="{65D2039C-5DDC-7141-B0F3-28608B60B776}"/>
-                  </a:ext>
-                </a:extLst>
-              </p:cNvPr>
-              <p:cNvPicPr>
-                <a:picLocks noChangeAspect="1"/>
-              </p:cNvPicPr>
-              <p:nvPr/>
-            </p:nvPicPr>
-            <p:blipFill>
-              <a:blip r:embed="rId6"/>
-              <a:stretch>
-                <a:fillRect/>
-              </a:stretch>
-            </p:blipFill>
-            <p:spPr>
-              <a:xfrm>
-                <a:off x="2343346" y="4005148"/>
-                <a:ext cx="2549165" cy="1487013"/>
-              </a:xfrm>
-              <a:prstGeom prst="rect">
-                <a:avLst/>
-              </a:prstGeom>
-            </p:spPr>
-          </p:pic>
-          <p:pic>
-            <p:nvPicPr>
-              <p:cNvPr id="70" name="Picture 69">
-                <a:extLst>
-                  <a:ext uri="{FF2B5EF4-FFF2-40B4-BE49-F238E27FC236}">
-                    <a16:creationId xmlns:a16="http://schemas.microsoft.com/office/drawing/2014/main" id="{5A30362F-D0A4-B74A-90AE-FCA83C775BAD}"/>
-                  </a:ext>
-                </a:extLst>
-              </p:cNvPr>
-              <p:cNvPicPr>
-                <a:picLocks noChangeAspect="1"/>
-              </p:cNvPicPr>
-              <p:nvPr/>
-            </p:nvPicPr>
-            <p:blipFill>
-              <a:blip r:embed="rId7"/>
-              <a:stretch>
-                <a:fillRect/>
-              </a:stretch>
-            </p:blipFill>
-            <p:spPr>
-              <a:xfrm>
-                <a:off x="4718901" y="2449725"/>
-                <a:ext cx="2747128" cy="1602491"/>
-              </a:xfrm>
-              <a:prstGeom prst="rect">
-                <a:avLst/>
-              </a:prstGeom>
-            </p:spPr>
-          </p:pic>
-        </p:grpSp>
-      </p:grpSp>
+        </mc:Fallback>
+      </mc:AlternateContent>
+      <p:sp>
+        <p:nvSpPr>
+          <p:cNvPr id="4" name="TextBox 3">
+            <a:extLst>
+              <a:ext uri="{FF2B5EF4-FFF2-40B4-BE49-F238E27FC236}">
+                <a16:creationId xmlns:a16="http://schemas.microsoft.com/office/drawing/2014/main" id="{60CDB0EE-B3B7-1943-9B0B-5CCAD1553B38}"/>
+              </a:ext>
+            </a:extLst>
+          </p:cNvPr>
+          <p:cNvSpPr txBox="1"/>
+          <p:nvPr/>
+        </p:nvSpPr>
+        <p:spPr>
+          <a:xfrm>
+            <a:off x="9224387" y="5265336"/>
+            <a:ext cx="1467059" cy="923330"/>
+          </a:xfrm>
+          <a:prstGeom prst="rect">
+            <a:avLst/>
+          </a:prstGeom>
+          <a:noFill/>
+        </p:spPr>
+        <p:txBody>
+          <a:bodyPr wrap="square" rtlCol="0">
+            <a:spAutoFit/>
+          </a:bodyPr>
+          <a:lstStyle/>
+          <a:p>
+            <a:r>
+              <a:rPr lang="en-US" dirty="0"/>
+              <a:t>Observed value for statistic</a:t>
+            </a:r>
+          </a:p>
+        </p:txBody>
+      </p:sp>
     </p:spTree>
     <p:extLst>
       <p:ext uri="{BB962C8B-B14F-4D97-AF65-F5344CB8AC3E}">
@@ -5026,7 +5199,7 @@
         </p:nvSpPr>
         <p:spPr>
           <a:xfrm>
-            <a:off x="7946795" y="5081049"/>
+            <a:off x="8318584" y="5221726"/>
             <a:ext cx="1660691" cy="923330"/>
           </a:xfrm>
           <a:prstGeom prst="rect">
@@ -5042,7 +5215,7 @@
           <a:p>
             <a:r>
               <a:rPr lang="en-US" dirty="0"/>
-              <a:t>Observed Bootstrapped</a:t>
+              <a:t>Observed Bootstrap</a:t>
             </a:r>
           </a:p>
           <a:p>
@@ -5055,10 +5228,10 @@
       </p:sp>
       <p:grpSp>
         <p:nvGrpSpPr>
-          <p:cNvPr id="13" name="Group 12">
+          <p:cNvPr id="12" name="Group 11">
             <a:extLst>
               <a:ext uri="{FF2B5EF4-FFF2-40B4-BE49-F238E27FC236}">
-                <a16:creationId xmlns:a16="http://schemas.microsoft.com/office/drawing/2014/main" id="{74F86A68-8FA3-E644-8CC5-A70C932326CF}"/>
+                <a16:creationId xmlns:a16="http://schemas.microsoft.com/office/drawing/2014/main" id="{8CAB9439-CA6B-4C49-AA61-C236D49E9D04}"/>
               </a:ext>
             </a:extLst>
           </p:cNvPr>
@@ -5068,17 +5241,271 @@
         <p:grpSpPr>
           <a:xfrm>
             <a:off x="361337" y="169683"/>
-            <a:ext cx="11616989" cy="5882076"/>
+            <a:ext cx="11616989" cy="5260417"/>
             <a:chOff x="361337" y="169683"/>
-            <a:chExt cx="11616989" cy="5882076"/>
+            <a:chExt cx="11616989" cy="5260417"/>
           </a:xfrm>
         </p:grpSpPr>
+        <p:pic>
+          <p:nvPicPr>
+            <p:cNvPr id="5" name="Picture 4">
+              <a:extLst>
+                <a:ext uri="{FF2B5EF4-FFF2-40B4-BE49-F238E27FC236}">
+                  <a16:creationId xmlns:a16="http://schemas.microsoft.com/office/drawing/2014/main" id="{929F5182-4AE7-AC4B-9D20-6A43EA71D473}"/>
+                </a:ext>
+              </a:extLst>
+            </p:cNvPr>
+            <p:cNvPicPr>
+              <a:picLocks noChangeAspect="1"/>
+            </p:cNvPicPr>
+            <p:nvPr/>
+          </p:nvPicPr>
+          <p:blipFill>
+            <a:blip r:embed="rId2"/>
+            <a:stretch>
+              <a:fillRect/>
+            </a:stretch>
+          </p:blipFill>
+          <p:spPr>
+            <a:xfrm>
+              <a:off x="361337" y="1010653"/>
+              <a:ext cx="3921905" cy="2839453"/>
+            </a:xfrm>
+            <a:prstGeom prst="rect">
+              <a:avLst/>
+            </a:prstGeom>
+          </p:spPr>
+        </p:pic>
+        <p:sp>
+          <p:nvSpPr>
+            <p:cNvPr id="15" name="Arc 14">
+              <a:extLst>
+                <a:ext uri="{FF2B5EF4-FFF2-40B4-BE49-F238E27FC236}">
+                  <a16:creationId xmlns:a16="http://schemas.microsoft.com/office/drawing/2014/main" id="{55BA842F-C23E-9343-A246-DBB9AD7F69C5}"/>
+                </a:ext>
+              </a:extLst>
+            </p:cNvPr>
+            <p:cNvSpPr/>
+            <p:nvPr/>
+          </p:nvSpPr>
+          <p:spPr>
+            <a:xfrm>
+              <a:off x="1941921" y="169683"/>
+              <a:ext cx="8155575" cy="2978870"/>
+            </a:xfrm>
+            <a:prstGeom prst="arc">
+              <a:avLst>
+                <a:gd name="adj1" fmla="val 11392369"/>
+                <a:gd name="adj2" fmla="val 0"/>
+              </a:avLst>
+            </a:prstGeom>
+            <a:noFill/>
+            <a:ln w="57150">
+              <a:solidFill>
+                <a:schemeClr val="tx1"/>
+              </a:solidFill>
+            </a:ln>
+          </p:spPr>
+          <p:style>
+            <a:lnRef idx="1">
+              <a:schemeClr val="accent1"/>
+            </a:lnRef>
+            <a:fillRef idx="0">
+              <a:schemeClr val="accent1"/>
+            </a:fillRef>
+            <a:effectRef idx="0">
+              <a:schemeClr val="accent1"/>
+            </a:effectRef>
+            <a:fontRef idx="minor">
+              <a:schemeClr val="tx1"/>
+            </a:fontRef>
+          </p:style>
+          <p:txBody>
+            <a:bodyPr rtlCol="0" anchor="ctr"/>
+            <a:lstStyle/>
+            <a:p>
+              <a:pPr algn="ctr"/>
+              <a:endParaRPr lang="en-US"/>
+            </a:p>
+          </p:txBody>
+        </p:sp>
+        <p:sp>
+          <p:nvSpPr>
+            <p:cNvPr id="16" name="Triangle 15">
+              <a:extLst>
+                <a:ext uri="{FF2B5EF4-FFF2-40B4-BE49-F238E27FC236}">
+                  <a16:creationId xmlns:a16="http://schemas.microsoft.com/office/drawing/2014/main" id="{0A0B82B3-8746-864E-A146-7FB5CE521A74}"/>
+                </a:ext>
+              </a:extLst>
+            </p:cNvPr>
+            <p:cNvSpPr/>
+            <p:nvPr/>
+          </p:nvSpPr>
+          <p:spPr>
+            <a:xfrm rot="10800000">
+              <a:off x="9794450" y="1517714"/>
+              <a:ext cx="565608" cy="386499"/>
+            </a:xfrm>
+            <a:prstGeom prst="triangle">
+              <a:avLst/>
+            </a:prstGeom>
+            <a:solidFill>
+              <a:schemeClr val="tx1"/>
+            </a:solidFill>
+            <a:ln>
+              <a:solidFill>
+                <a:schemeClr val="tx1"/>
+              </a:solidFill>
+            </a:ln>
+          </p:spPr>
+          <p:style>
+            <a:lnRef idx="2">
+              <a:schemeClr val="accent1">
+                <a:shade val="50000"/>
+              </a:schemeClr>
+            </a:lnRef>
+            <a:fillRef idx="1">
+              <a:schemeClr val="accent1"/>
+            </a:fillRef>
+            <a:effectRef idx="0">
+              <a:schemeClr val="accent1"/>
+            </a:effectRef>
+            <a:fontRef idx="minor">
+              <a:schemeClr val="lt1"/>
+            </a:fontRef>
+          </p:style>
+          <p:txBody>
+            <a:bodyPr rtlCol="0" anchor="ctr"/>
+            <a:lstStyle/>
+            <a:p>
+              <a:pPr algn="ctr"/>
+              <a:endParaRPr lang="en-US"/>
+            </a:p>
+          </p:txBody>
+        </p:sp>
+        <p:sp>
+          <p:nvSpPr>
+            <p:cNvPr id="17" name="TextBox 16">
+              <a:extLst>
+                <a:ext uri="{FF2B5EF4-FFF2-40B4-BE49-F238E27FC236}">
+                  <a16:creationId xmlns:a16="http://schemas.microsoft.com/office/drawing/2014/main" id="{49405B28-1F6C-844F-BD40-118D556B1A30}"/>
+                </a:ext>
+              </a:extLst>
+            </p:cNvPr>
+            <p:cNvSpPr txBox="1"/>
+            <p:nvPr/>
+          </p:nvSpPr>
+          <p:spPr>
+            <a:xfrm>
+              <a:off x="1574276" y="1527142"/>
+              <a:ext cx="1461155" cy="646331"/>
+            </a:xfrm>
+            <a:prstGeom prst="rect">
+              <a:avLst/>
+            </a:prstGeom>
+            <a:noFill/>
+          </p:spPr>
+          <p:txBody>
+            <a:bodyPr wrap="square" rtlCol="0">
+              <a:spAutoFit/>
+            </a:bodyPr>
+            <a:lstStyle/>
+            <a:p>
+              <a:r>
+                <a:rPr lang="en-US" b="1" dirty="0"/>
+                <a:t>BOOTSTRAP</a:t>
+              </a:r>
+            </a:p>
+            <a:p>
+              <a:r>
+                <a:rPr lang="en-US" b="1" dirty="0"/>
+                <a:t>POPULATION</a:t>
+              </a:r>
+            </a:p>
+          </p:txBody>
+        </p:sp>
+        <p:sp>
+          <p:nvSpPr>
+            <p:cNvPr id="18" name="TextBox 17">
+              <a:extLst>
+                <a:ext uri="{FF2B5EF4-FFF2-40B4-BE49-F238E27FC236}">
+                  <a16:creationId xmlns:a16="http://schemas.microsoft.com/office/drawing/2014/main" id="{C668BDED-97AB-1E47-A273-36B27515B521}"/>
+                </a:ext>
+              </a:extLst>
+            </p:cNvPr>
+            <p:cNvSpPr txBox="1"/>
+            <p:nvPr/>
+          </p:nvSpPr>
+          <p:spPr>
+            <a:xfrm>
+              <a:off x="5619947" y="416350"/>
+              <a:ext cx="1025952" cy="369332"/>
+            </a:xfrm>
+            <a:prstGeom prst="rect">
+              <a:avLst/>
+            </a:prstGeom>
+            <a:noFill/>
+          </p:spPr>
+          <p:txBody>
+            <a:bodyPr wrap="square" rtlCol="0">
+              <a:spAutoFit/>
+            </a:bodyPr>
+            <a:lstStyle/>
+            <a:p>
+              <a:r>
+                <a:rPr lang="en-US" b="1" dirty="0"/>
+                <a:t>DESIGN</a:t>
+              </a:r>
+            </a:p>
+          </p:txBody>
+        </p:sp>
+        <p:sp>
+          <p:nvSpPr>
+            <p:cNvPr id="19" name="TextBox 18">
+              <a:extLst>
+                <a:ext uri="{FF2B5EF4-FFF2-40B4-BE49-F238E27FC236}">
+                  <a16:creationId xmlns:a16="http://schemas.microsoft.com/office/drawing/2014/main" id="{1ED98452-CE3E-8B4E-9211-3D4BBDBDAC5C}"/>
+                </a:ext>
+              </a:extLst>
+            </p:cNvPr>
+            <p:cNvSpPr txBox="1"/>
+            <p:nvPr/>
+          </p:nvSpPr>
+          <p:spPr>
+            <a:xfrm>
+              <a:off x="9607485" y="1934066"/>
+              <a:ext cx="1421876" cy="646331"/>
+            </a:xfrm>
+            <a:prstGeom prst="rect">
+              <a:avLst/>
+            </a:prstGeom>
+            <a:noFill/>
+          </p:spPr>
+          <p:txBody>
+            <a:bodyPr wrap="square" rtlCol="0">
+              <a:spAutoFit/>
+            </a:bodyPr>
+            <a:lstStyle/>
+            <a:p>
+              <a:r>
+                <a:rPr lang="en-US" b="1" dirty="0"/>
+                <a:t>BOOTSTRAP</a:t>
+              </a:r>
+            </a:p>
+            <a:p>
+              <a:r>
+                <a:rPr lang="en-US" b="1" dirty="0"/>
+                <a:t>SAMPLE</a:t>
+              </a:r>
+            </a:p>
+          </p:txBody>
+        </p:sp>
         <p:grpSp>
           <p:nvGrpSpPr>
-            <p:cNvPr id="12" name="Group 11">
-              <a:extLst>
-                <a:ext uri="{FF2B5EF4-FFF2-40B4-BE49-F238E27FC236}">
-                  <a16:creationId xmlns:a16="http://schemas.microsoft.com/office/drawing/2014/main" id="{8CAB9439-CA6B-4C49-AA61-C236D49E9D04}"/>
+            <p:cNvPr id="2" name="Group 1">
+              <a:extLst>
+                <a:ext uri="{FF2B5EF4-FFF2-40B4-BE49-F238E27FC236}">
+                  <a16:creationId xmlns:a16="http://schemas.microsoft.com/office/drawing/2014/main" id="{70C39B59-5C0E-5742-9558-6A43300A2A81}"/>
                 </a:ext>
               </a:extLst>
             </p:cNvPr>
@@ -5087,18 +5514,18 @@
           </p:nvGrpSpPr>
           <p:grpSpPr>
             <a:xfrm>
-              <a:off x="361337" y="169683"/>
-              <a:ext cx="11616989" cy="5759528"/>
-              <a:chOff x="361337" y="169683"/>
-              <a:chExt cx="11616989" cy="5759528"/>
+              <a:off x="9550400" y="2602059"/>
+              <a:ext cx="1939303" cy="1138026"/>
+              <a:chOff x="9135621" y="2262694"/>
+              <a:chExt cx="1939303" cy="1138026"/>
             </a:xfrm>
           </p:grpSpPr>
           <p:pic>
             <p:nvPicPr>
-              <p:cNvPr id="5" name="Picture 4">
+              <p:cNvPr id="45" name="Picture 44">
                 <a:extLst>
                   <a:ext uri="{FF2B5EF4-FFF2-40B4-BE49-F238E27FC236}">
-                    <a16:creationId xmlns:a16="http://schemas.microsoft.com/office/drawing/2014/main" id="{929F5182-4AE7-AC4B-9D20-6A43EA71D473}"/>
+                    <a16:creationId xmlns:a16="http://schemas.microsoft.com/office/drawing/2014/main" id="{2D3BFE50-0964-4940-9F55-09BF6EB2C57B}"/>
                   </a:ext>
                 </a:extLst>
               </p:cNvPr>
@@ -5108,594 +5535,27 @@
               <p:nvPr/>
             </p:nvPicPr>
             <p:blipFill>
-              <a:blip r:embed="rId2"/>
+              <a:blip r:embed="rId3"/>
               <a:stretch>
                 <a:fillRect/>
               </a:stretch>
             </p:blipFill>
             <p:spPr>
-              <a:xfrm>
-                <a:off x="361337" y="1010653"/>
-                <a:ext cx="3921905" cy="2839453"/>
+              <a:xfrm rot="2181941">
+                <a:off x="9624243" y="2262694"/>
+                <a:ext cx="377596" cy="377596"/>
               </a:xfrm>
               <a:prstGeom prst="rect">
                 <a:avLst/>
               </a:prstGeom>
             </p:spPr>
           </p:pic>
-          <p:sp>
-            <p:nvSpPr>
-              <p:cNvPr id="15" name="Arc 14">
+          <p:pic>
+            <p:nvPicPr>
+              <p:cNvPr id="46" name="Picture 45">
                 <a:extLst>
                   <a:ext uri="{FF2B5EF4-FFF2-40B4-BE49-F238E27FC236}">
-                    <a16:creationId xmlns:a16="http://schemas.microsoft.com/office/drawing/2014/main" id="{55BA842F-C23E-9343-A246-DBB9AD7F69C5}"/>
-                  </a:ext>
-                </a:extLst>
-              </p:cNvPr>
-              <p:cNvSpPr/>
-              <p:nvPr/>
-            </p:nvSpPr>
-            <p:spPr>
-              <a:xfrm>
-                <a:off x="1941921" y="169683"/>
-                <a:ext cx="8155575" cy="2978870"/>
-              </a:xfrm>
-              <a:prstGeom prst="arc">
-                <a:avLst>
-                  <a:gd name="adj1" fmla="val 11392369"/>
-                  <a:gd name="adj2" fmla="val 0"/>
-                </a:avLst>
-              </a:prstGeom>
-              <a:noFill/>
-              <a:ln w="57150">
-                <a:solidFill>
-                  <a:schemeClr val="tx1"/>
-                </a:solidFill>
-              </a:ln>
-            </p:spPr>
-            <p:style>
-              <a:lnRef idx="1">
-                <a:schemeClr val="accent1"/>
-              </a:lnRef>
-              <a:fillRef idx="0">
-                <a:schemeClr val="accent1"/>
-              </a:fillRef>
-              <a:effectRef idx="0">
-                <a:schemeClr val="accent1"/>
-              </a:effectRef>
-              <a:fontRef idx="minor">
-                <a:schemeClr val="tx1"/>
-              </a:fontRef>
-            </p:style>
-            <p:txBody>
-              <a:bodyPr rtlCol="0" anchor="ctr"/>
-              <a:lstStyle/>
-              <a:p>
-                <a:pPr algn="ctr"/>
-                <a:endParaRPr lang="en-US"/>
-              </a:p>
-            </p:txBody>
-          </p:sp>
-          <p:sp>
-            <p:nvSpPr>
-              <p:cNvPr id="16" name="Triangle 15">
-                <a:extLst>
-                  <a:ext uri="{FF2B5EF4-FFF2-40B4-BE49-F238E27FC236}">
-                    <a16:creationId xmlns:a16="http://schemas.microsoft.com/office/drawing/2014/main" id="{0A0B82B3-8746-864E-A146-7FB5CE521A74}"/>
-                  </a:ext>
-                </a:extLst>
-              </p:cNvPr>
-              <p:cNvSpPr/>
-              <p:nvPr/>
-            </p:nvSpPr>
-            <p:spPr>
-              <a:xfrm rot="10800000">
-                <a:off x="9794450" y="1517714"/>
-                <a:ext cx="565608" cy="386499"/>
-              </a:xfrm>
-              <a:prstGeom prst="triangle">
-                <a:avLst/>
-              </a:prstGeom>
-              <a:solidFill>
-                <a:schemeClr val="tx1"/>
-              </a:solidFill>
-              <a:ln>
-                <a:solidFill>
-                  <a:schemeClr val="tx1"/>
-                </a:solidFill>
-              </a:ln>
-            </p:spPr>
-            <p:style>
-              <a:lnRef idx="2">
-                <a:schemeClr val="accent1">
-                  <a:shade val="50000"/>
-                </a:schemeClr>
-              </a:lnRef>
-              <a:fillRef idx="1">
-                <a:schemeClr val="accent1"/>
-              </a:fillRef>
-              <a:effectRef idx="0">
-                <a:schemeClr val="accent1"/>
-              </a:effectRef>
-              <a:fontRef idx="minor">
-                <a:schemeClr val="lt1"/>
-              </a:fontRef>
-            </p:style>
-            <p:txBody>
-              <a:bodyPr rtlCol="0" anchor="ctr"/>
-              <a:lstStyle/>
-              <a:p>
-                <a:pPr algn="ctr"/>
-                <a:endParaRPr lang="en-US"/>
-              </a:p>
-            </p:txBody>
-          </p:sp>
-          <p:sp>
-            <p:nvSpPr>
-              <p:cNvPr id="17" name="TextBox 16">
-                <a:extLst>
-                  <a:ext uri="{FF2B5EF4-FFF2-40B4-BE49-F238E27FC236}">
-                    <a16:creationId xmlns:a16="http://schemas.microsoft.com/office/drawing/2014/main" id="{49405B28-1F6C-844F-BD40-118D556B1A30}"/>
-                  </a:ext>
-                </a:extLst>
-              </p:cNvPr>
-              <p:cNvSpPr txBox="1"/>
-              <p:nvPr/>
-            </p:nvSpPr>
-            <p:spPr>
-              <a:xfrm>
-                <a:off x="1574276" y="1527142"/>
-                <a:ext cx="1461155" cy="646331"/>
-              </a:xfrm>
-              <a:prstGeom prst="rect">
-                <a:avLst/>
-              </a:prstGeom>
-              <a:noFill/>
-            </p:spPr>
-            <p:txBody>
-              <a:bodyPr wrap="square" rtlCol="0">
-                <a:spAutoFit/>
-              </a:bodyPr>
-              <a:lstStyle/>
-              <a:p>
-                <a:r>
-                  <a:rPr lang="en-US" b="1" dirty="0"/>
-                  <a:t>BOOTSTRAP</a:t>
-                </a:r>
-              </a:p>
-              <a:p>
-                <a:r>
-                  <a:rPr lang="en-US" b="1" dirty="0"/>
-                  <a:t>POPULATION</a:t>
-                </a:r>
-              </a:p>
-            </p:txBody>
-          </p:sp>
-          <p:sp>
-            <p:nvSpPr>
-              <p:cNvPr id="18" name="TextBox 17">
-                <a:extLst>
-                  <a:ext uri="{FF2B5EF4-FFF2-40B4-BE49-F238E27FC236}">
-                    <a16:creationId xmlns:a16="http://schemas.microsoft.com/office/drawing/2014/main" id="{C668BDED-97AB-1E47-A273-36B27515B521}"/>
-                  </a:ext>
-                </a:extLst>
-              </p:cNvPr>
-              <p:cNvSpPr txBox="1"/>
-              <p:nvPr/>
-            </p:nvSpPr>
-            <p:spPr>
-              <a:xfrm>
-                <a:off x="5619947" y="416350"/>
-                <a:ext cx="1025952" cy="369332"/>
-              </a:xfrm>
-              <a:prstGeom prst="rect">
-                <a:avLst/>
-              </a:prstGeom>
-              <a:noFill/>
-            </p:spPr>
-            <p:txBody>
-              <a:bodyPr wrap="square" rtlCol="0">
-                <a:spAutoFit/>
-              </a:bodyPr>
-              <a:lstStyle/>
-              <a:p>
-                <a:r>
-                  <a:rPr lang="en-US" b="1" dirty="0"/>
-                  <a:t>DESIGN</a:t>
-                </a:r>
-              </a:p>
-            </p:txBody>
-          </p:sp>
-          <p:sp>
-            <p:nvSpPr>
-              <p:cNvPr id="19" name="TextBox 18">
-                <a:extLst>
-                  <a:ext uri="{FF2B5EF4-FFF2-40B4-BE49-F238E27FC236}">
-                    <a16:creationId xmlns:a16="http://schemas.microsoft.com/office/drawing/2014/main" id="{1ED98452-CE3E-8B4E-9211-3D4BBDBDAC5C}"/>
-                  </a:ext>
-                </a:extLst>
-              </p:cNvPr>
-              <p:cNvSpPr txBox="1"/>
-              <p:nvPr/>
-            </p:nvSpPr>
-            <p:spPr>
-              <a:xfrm>
-                <a:off x="9607485" y="1934066"/>
-                <a:ext cx="1421876" cy="646331"/>
-              </a:xfrm>
-              <a:prstGeom prst="rect">
-                <a:avLst/>
-              </a:prstGeom>
-              <a:noFill/>
-            </p:spPr>
-            <p:txBody>
-              <a:bodyPr wrap="square" rtlCol="0">
-                <a:spAutoFit/>
-              </a:bodyPr>
-              <a:lstStyle/>
-              <a:p>
-                <a:r>
-                  <a:rPr lang="en-US" b="1" dirty="0"/>
-                  <a:t>BOOTSTRAP</a:t>
-                </a:r>
-              </a:p>
-              <a:p>
-                <a:r>
-                  <a:rPr lang="en-US" b="1" dirty="0"/>
-                  <a:t>SAMPLE</a:t>
-                </a:r>
-              </a:p>
-            </p:txBody>
-          </p:sp>
-          <p:grpSp>
-            <p:nvGrpSpPr>
-              <p:cNvPr id="2" name="Group 1">
-                <a:extLst>
-                  <a:ext uri="{FF2B5EF4-FFF2-40B4-BE49-F238E27FC236}">
-                    <a16:creationId xmlns:a16="http://schemas.microsoft.com/office/drawing/2014/main" id="{70C39B59-5C0E-5742-9558-6A43300A2A81}"/>
-                  </a:ext>
-                </a:extLst>
-              </p:cNvPr>
-              <p:cNvGrpSpPr/>
-              <p:nvPr/>
-            </p:nvGrpSpPr>
-            <p:grpSpPr>
-              <a:xfrm>
-                <a:off x="9550400" y="2602059"/>
-                <a:ext cx="1939303" cy="1138026"/>
-                <a:chOff x="9135621" y="2262694"/>
-                <a:chExt cx="1939303" cy="1138026"/>
-              </a:xfrm>
-            </p:grpSpPr>
-            <p:pic>
-              <p:nvPicPr>
-                <p:cNvPr id="45" name="Picture 44">
-                  <a:extLst>
-                    <a:ext uri="{FF2B5EF4-FFF2-40B4-BE49-F238E27FC236}">
-                      <a16:creationId xmlns:a16="http://schemas.microsoft.com/office/drawing/2014/main" id="{2D3BFE50-0964-4940-9F55-09BF6EB2C57B}"/>
-                    </a:ext>
-                  </a:extLst>
-                </p:cNvPr>
-                <p:cNvPicPr>
-                  <a:picLocks noChangeAspect="1"/>
-                </p:cNvPicPr>
-                <p:nvPr/>
-              </p:nvPicPr>
-              <p:blipFill>
-                <a:blip r:embed="rId3"/>
-                <a:stretch>
-                  <a:fillRect/>
-                </a:stretch>
-              </p:blipFill>
-              <p:spPr>
-                <a:xfrm rot="2181941">
-                  <a:off x="9624243" y="2262694"/>
-                  <a:ext cx="377596" cy="377596"/>
-                </a:xfrm>
-                <a:prstGeom prst="rect">
-                  <a:avLst/>
-                </a:prstGeom>
-              </p:spPr>
-            </p:pic>
-            <p:pic>
-              <p:nvPicPr>
-                <p:cNvPr id="46" name="Picture 45">
-                  <a:extLst>
-                    <a:ext uri="{FF2B5EF4-FFF2-40B4-BE49-F238E27FC236}">
-                      <a16:creationId xmlns:a16="http://schemas.microsoft.com/office/drawing/2014/main" id="{FA013E27-2B11-4342-A98E-5EC6659EA4CB}"/>
-                    </a:ext>
-                  </a:extLst>
-                </p:cNvPr>
-                <p:cNvPicPr>
-                  <a:picLocks noChangeAspect="1"/>
-                </p:cNvPicPr>
-                <p:nvPr/>
-              </p:nvPicPr>
-              <p:blipFill>
-                <a:blip r:embed="rId3"/>
-                <a:stretch>
-                  <a:fillRect/>
-                </a:stretch>
-              </p:blipFill>
-              <p:spPr>
-                <a:xfrm rot="3785886">
-                  <a:off x="9908619" y="2650765"/>
-                  <a:ext cx="377596" cy="377596"/>
-                </a:xfrm>
-                <a:prstGeom prst="rect">
-                  <a:avLst/>
-                </a:prstGeom>
-              </p:spPr>
-            </p:pic>
-            <p:pic>
-              <p:nvPicPr>
-                <p:cNvPr id="47" name="Picture 46">
-                  <a:extLst>
-                    <a:ext uri="{FF2B5EF4-FFF2-40B4-BE49-F238E27FC236}">
-                      <a16:creationId xmlns:a16="http://schemas.microsoft.com/office/drawing/2014/main" id="{BB918D08-4DC9-5648-BAF0-5729786B2E82}"/>
-                    </a:ext>
-                  </a:extLst>
-                </p:cNvPr>
-                <p:cNvPicPr>
-                  <a:picLocks noChangeAspect="1"/>
-                </p:cNvPicPr>
-                <p:nvPr/>
-              </p:nvPicPr>
-              <p:blipFill>
-                <a:blip r:embed="rId3"/>
-                <a:stretch>
-                  <a:fillRect/>
-                </a:stretch>
-              </p:blipFill>
-              <p:spPr>
-                <a:xfrm rot="16600393">
-                  <a:off x="9853629" y="3019982"/>
-                  <a:ext cx="377596" cy="377596"/>
-                </a:xfrm>
-                <a:prstGeom prst="rect">
-                  <a:avLst/>
-                </a:prstGeom>
-              </p:spPr>
-            </p:pic>
-            <p:pic>
-              <p:nvPicPr>
-                <p:cNvPr id="48" name="Picture 47">
-                  <a:extLst>
-                    <a:ext uri="{FF2B5EF4-FFF2-40B4-BE49-F238E27FC236}">
-                      <a16:creationId xmlns:a16="http://schemas.microsoft.com/office/drawing/2014/main" id="{CE1B675C-34B3-A44F-9316-7EF69B60D37A}"/>
-                    </a:ext>
-                  </a:extLst>
-                </p:cNvPr>
-                <p:cNvPicPr>
-                  <a:picLocks noChangeAspect="1"/>
-                </p:cNvPicPr>
-                <p:nvPr/>
-              </p:nvPicPr>
-              <p:blipFill>
-                <a:blip r:embed="rId3"/>
-                <a:stretch>
-                  <a:fillRect/>
-                </a:stretch>
-              </p:blipFill>
-              <p:spPr>
-                <a:xfrm rot="7588957">
-                  <a:off x="10222845" y="2267409"/>
-                  <a:ext cx="377596" cy="377596"/>
-                </a:xfrm>
-                <a:prstGeom prst="rect">
-                  <a:avLst/>
-                </a:prstGeom>
-              </p:spPr>
-            </p:pic>
-            <p:pic>
-              <p:nvPicPr>
-                <p:cNvPr id="49" name="Picture 48">
-                  <a:extLst>
-                    <a:ext uri="{FF2B5EF4-FFF2-40B4-BE49-F238E27FC236}">
-                      <a16:creationId xmlns:a16="http://schemas.microsoft.com/office/drawing/2014/main" id="{A8D5BFE9-1EDB-7346-9DB8-CCE62DA2B854}"/>
-                    </a:ext>
-                  </a:extLst>
-                </p:cNvPr>
-                <p:cNvPicPr>
-                  <a:picLocks noChangeAspect="1"/>
-                </p:cNvPicPr>
-                <p:nvPr/>
-              </p:nvPicPr>
-              <p:blipFill>
-                <a:blip r:embed="rId3"/>
-                <a:stretch>
-                  <a:fillRect/>
-                </a:stretch>
-              </p:blipFill>
-              <p:spPr>
-                <a:xfrm rot="6663518">
-                  <a:off x="10403526" y="3023124"/>
-                  <a:ext cx="377596" cy="377596"/>
-                </a:xfrm>
-                <a:prstGeom prst="rect">
-                  <a:avLst/>
-                </a:prstGeom>
-              </p:spPr>
-            </p:pic>
-            <p:pic>
-              <p:nvPicPr>
-                <p:cNvPr id="50" name="Picture 49">
-                  <a:extLst>
-                    <a:ext uri="{FF2B5EF4-FFF2-40B4-BE49-F238E27FC236}">
-                      <a16:creationId xmlns:a16="http://schemas.microsoft.com/office/drawing/2014/main" id="{46AD7148-D043-0A42-9123-7E2B25296FCE}"/>
-                    </a:ext>
-                  </a:extLst>
-                </p:cNvPr>
-                <p:cNvPicPr>
-                  <a:picLocks noChangeAspect="1"/>
-                </p:cNvPicPr>
-                <p:nvPr/>
-              </p:nvPicPr>
-              <p:blipFill>
-                <a:blip r:embed="rId3"/>
-                <a:stretch>
-                  <a:fillRect/>
-                </a:stretch>
-              </p:blipFill>
-              <p:spPr>
-                <a:xfrm rot="17630836">
-                  <a:off x="10697328" y="2609915"/>
-                  <a:ext cx="377596" cy="377596"/>
-                </a:xfrm>
-                <a:prstGeom prst="rect">
-                  <a:avLst/>
-                </a:prstGeom>
-              </p:spPr>
-            </p:pic>
-            <p:pic>
-              <p:nvPicPr>
-                <p:cNvPr id="51" name="Picture 50">
-                  <a:extLst>
-                    <a:ext uri="{FF2B5EF4-FFF2-40B4-BE49-F238E27FC236}">
-                      <a16:creationId xmlns:a16="http://schemas.microsoft.com/office/drawing/2014/main" id="{630567DB-AE3E-6444-A1A4-2DA2AF91B613}"/>
-                    </a:ext>
-                  </a:extLst>
-                </p:cNvPr>
-                <p:cNvPicPr>
-                  <a:picLocks noChangeAspect="1"/>
-                </p:cNvPicPr>
-                <p:nvPr/>
-              </p:nvPicPr>
-              <p:blipFill>
-                <a:blip r:embed="rId3"/>
-                <a:stretch>
-                  <a:fillRect/>
-                </a:stretch>
-              </p:blipFill>
-              <p:spPr>
-                <a:xfrm rot="19067721">
-                  <a:off x="9492268" y="2696328"/>
-                  <a:ext cx="377596" cy="377596"/>
-                </a:xfrm>
-                <a:prstGeom prst="rect">
-                  <a:avLst/>
-                </a:prstGeom>
-              </p:spPr>
-            </p:pic>
-            <p:pic>
-              <p:nvPicPr>
-                <p:cNvPr id="52" name="Picture 51">
-                  <a:extLst>
-                    <a:ext uri="{FF2B5EF4-FFF2-40B4-BE49-F238E27FC236}">
-                      <a16:creationId xmlns:a16="http://schemas.microsoft.com/office/drawing/2014/main" id="{87CF84BD-AB17-974D-AD06-93F764123DE4}"/>
-                    </a:ext>
-                  </a:extLst>
-                </p:cNvPr>
-                <p:cNvPicPr>
-                  <a:picLocks noChangeAspect="1"/>
-                </p:cNvPicPr>
-                <p:nvPr/>
-              </p:nvPicPr>
-              <p:blipFill>
-                <a:blip r:embed="rId3"/>
-                <a:stretch>
-                  <a:fillRect/>
-                </a:stretch>
-              </p:blipFill>
-              <p:spPr>
-                <a:xfrm rot="7129247">
-                  <a:off x="9135621" y="2320827"/>
-                  <a:ext cx="377596" cy="377596"/>
-                </a:xfrm>
-                <a:prstGeom prst="rect">
-                  <a:avLst/>
-                </a:prstGeom>
-              </p:spPr>
-            </p:pic>
-          </p:grpSp>
-          <p:sp>
-            <p:nvSpPr>
-              <p:cNvPr id="53" name="TextBox 52">
-                <a:extLst>
-                  <a:ext uri="{FF2B5EF4-FFF2-40B4-BE49-F238E27FC236}">
-                    <a16:creationId xmlns:a16="http://schemas.microsoft.com/office/drawing/2014/main" id="{48EBCDF8-D4D2-E549-A02F-4BB2A45D54F1}"/>
-                  </a:ext>
-                </a:extLst>
-              </p:cNvPr>
-              <p:cNvSpPr txBox="1"/>
-              <p:nvPr/>
-            </p:nvSpPr>
-            <p:spPr>
-              <a:xfrm>
-                <a:off x="584461" y="3902696"/>
-                <a:ext cx="2168165" cy="923330"/>
-              </a:xfrm>
-              <a:prstGeom prst="rect">
-                <a:avLst/>
-              </a:prstGeom>
-              <a:noFill/>
-            </p:spPr>
-            <p:txBody>
-              <a:bodyPr wrap="square" rtlCol="0">
-                <a:spAutoFit/>
-              </a:bodyPr>
-              <a:lstStyle/>
-              <a:p>
-                <a:r>
-                  <a:rPr lang="en-US" dirty="0"/>
-                  <a:t>Bootstrap</a:t>
-                </a:r>
-              </a:p>
-              <a:p>
-                <a:r>
-                  <a:rPr lang="en-US" dirty="0"/>
-                  <a:t>Population Distribution</a:t>
-                </a:r>
-              </a:p>
-            </p:txBody>
-          </p:sp>
-          <p:sp>
-            <p:nvSpPr>
-              <p:cNvPr id="54" name="TextBox 53">
-                <a:extLst>
-                  <a:ext uri="{FF2B5EF4-FFF2-40B4-BE49-F238E27FC236}">
-                    <a16:creationId xmlns:a16="http://schemas.microsoft.com/office/drawing/2014/main" id="{C8C55FD7-47BC-5049-852B-6E780533CCF3}"/>
-                  </a:ext>
-                </a:extLst>
-              </p:cNvPr>
-              <p:cNvSpPr txBox="1"/>
-              <p:nvPr/>
-            </p:nvSpPr>
-            <p:spPr>
-              <a:xfrm>
-                <a:off x="5063766" y="1396739"/>
-                <a:ext cx="1393595" cy="1200329"/>
-              </a:xfrm>
-              <a:prstGeom prst="rect">
-                <a:avLst/>
-              </a:prstGeom>
-              <a:noFill/>
-            </p:spPr>
-            <p:txBody>
-              <a:bodyPr wrap="square" rtlCol="0">
-                <a:spAutoFit/>
-              </a:bodyPr>
-              <a:lstStyle/>
-              <a:p>
-                <a:r>
-                  <a:rPr lang="en-US" dirty="0"/>
-                  <a:t>Bootstrap</a:t>
-                </a:r>
-              </a:p>
-              <a:p>
-                <a:r>
-                  <a:rPr lang="en-US" dirty="0"/>
-                  <a:t>Sampling Distribution of Statistic</a:t>
-                </a:r>
-              </a:p>
-            </p:txBody>
-          </p:sp>
-          <p:pic>
-            <p:nvPicPr>
-              <p:cNvPr id="58" name="Picture 57">
-                <a:extLst>
-                  <a:ext uri="{FF2B5EF4-FFF2-40B4-BE49-F238E27FC236}">
-                    <a16:creationId xmlns:a16="http://schemas.microsoft.com/office/drawing/2014/main" id="{63FAE83B-19A4-FB41-96C3-FF2E5600F2DE}"/>
+                    <a16:creationId xmlns:a16="http://schemas.microsoft.com/office/drawing/2014/main" id="{FA013E27-2B11-4342-A98E-5EC6659EA4CB}"/>
                   </a:ext>
                 </a:extLst>
               </p:cNvPr>
@@ -5705,409 +5565,27 @@
               <p:nvPr/>
             </p:nvPicPr>
             <p:blipFill>
-              <a:blip r:embed="rId4"/>
+              <a:blip r:embed="rId3"/>
               <a:stretch>
                 <a:fillRect/>
               </a:stretch>
             </p:blipFill>
             <p:spPr>
-              <a:xfrm>
-                <a:off x="2080968" y="3893596"/>
-                <a:ext cx="2634006" cy="1536504"/>
+              <a:xfrm rot="3785886">
+                <a:off x="9908619" y="2650765"/>
+                <a:ext cx="377596" cy="377596"/>
               </a:xfrm>
               <a:prstGeom prst="rect">
                 <a:avLst/>
               </a:prstGeom>
             </p:spPr>
           </p:pic>
-          <p:grpSp>
-            <p:nvGrpSpPr>
-              <p:cNvPr id="62" name="Group 61">
+          <p:pic>
+            <p:nvPicPr>
+              <p:cNvPr id="47" name="Picture 46">
                 <a:extLst>
                   <a:ext uri="{FF2B5EF4-FFF2-40B4-BE49-F238E27FC236}">
-                    <a16:creationId xmlns:a16="http://schemas.microsoft.com/office/drawing/2014/main" id="{BA4E1C3B-46B3-4245-AEB2-F51CE135DCCD}"/>
-                  </a:ext>
-                </a:extLst>
-              </p:cNvPr>
-              <p:cNvGrpSpPr/>
-              <p:nvPr/>
-            </p:nvGrpSpPr>
-            <p:grpSpPr>
-              <a:xfrm>
-                <a:off x="1228104" y="2481081"/>
-                <a:ext cx="1939303" cy="1138026"/>
-                <a:chOff x="9135621" y="2262694"/>
-                <a:chExt cx="1939303" cy="1138026"/>
-              </a:xfrm>
-            </p:grpSpPr>
-            <p:pic>
-              <p:nvPicPr>
-                <p:cNvPr id="64" name="Picture 63">
-                  <a:extLst>
-                    <a:ext uri="{FF2B5EF4-FFF2-40B4-BE49-F238E27FC236}">
-                      <a16:creationId xmlns:a16="http://schemas.microsoft.com/office/drawing/2014/main" id="{9F8CD70B-3898-0B4A-89B7-2C8ED0DB9C15}"/>
-                    </a:ext>
-                  </a:extLst>
-                </p:cNvPr>
-                <p:cNvPicPr>
-                  <a:picLocks noChangeAspect="1"/>
-                </p:cNvPicPr>
-                <p:nvPr/>
-              </p:nvPicPr>
-              <p:blipFill>
-                <a:blip r:embed="rId3"/>
-                <a:stretch>
-                  <a:fillRect/>
-                </a:stretch>
-              </p:blipFill>
-              <p:spPr>
-                <a:xfrm rot="2181941">
-                  <a:off x="9624243" y="2262694"/>
-                  <a:ext cx="377596" cy="377596"/>
-                </a:xfrm>
-                <a:prstGeom prst="rect">
-                  <a:avLst/>
-                </a:prstGeom>
-              </p:spPr>
-            </p:pic>
-            <p:pic>
-              <p:nvPicPr>
-                <p:cNvPr id="66" name="Picture 65">
-                  <a:extLst>
-                    <a:ext uri="{FF2B5EF4-FFF2-40B4-BE49-F238E27FC236}">
-                      <a16:creationId xmlns:a16="http://schemas.microsoft.com/office/drawing/2014/main" id="{C571754E-985F-CC4B-AA01-FF4F09B0E054}"/>
-                    </a:ext>
-                  </a:extLst>
-                </p:cNvPr>
-                <p:cNvPicPr>
-                  <a:picLocks noChangeAspect="1"/>
-                </p:cNvPicPr>
-                <p:nvPr/>
-              </p:nvPicPr>
-              <p:blipFill>
-                <a:blip r:embed="rId3"/>
-                <a:stretch>
-                  <a:fillRect/>
-                </a:stretch>
-              </p:blipFill>
-              <p:spPr>
-                <a:xfrm rot="3785886">
-                  <a:off x="9908619" y="2650765"/>
-                  <a:ext cx="377596" cy="377596"/>
-                </a:xfrm>
-                <a:prstGeom prst="rect">
-                  <a:avLst/>
-                </a:prstGeom>
-              </p:spPr>
-            </p:pic>
-            <p:pic>
-              <p:nvPicPr>
-                <p:cNvPr id="69" name="Picture 68">
-                  <a:extLst>
-                    <a:ext uri="{FF2B5EF4-FFF2-40B4-BE49-F238E27FC236}">
-                      <a16:creationId xmlns:a16="http://schemas.microsoft.com/office/drawing/2014/main" id="{D0BAFBD0-72BC-114F-B19A-C99F60E9F0EF}"/>
-                    </a:ext>
-                  </a:extLst>
-                </p:cNvPr>
-                <p:cNvPicPr>
-                  <a:picLocks noChangeAspect="1"/>
-                </p:cNvPicPr>
-                <p:nvPr/>
-              </p:nvPicPr>
-              <p:blipFill>
-                <a:blip r:embed="rId3"/>
-                <a:stretch>
-                  <a:fillRect/>
-                </a:stretch>
-              </p:blipFill>
-              <p:spPr>
-                <a:xfrm rot="16600393">
-                  <a:off x="9853629" y="3019982"/>
-                  <a:ext cx="377596" cy="377596"/>
-                </a:xfrm>
-                <a:prstGeom prst="rect">
-                  <a:avLst/>
-                </a:prstGeom>
-              </p:spPr>
-            </p:pic>
-            <p:pic>
-              <p:nvPicPr>
-                <p:cNvPr id="71" name="Picture 70">
-                  <a:extLst>
-                    <a:ext uri="{FF2B5EF4-FFF2-40B4-BE49-F238E27FC236}">
-                      <a16:creationId xmlns:a16="http://schemas.microsoft.com/office/drawing/2014/main" id="{96B342FD-11F7-AC42-AA34-2F8D1335C660}"/>
-                    </a:ext>
-                  </a:extLst>
-                </p:cNvPr>
-                <p:cNvPicPr>
-                  <a:picLocks noChangeAspect="1"/>
-                </p:cNvPicPr>
-                <p:nvPr/>
-              </p:nvPicPr>
-              <p:blipFill>
-                <a:blip r:embed="rId3"/>
-                <a:stretch>
-                  <a:fillRect/>
-                </a:stretch>
-              </p:blipFill>
-              <p:spPr>
-                <a:xfrm rot="7588957">
-                  <a:off x="10222845" y="2267409"/>
-                  <a:ext cx="377596" cy="377596"/>
-                </a:xfrm>
-                <a:prstGeom prst="rect">
-                  <a:avLst/>
-                </a:prstGeom>
-              </p:spPr>
-            </p:pic>
-            <p:pic>
-              <p:nvPicPr>
-                <p:cNvPr id="72" name="Picture 71">
-                  <a:extLst>
-                    <a:ext uri="{FF2B5EF4-FFF2-40B4-BE49-F238E27FC236}">
-                      <a16:creationId xmlns:a16="http://schemas.microsoft.com/office/drawing/2014/main" id="{783E4E32-6177-3948-9341-8ECC7B76EA9E}"/>
-                    </a:ext>
-                  </a:extLst>
-                </p:cNvPr>
-                <p:cNvPicPr>
-                  <a:picLocks noChangeAspect="1"/>
-                </p:cNvPicPr>
-                <p:nvPr/>
-              </p:nvPicPr>
-              <p:blipFill>
-                <a:blip r:embed="rId3"/>
-                <a:stretch>
-                  <a:fillRect/>
-                </a:stretch>
-              </p:blipFill>
-              <p:spPr>
-                <a:xfrm rot="6663518">
-                  <a:off x="10403526" y="3023124"/>
-                  <a:ext cx="377596" cy="377596"/>
-                </a:xfrm>
-                <a:prstGeom prst="rect">
-                  <a:avLst/>
-                </a:prstGeom>
-              </p:spPr>
-            </p:pic>
-            <p:pic>
-              <p:nvPicPr>
-                <p:cNvPr id="73" name="Picture 72">
-                  <a:extLst>
-                    <a:ext uri="{FF2B5EF4-FFF2-40B4-BE49-F238E27FC236}">
-                      <a16:creationId xmlns:a16="http://schemas.microsoft.com/office/drawing/2014/main" id="{DFCCDA4E-E107-B048-AC97-58070EBA7B00}"/>
-                    </a:ext>
-                  </a:extLst>
-                </p:cNvPr>
-                <p:cNvPicPr>
-                  <a:picLocks noChangeAspect="1"/>
-                </p:cNvPicPr>
-                <p:nvPr/>
-              </p:nvPicPr>
-              <p:blipFill>
-                <a:blip r:embed="rId3"/>
-                <a:stretch>
-                  <a:fillRect/>
-                </a:stretch>
-              </p:blipFill>
-              <p:spPr>
-                <a:xfrm rot="17630836">
-                  <a:off x="10697328" y="2609915"/>
-                  <a:ext cx="377596" cy="377596"/>
-                </a:xfrm>
-                <a:prstGeom prst="rect">
-                  <a:avLst/>
-                </a:prstGeom>
-              </p:spPr>
-            </p:pic>
-            <p:pic>
-              <p:nvPicPr>
-                <p:cNvPr id="74" name="Picture 73">
-                  <a:extLst>
-                    <a:ext uri="{FF2B5EF4-FFF2-40B4-BE49-F238E27FC236}">
-                      <a16:creationId xmlns:a16="http://schemas.microsoft.com/office/drawing/2014/main" id="{78D340AA-4339-154B-AED8-A14DC1E81457}"/>
-                    </a:ext>
-                  </a:extLst>
-                </p:cNvPr>
-                <p:cNvPicPr>
-                  <a:picLocks noChangeAspect="1"/>
-                </p:cNvPicPr>
-                <p:nvPr/>
-              </p:nvPicPr>
-              <p:blipFill>
-                <a:blip r:embed="rId3"/>
-                <a:stretch>
-                  <a:fillRect/>
-                </a:stretch>
-              </p:blipFill>
-              <p:spPr>
-                <a:xfrm rot="19067721">
-                  <a:off x="9492268" y="2696328"/>
-                  <a:ext cx="377596" cy="377596"/>
-                </a:xfrm>
-                <a:prstGeom prst="rect">
-                  <a:avLst/>
-                </a:prstGeom>
-              </p:spPr>
-            </p:pic>
-            <p:pic>
-              <p:nvPicPr>
-                <p:cNvPr id="75" name="Picture 74">
-                  <a:extLst>
-                    <a:ext uri="{FF2B5EF4-FFF2-40B4-BE49-F238E27FC236}">
-                      <a16:creationId xmlns:a16="http://schemas.microsoft.com/office/drawing/2014/main" id="{1C4FA0AF-B85D-984B-9B37-6E367F6E6029}"/>
-                    </a:ext>
-                  </a:extLst>
-                </p:cNvPr>
-                <p:cNvPicPr>
-                  <a:picLocks noChangeAspect="1"/>
-                </p:cNvPicPr>
-                <p:nvPr/>
-              </p:nvPicPr>
-              <p:blipFill>
-                <a:blip r:embed="rId3"/>
-                <a:stretch>
-                  <a:fillRect/>
-                </a:stretch>
-              </p:blipFill>
-              <p:spPr>
-                <a:xfrm rot="7129247">
-                  <a:off x="9135621" y="2320827"/>
-                  <a:ext cx="377596" cy="377596"/>
-                </a:xfrm>
-                <a:prstGeom prst="rect">
-                  <a:avLst/>
-                </a:prstGeom>
-              </p:spPr>
-            </p:pic>
-          </p:grpSp>
-          <p:grpSp>
-            <p:nvGrpSpPr>
-              <p:cNvPr id="4" name="Group 3">
-                <a:extLst>
-                  <a:ext uri="{FF2B5EF4-FFF2-40B4-BE49-F238E27FC236}">
-                    <a16:creationId xmlns:a16="http://schemas.microsoft.com/office/drawing/2014/main" id="{4A646396-0AC3-F44B-9814-695A168A8967}"/>
-                  </a:ext>
-                </a:extLst>
-              </p:cNvPr>
-              <p:cNvGrpSpPr/>
-              <p:nvPr/>
-            </p:nvGrpSpPr>
-            <p:grpSpPr>
-              <a:xfrm>
-                <a:off x="1579383" y="5033915"/>
-                <a:ext cx="749038" cy="895296"/>
-                <a:chOff x="1428554" y="5373280"/>
-                <a:chExt cx="749038" cy="895296"/>
-              </a:xfrm>
-            </p:grpSpPr>
-            <p:pic>
-              <p:nvPicPr>
-                <p:cNvPr id="59" name="Picture 58">
-                  <a:extLst>
-                    <a:ext uri="{FF2B5EF4-FFF2-40B4-BE49-F238E27FC236}">
-                      <a16:creationId xmlns:a16="http://schemas.microsoft.com/office/drawing/2014/main" id="{89F245DE-5511-354B-936A-72A8B6186050}"/>
-                    </a:ext>
-                  </a:extLst>
-                </p:cNvPr>
-                <p:cNvPicPr>
-                  <a:picLocks noChangeAspect="1"/>
-                </p:cNvPicPr>
-                <p:nvPr/>
-              </p:nvPicPr>
-              <p:blipFill>
-                <a:blip r:embed="rId5"/>
-                <a:stretch>
-                  <a:fillRect/>
-                </a:stretch>
-              </p:blipFill>
-              <p:spPr>
-                <a:xfrm>
-                  <a:off x="1428554" y="5558279"/>
-                  <a:ext cx="645343" cy="645343"/>
-                </a:xfrm>
-                <a:prstGeom prst="rect">
-                  <a:avLst/>
-                </a:prstGeom>
-              </p:spPr>
-            </p:pic>
-            <p:sp>
-              <p:nvSpPr>
-                <p:cNvPr id="61" name="TextBox 60">
-                  <a:extLst>
-                    <a:ext uri="{FF2B5EF4-FFF2-40B4-BE49-F238E27FC236}">
-                      <a16:creationId xmlns:a16="http://schemas.microsoft.com/office/drawing/2014/main" id="{A883542C-8DEA-1F43-9E84-45325F38C9B2}"/>
-                    </a:ext>
-                  </a:extLst>
-                </p:cNvPr>
-                <p:cNvSpPr txBox="1"/>
-                <p:nvPr/>
-              </p:nvSpPr>
-              <p:spPr>
-                <a:xfrm>
-                  <a:off x="1791093" y="5373280"/>
-                  <a:ext cx="386499" cy="646331"/>
-                </a:xfrm>
-                <a:prstGeom prst="rect">
-                  <a:avLst/>
-                </a:prstGeom>
-                <a:noFill/>
-              </p:spPr>
-              <p:txBody>
-                <a:bodyPr wrap="square" rtlCol="0">
-                  <a:spAutoFit/>
-                </a:bodyPr>
-                <a:lstStyle/>
-                <a:p>
-                  <a:r>
-                    <a:rPr lang="en-US" sz="3600" dirty="0"/>
-                    <a:t>*</a:t>
-                  </a:r>
-                </a:p>
-              </p:txBody>
-            </p:sp>
-            <p:sp>
-              <p:nvSpPr>
-                <p:cNvPr id="3" name="TextBox 2">
-                  <a:extLst>
-                    <a:ext uri="{FF2B5EF4-FFF2-40B4-BE49-F238E27FC236}">
-                      <a16:creationId xmlns:a16="http://schemas.microsoft.com/office/drawing/2014/main" id="{A03EEAD7-726C-7041-9CFD-DE72EE5A3403}"/>
-                    </a:ext>
-                  </a:extLst>
-                </p:cNvPr>
-                <p:cNvSpPr txBox="1"/>
-                <p:nvPr/>
-              </p:nvSpPr>
-              <p:spPr>
-                <a:xfrm>
-                  <a:off x="1791093" y="5806911"/>
-                  <a:ext cx="254524" cy="461665"/>
-                </a:xfrm>
-                <a:prstGeom prst="rect">
-                  <a:avLst/>
-                </a:prstGeom>
-                <a:noFill/>
-              </p:spPr>
-              <p:txBody>
-                <a:bodyPr wrap="square" rtlCol="0">
-                  <a:spAutoFit/>
-                </a:bodyPr>
-                <a:lstStyle/>
-                <a:p>
-                  <a:r>
-                    <a:rPr lang="en-US" sz="2400" b="1" dirty="0"/>
-                    <a:t>B</a:t>
-                  </a:r>
-                </a:p>
-              </p:txBody>
-            </p:sp>
-          </p:grpSp>
-          <p:pic>
-            <p:nvPicPr>
-              <p:cNvPr id="9" name="Picture 8">
-                <a:extLst>
-                  <a:ext uri="{FF2B5EF4-FFF2-40B4-BE49-F238E27FC236}">
-                    <a16:creationId xmlns:a16="http://schemas.microsoft.com/office/drawing/2014/main" id="{626A8EFD-3ECF-8945-B1DF-CE099A2EF0C2}"/>
+                    <a16:creationId xmlns:a16="http://schemas.microsoft.com/office/drawing/2014/main" id="{BB918D08-4DC9-5648-BAF0-5729786B2E82}"/>
                   </a:ext>
                 </a:extLst>
               </p:cNvPr>
@@ -6117,15 +5595,15 @@
               <p:nvPr/>
             </p:nvPicPr>
             <p:blipFill>
-              <a:blip r:embed="rId6"/>
+              <a:blip r:embed="rId3"/>
               <a:stretch>
                 <a:fillRect/>
               </a:stretch>
             </p:blipFill>
             <p:spPr>
-              <a:xfrm>
-                <a:off x="9309755" y="3760052"/>
-                <a:ext cx="2668571" cy="1556666"/>
+              <a:xfrm rot="16600393">
+                <a:off x="9853629" y="3019982"/>
+                <a:ext cx="377596" cy="377596"/>
               </a:xfrm>
               <a:prstGeom prst="rect">
                 <a:avLst/>
@@ -6134,10 +5612,10 @@
           </p:pic>
           <p:pic>
             <p:nvPicPr>
-              <p:cNvPr id="11" name="Picture 10">
+              <p:cNvPr id="48" name="Picture 47">
                 <a:extLst>
                   <a:ext uri="{FF2B5EF4-FFF2-40B4-BE49-F238E27FC236}">
-                    <a16:creationId xmlns:a16="http://schemas.microsoft.com/office/drawing/2014/main" id="{EE257840-1C6C-464D-BD6F-3F7B03543AFD}"/>
+                    <a16:creationId xmlns:a16="http://schemas.microsoft.com/office/drawing/2014/main" id="{CE1B675C-34B3-A44F-9316-7EF69B60D37A}"/>
                   </a:ext>
                 </a:extLst>
               </p:cNvPr>
@@ -6147,205 +5625,616 @@
               <p:nvPr/>
             </p:nvPicPr>
             <p:blipFill>
-              <a:blip r:embed="rId7"/>
+              <a:blip r:embed="rId3"/>
               <a:stretch>
                 <a:fillRect/>
               </a:stretch>
             </p:blipFill>
             <p:spPr>
-              <a:xfrm>
-                <a:off x="4803743" y="2525140"/>
-                <a:ext cx="2813115" cy="1640984"/>
+              <a:xfrm rot="7588957">
+                <a:off x="10222845" y="2267409"/>
+                <a:ext cx="377596" cy="377596"/>
               </a:xfrm>
               <a:prstGeom prst="rect">
                 <a:avLst/>
               </a:prstGeom>
             </p:spPr>
           </p:pic>
-          <p:sp>
-            <p:nvSpPr>
-              <p:cNvPr id="55" name="TextBox 54">
+          <p:pic>
+            <p:nvPicPr>
+              <p:cNvPr id="49" name="Picture 48">
                 <a:extLst>
                   <a:ext uri="{FF2B5EF4-FFF2-40B4-BE49-F238E27FC236}">
-                    <a16:creationId xmlns:a16="http://schemas.microsoft.com/office/drawing/2014/main" id="{D1611491-BC1D-2840-B9AC-C57D15F587AA}"/>
+                    <a16:creationId xmlns:a16="http://schemas.microsoft.com/office/drawing/2014/main" id="{A8D5BFE9-1EDB-7346-9DB8-CCE62DA2B854}"/>
                   </a:ext>
                 </a:extLst>
               </p:cNvPr>
-              <p:cNvSpPr txBox="1"/>
+              <p:cNvPicPr>
+                <a:picLocks noChangeAspect="1"/>
+              </p:cNvPicPr>
               <p:nvPr/>
-            </p:nvSpPr>
+            </p:nvPicPr>
+            <p:blipFill>
+              <a:blip r:embed="rId3"/>
+              <a:stretch>
+                <a:fillRect/>
+              </a:stretch>
+            </p:blipFill>
             <p:spPr>
-              <a:xfrm>
-                <a:off x="8325442" y="3753441"/>
-                <a:ext cx="1403022" cy="923330"/>
+              <a:xfrm rot="6663518">
+                <a:off x="10403526" y="3023124"/>
+                <a:ext cx="377596" cy="377596"/>
               </a:xfrm>
               <a:prstGeom prst="rect">
                 <a:avLst/>
               </a:prstGeom>
-              <a:noFill/>
             </p:spPr>
-            <p:txBody>
-              <a:bodyPr wrap="square" rtlCol="0">
-                <a:spAutoFit/>
-              </a:bodyPr>
-              <a:lstStyle/>
-              <a:p>
-                <a:r>
-                  <a:rPr lang="en-US" dirty="0"/>
-                  <a:t>Bootstrap</a:t>
-                </a:r>
-              </a:p>
-              <a:p>
-                <a:r>
-                  <a:rPr lang="en-US" dirty="0"/>
-                  <a:t>Empirical Distribution</a:t>
-                </a:r>
-              </a:p>
-            </p:txBody>
-          </p:sp>
-        </p:grpSp>
-        <p:grpSp>
-          <p:nvGrpSpPr>
-            <p:cNvPr id="7" name="Group 6">
-              <a:extLst>
-                <a:ext uri="{FF2B5EF4-FFF2-40B4-BE49-F238E27FC236}">
-                  <a16:creationId xmlns:a16="http://schemas.microsoft.com/office/drawing/2014/main" id="{8195AA17-A600-5D4C-8897-5629D3E67739}"/>
-                </a:ext>
-              </a:extLst>
-            </p:cNvPr>
-            <p:cNvGrpSpPr/>
-            <p:nvPr/>
-          </p:nvGrpSpPr>
-          <p:grpSpPr>
-            <a:xfrm>
-              <a:off x="9292079" y="5127696"/>
-              <a:ext cx="690906" cy="924063"/>
-              <a:chOff x="9320360" y="5193684"/>
-              <a:chExt cx="690906" cy="924063"/>
-            </a:xfrm>
-          </p:grpSpPr>
-          <p:grpSp>
-            <p:nvGrpSpPr>
-              <p:cNvPr id="68" name="Group 67">
+          </p:pic>
+          <p:pic>
+            <p:nvPicPr>
+              <p:cNvPr id="50" name="Picture 49">
                 <a:extLst>
                   <a:ext uri="{FF2B5EF4-FFF2-40B4-BE49-F238E27FC236}">
-                    <a16:creationId xmlns:a16="http://schemas.microsoft.com/office/drawing/2014/main" id="{84CE5DED-636C-EC42-B8B4-35D91FD4A1E9}"/>
+                    <a16:creationId xmlns:a16="http://schemas.microsoft.com/office/drawing/2014/main" id="{46AD7148-D043-0A42-9123-7E2B25296FCE}"/>
                   </a:ext>
                 </a:extLst>
               </p:cNvPr>
-              <p:cNvGrpSpPr/>
+              <p:cNvPicPr>
+                <a:picLocks noChangeAspect="1"/>
+              </p:cNvPicPr>
               <p:nvPr/>
-            </p:nvGrpSpPr>
-            <p:grpSpPr>
-              <a:xfrm>
-                <a:off x="9320360" y="5193684"/>
-                <a:ext cx="662137" cy="851254"/>
-                <a:chOff x="8820739" y="4826039"/>
-                <a:chExt cx="662137" cy="851254"/>
-              </a:xfrm>
-            </p:grpSpPr>
-            <p:pic>
-              <p:nvPicPr>
-                <p:cNvPr id="60" name="Picture 59">
-                  <a:extLst>
-                    <a:ext uri="{FF2B5EF4-FFF2-40B4-BE49-F238E27FC236}">
-                      <a16:creationId xmlns:a16="http://schemas.microsoft.com/office/drawing/2014/main" id="{17E8BA7C-EF15-9547-9AA1-7EECD2FB2E0D}"/>
-                    </a:ext>
-                  </a:extLst>
-                </p:cNvPr>
-                <p:cNvPicPr>
-                  <a:picLocks noChangeAspect="1"/>
-                </p:cNvPicPr>
-                <p:nvPr/>
-              </p:nvPicPr>
-              <p:blipFill>
-                <a:blip r:embed="rId5"/>
-                <a:stretch>
-                  <a:fillRect/>
-                </a:stretch>
-              </p:blipFill>
-              <p:spPr>
-                <a:xfrm>
-                  <a:off x="8820739" y="5031950"/>
-                  <a:ext cx="645343" cy="645343"/>
-                </a:xfrm>
-                <a:prstGeom prst="rect">
-                  <a:avLst/>
-                </a:prstGeom>
-              </p:spPr>
-            </p:pic>
-            <p:sp>
-              <p:nvSpPr>
-                <p:cNvPr id="63" name="TextBox 62">
-                  <a:extLst>
-                    <a:ext uri="{FF2B5EF4-FFF2-40B4-BE49-F238E27FC236}">
-                      <a16:creationId xmlns:a16="http://schemas.microsoft.com/office/drawing/2014/main" id="{AB0B0C1B-4C6F-0949-BDF5-26CF6BC04B46}"/>
-                    </a:ext>
-                  </a:extLst>
-                </p:cNvPr>
-                <p:cNvSpPr txBox="1"/>
-                <p:nvPr/>
-              </p:nvSpPr>
-              <p:spPr>
-                <a:xfrm rot="16200000">
-                  <a:off x="8966461" y="4696123"/>
-                  <a:ext cx="386499" cy="646331"/>
-                </a:xfrm>
-                <a:prstGeom prst="rect">
-                  <a:avLst/>
-                </a:prstGeom>
-                <a:noFill/>
-              </p:spPr>
-              <p:txBody>
-                <a:bodyPr wrap="square" rtlCol="0">
-                  <a:spAutoFit/>
-                </a:bodyPr>
-                <a:lstStyle/>
-                <a:p>
-                  <a:r>
-                    <a:rPr lang="en-US" sz="3600" dirty="0"/>
-                    <a:t>〉</a:t>
-                  </a:r>
-                </a:p>
-              </p:txBody>
-            </p:sp>
-          </p:grpSp>
-          <p:sp>
-            <p:nvSpPr>
-              <p:cNvPr id="6" name="TextBox 5">
-                <a:extLst>
-                  <a:ext uri="{FF2B5EF4-FFF2-40B4-BE49-F238E27FC236}">
-                    <a16:creationId xmlns:a16="http://schemas.microsoft.com/office/drawing/2014/main" id="{64139419-F99D-CF4A-99A9-31D6B26BDDF1}"/>
-                  </a:ext>
-                </a:extLst>
-              </p:cNvPr>
-              <p:cNvSpPr txBox="1"/>
-              <p:nvPr/>
-            </p:nvSpPr>
+            </p:nvPicPr>
+            <p:blipFill>
+              <a:blip r:embed="rId3"/>
+              <a:stretch>
+                <a:fillRect/>
+              </a:stretch>
+            </p:blipFill>
             <p:spPr>
-              <a:xfrm>
-                <a:off x="9690754" y="5656082"/>
-                <a:ext cx="320512" cy="461665"/>
+              <a:xfrm rot="17630836">
+                <a:off x="10697328" y="2609915"/>
+                <a:ext cx="377596" cy="377596"/>
               </a:xfrm>
               <a:prstGeom prst="rect">
                 <a:avLst/>
               </a:prstGeom>
-              <a:noFill/>
             </p:spPr>
-            <p:txBody>
-              <a:bodyPr wrap="square" rtlCol="0">
-                <a:spAutoFit/>
-              </a:bodyPr>
-              <a:lstStyle/>
-              <a:p>
-                <a:r>
-                  <a:rPr lang="en-US" sz="2400" b="1" dirty="0"/>
-                  <a:t>B</a:t>
-                </a:r>
-              </a:p>
-            </p:txBody>
-          </p:sp>
+          </p:pic>
+          <p:pic>
+            <p:nvPicPr>
+              <p:cNvPr id="51" name="Picture 50">
+                <a:extLst>
+                  <a:ext uri="{FF2B5EF4-FFF2-40B4-BE49-F238E27FC236}">
+                    <a16:creationId xmlns:a16="http://schemas.microsoft.com/office/drawing/2014/main" id="{630567DB-AE3E-6444-A1A4-2DA2AF91B613}"/>
+                  </a:ext>
+                </a:extLst>
+              </p:cNvPr>
+              <p:cNvPicPr>
+                <a:picLocks noChangeAspect="1"/>
+              </p:cNvPicPr>
+              <p:nvPr/>
+            </p:nvPicPr>
+            <p:blipFill>
+              <a:blip r:embed="rId3"/>
+              <a:stretch>
+                <a:fillRect/>
+              </a:stretch>
+            </p:blipFill>
+            <p:spPr>
+              <a:xfrm rot="19067721">
+                <a:off x="9492268" y="2696328"/>
+                <a:ext cx="377596" cy="377596"/>
+              </a:xfrm>
+              <a:prstGeom prst="rect">
+                <a:avLst/>
+              </a:prstGeom>
+            </p:spPr>
+          </p:pic>
+          <p:pic>
+            <p:nvPicPr>
+              <p:cNvPr id="52" name="Picture 51">
+                <a:extLst>
+                  <a:ext uri="{FF2B5EF4-FFF2-40B4-BE49-F238E27FC236}">
+                    <a16:creationId xmlns:a16="http://schemas.microsoft.com/office/drawing/2014/main" id="{87CF84BD-AB17-974D-AD06-93F764123DE4}"/>
+                  </a:ext>
+                </a:extLst>
+              </p:cNvPr>
+              <p:cNvPicPr>
+                <a:picLocks noChangeAspect="1"/>
+              </p:cNvPicPr>
+              <p:nvPr/>
+            </p:nvPicPr>
+            <p:blipFill>
+              <a:blip r:embed="rId3"/>
+              <a:stretch>
+                <a:fillRect/>
+              </a:stretch>
+            </p:blipFill>
+            <p:spPr>
+              <a:xfrm rot="7129247">
+                <a:off x="9135621" y="2320827"/>
+                <a:ext cx="377596" cy="377596"/>
+              </a:xfrm>
+              <a:prstGeom prst="rect">
+                <a:avLst/>
+              </a:prstGeom>
+            </p:spPr>
+          </p:pic>
         </p:grpSp>
+        <p:sp>
+          <p:nvSpPr>
+            <p:cNvPr id="53" name="TextBox 52">
+              <a:extLst>
+                <a:ext uri="{FF2B5EF4-FFF2-40B4-BE49-F238E27FC236}">
+                  <a16:creationId xmlns:a16="http://schemas.microsoft.com/office/drawing/2014/main" id="{48EBCDF8-D4D2-E549-A02F-4BB2A45D54F1}"/>
+                </a:ext>
+              </a:extLst>
+            </p:cNvPr>
+            <p:cNvSpPr txBox="1"/>
+            <p:nvPr/>
+          </p:nvSpPr>
+          <p:spPr>
+            <a:xfrm>
+              <a:off x="584461" y="3902696"/>
+              <a:ext cx="2168165" cy="923330"/>
+            </a:xfrm>
+            <a:prstGeom prst="rect">
+              <a:avLst/>
+            </a:prstGeom>
+            <a:noFill/>
+          </p:spPr>
+          <p:txBody>
+            <a:bodyPr wrap="square" rtlCol="0">
+              <a:spAutoFit/>
+            </a:bodyPr>
+            <a:lstStyle/>
+            <a:p>
+              <a:r>
+                <a:rPr lang="en-US" dirty="0"/>
+                <a:t>Bootstrap</a:t>
+              </a:r>
+            </a:p>
+            <a:p>
+              <a:r>
+                <a:rPr lang="en-US" dirty="0"/>
+                <a:t>Population Distribution</a:t>
+              </a:r>
+            </a:p>
+          </p:txBody>
+        </p:sp>
+        <p:sp>
+          <p:nvSpPr>
+            <p:cNvPr id="54" name="TextBox 53">
+              <a:extLst>
+                <a:ext uri="{FF2B5EF4-FFF2-40B4-BE49-F238E27FC236}">
+                  <a16:creationId xmlns:a16="http://schemas.microsoft.com/office/drawing/2014/main" id="{C8C55FD7-47BC-5049-852B-6E780533CCF3}"/>
+                </a:ext>
+              </a:extLst>
+            </p:cNvPr>
+            <p:cNvSpPr txBox="1"/>
+            <p:nvPr/>
+          </p:nvSpPr>
+          <p:spPr>
+            <a:xfrm>
+              <a:off x="5063766" y="1396739"/>
+              <a:ext cx="1393595" cy="1200329"/>
+            </a:xfrm>
+            <a:prstGeom prst="rect">
+              <a:avLst/>
+            </a:prstGeom>
+            <a:noFill/>
+          </p:spPr>
+          <p:txBody>
+            <a:bodyPr wrap="square" rtlCol="0">
+              <a:spAutoFit/>
+            </a:bodyPr>
+            <a:lstStyle/>
+            <a:p>
+              <a:r>
+                <a:rPr lang="en-US" dirty="0"/>
+                <a:t>Bootstrap</a:t>
+              </a:r>
+            </a:p>
+            <a:p>
+              <a:r>
+                <a:rPr lang="en-US" dirty="0"/>
+                <a:t>Sampling Distribution of Statistic</a:t>
+              </a:r>
+            </a:p>
+          </p:txBody>
+        </p:sp>
+        <p:pic>
+          <p:nvPicPr>
+            <p:cNvPr id="58" name="Picture 57">
+              <a:extLst>
+                <a:ext uri="{FF2B5EF4-FFF2-40B4-BE49-F238E27FC236}">
+                  <a16:creationId xmlns:a16="http://schemas.microsoft.com/office/drawing/2014/main" id="{63FAE83B-19A4-FB41-96C3-FF2E5600F2DE}"/>
+                </a:ext>
+              </a:extLst>
+            </p:cNvPr>
+            <p:cNvPicPr>
+              <a:picLocks noChangeAspect="1"/>
+            </p:cNvPicPr>
+            <p:nvPr/>
+          </p:nvPicPr>
+          <p:blipFill>
+            <a:blip r:embed="rId4"/>
+            <a:stretch>
+              <a:fillRect/>
+            </a:stretch>
+          </p:blipFill>
+          <p:spPr>
+            <a:xfrm>
+              <a:off x="2080968" y="3893596"/>
+              <a:ext cx="2634006" cy="1536504"/>
+            </a:xfrm>
+            <a:prstGeom prst="rect">
+              <a:avLst/>
+            </a:prstGeom>
+          </p:spPr>
+        </p:pic>
+        <p:grpSp>
+          <p:nvGrpSpPr>
+            <p:cNvPr id="62" name="Group 61">
+              <a:extLst>
+                <a:ext uri="{FF2B5EF4-FFF2-40B4-BE49-F238E27FC236}">
+                  <a16:creationId xmlns:a16="http://schemas.microsoft.com/office/drawing/2014/main" id="{BA4E1C3B-46B3-4245-AEB2-F51CE135DCCD}"/>
+                </a:ext>
+              </a:extLst>
+            </p:cNvPr>
+            <p:cNvGrpSpPr/>
+            <p:nvPr/>
+          </p:nvGrpSpPr>
+          <p:grpSpPr>
+            <a:xfrm>
+              <a:off x="1228104" y="2481081"/>
+              <a:ext cx="1939303" cy="1138026"/>
+              <a:chOff x="9135621" y="2262694"/>
+              <a:chExt cx="1939303" cy="1138026"/>
+            </a:xfrm>
+          </p:grpSpPr>
+          <p:pic>
+            <p:nvPicPr>
+              <p:cNvPr id="64" name="Picture 63">
+                <a:extLst>
+                  <a:ext uri="{FF2B5EF4-FFF2-40B4-BE49-F238E27FC236}">
+                    <a16:creationId xmlns:a16="http://schemas.microsoft.com/office/drawing/2014/main" id="{9F8CD70B-3898-0B4A-89B7-2C8ED0DB9C15}"/>
+                  </a:ext>
+                </a:extLst>
+              </p:cNvPr>
+              <p:cNvPicPr>
+                <a:picLocks noChangeAspect="1"/>
+              </p:cNvPicPr>
+              <p:nvPr/>
+            </p:nvPicPr>
+            <p:blipFill>
+              <a:blip r:embed="rId3"/>
+              <a:stretch>
+                <a:fillRect/>
+              </a:stretch>
+            </p:blipFill>
+            <p:spPr>
+              <a:xfrm rot="2181941">
+                <a:off x="9624243" y="2262694"/>
+                <a:ext cx="377596" cy="377596"/>
+              </a:xfrm>
+              <a:prstGeom prst="rect">
+                <a:avLst/>
+              </a:prstGeom>
+            </p:spPr>
+          </p:pic>
+          <p:pic>
+            <p:nvPicPr>
+              <p:cNvPr id="66" name="Picture 65">
+                <a:extLst>
+                  <a:ext uri="{FF2B5EF4-FFF2-40B4-BE49-F238E27FC236}">
+                    <a16:creationId xmlns:a16="http://schemas.microsoft.com/office/drawing/2014/main" id="{C571754E-985F-CC4B-AA01-FF4F09B0E054}"/>
+                  </a:ext>
+                </a:extLst>
+              </p:cNvPr>
+              <p:cNvPicPr>
+                <a:picLocks noChangeAspect="1"/>
+              </p:cNvPicPr>
+              <p:nvPr/>
+            </p:nvPicPr>
+            <p:blipFill>
+              <a:blip r:embed="rId3"/>
+              <a:stretch>
+                <a:fillRect/>
+              </a:stretch>
+            </p:blipFill>
+            <p:spPr>
+              <a:xfrm rot="3785886">
+                <a:off x="9908619" y="2650765"/>
+                <a:ext cx="377596" cy="377596"/>
+              </a:xfrm>
+              <a:prstGeom prst="rect">
+                <a:avLst/>
+              </a:prstGeom>
+            </p:spPr>
+          </p:pic>
+          <p:pic>
+            <p:nvPicPr>
+              <p:cNvPr id="69" name="Picture 68">
+                <a:extLst>
+                  <a:ext uri="{FF2B5EF4-FFF2-40B4-BE49-F238E27FC236}">
+                    <a16:creationId xmlns:a16="http://schemas.microsoft.com/office/drawing/2014/main" id="{D0BAFBD0-72BC-114F-B19A-C99F60E9F0EF}"/>
+                  </a:ext>
+                </a:extLst>
+              </p:cNvPr>
+              <p:cNvPicPr>
+                <a:picLocks noChangeAspect="1"/>
+              </p:cNvPicPr>
+              <p:nvPr/>
+            </p:nvPicPr>
+            <p:blipFill>
+              <a:blip r:embed="rId3"/>
+              <a:stretch>
+                <a:fillRect/>
+              </a:stretch>
+            </p:blipFill>
+            <p:spPr>
+              <a:xfrm rot="16600393">
+                <a:off x="9853629" y="3019982"/>
+                <a:ext cx="377596" cy="377596"/>
+              </a:xfrm>
+              <a:prstGeom prst="rect">
+                <a:avLst/>
+              </a:prstGeom>
+            </p:spPr>
+          </p:pic>
+          <p:pic>
+            <p:nvPicPr>
+              <p:cNvPr id="71" name="Picture 70">
+                <a:extLst>
+                  <a:ext uri="{FF2B5EF4-FFF2-40B4-BE49-F238E27FC236}">
+                    <a16:creationId xmlns:a16="http://schemas.microsoft.com/office/drawing/2014/main" id="{96B342FD-11F7-AC42-AA34-2F8D1335C660}"/>
+                  </a:ext>
+                </a:extLst>
+              </p:cNvPr>
+              <p:cNvPicPr>
+                <a:picLocks noChangeAspect="1"/>
+              </p:cNvPicPr>
+              <p:nvPr/>
+            </p:nvPicPr>
+            <p:blipFill>
+              <a:blip r:embed="rId3"/>
+              <a:stretch>
+                <a:fillRect/>
+              </a:stretch>
+            </p:blipFill>
+            <p:spPr>
+              <a:xfrm rot="7588957">
+                <a:off x="10222845" y="2267409"/>
+                <a:ext cx="377596" cy="377596"/>
+              </a:xfrm>
+              <a:prstGeom prst="rect">
+                <a:avLst/>
+              </a:prstGeom>
+            </p:spPr>
+          </p:pic>
+          <p:pic>
+            <p:nvPicPr>
+              <p:cNvPr id="72" name="Picture 71">
+                <a:extLst>
+                  <a:ext uri="{FF2B5EF4-FFF2-40B4-BE49-F238E27FC236}">
+                    <a16:creationId xmlns:a16="http://schemas.microsoft.com/office/drawing/2014/main" id="{783E4E32-6177-3948-9341-8ECC7B76EA9E}"/>
+                  </a:ext>
+                </a:extLst>
+              </p:cNvPr>
+              <p:cNvPicPr>
+                <a:picLocks noChangeAspect="1"/>
+              </p:cNvPicPr>
+              <p:nvPr/>
+            </p:nvPicPr>
+            <p:blipFill>
+              <a:blip r:embed="rId3"/>
+              <a:stretch>
+                <a:fillRect/>
+              </a:stretch>
+            </p:blipFill>
+            <p:spPr>
+              <a:xfrm rot="6663518">
+                <a:off x="10403526" y="3023124"/>
+                <a:ext cx="377596" cy="377596"/>
+              </a:xfrm>
+              <a:prstGeom prst="rect">
+                <a:avLst/>
+              </a:prstGeom>
+            </p:spPr>
+          </p:pic>
+          <p:pic>
+            <p:nvPicPr>
+              <p:cNvPr id="73" name="Picture 72">
+                <a:extLst>
+                  <a:ext uri="{FF2B5EF4-FFF2-40B4-BE49-F238E27FC236}">
+                    <a16:creationId xmlns:a16="http://schemas.microsoft.com/office/drawing/2014/main" id="{DFCCDA4E-E107-B048-AC97-58070EBA7B00}"/>
+                  </a:ext>
+                </a:extLst>
+              </p:cNvPr>
+              <p:cNvPicPr>
+                <a:picLocks noChangeAspect="1"/>
+              </p:cNvPicPr>
+              <p:nvPr/>
+            </p:nvPicPr>
+            <p:blipFill>
+              <a:blip r:embed="rId3"/>
+              <a:stretch>
+                <a:fillRect/>
+              </a:stretch>
+            </p:blipFill>
+            <p:spPr>
+              <a:xfrm rot="17630836">
+                <a:off x="10697328" y="2609915"/>
+                <a:ext cx="377596" cy="377596"/>
+              </a:xfrm>
+              <a:prstGeom prst="rect">
+                <a:avLst/>
+              </a:prstGeom>
+            </p:spPr>
+          </p:pic>
+          <p:pic>
+            <p:nvPicPr>
+              <p:cNvPr id="74" name="Picture 73">
+                <a:extLst>
+                  <a:ext uri="{FF2B5EF4-FFF2-40B4-BE49-F238E27FC236}">
+                    <a16:creationId xmlns:a16="http://schemas.microsoft.com/office/drawing/2014/main" id="{78D340AA-4339-154B-AED8-A14DC1E81457}"/>
+                  </a:ext>
+                </a:extLst>
+              </p:cNvPr>
+              <p:cNvPicPr>
+                <a:picLocks noChangeAspect="1"/>
+              </p:cNvPicPr>
+              <p:nvPr/>
+            </p:nvPicPr>
+            <p:blipFill>
+              <a:blip r:embed="rId3"/>
+              <a:stretch>
+                <a:fillRect/>
+              </a:stretch>
+            </p:blipFill>
+            <p:spPr>
+              <a:xfrm rot="19067721">
+                <a:off x="9492268" y="2696328"/>
+                <a:ext cx="377596" cy="377596"/>
+              </a:xfrm>
+              <a:prstGeom prst="rect">
+                <a:avLst/>
+              </a:prstGeom>
+            </p:spPr>
+          </p:pic>
+          <p:pic>
+            <p:nvPicPr>
+              <p:cNvPr id="75" name="Picture 74">
+                <a:extLst>
+                  <a:ext uri="{FF2B5EF4-FFF2-40B4-BE49-F238E27FC236}">
+                    <a16:creationId xmlns:a16="http://schemas.microsoft.com/office/drawing/2014/main" id="{1C4FA0AF-B85D-984B-9B37-6E367F6E6029}"/>
+                  </a:ext>
+                </a:extLst>
+              </p:cNvPr>
+              <p:cNvPicPr>
+                <a:picLocks noChangeAspect="1"/>
+              </p:cNvPicPr>
+              <p:nvPr/>
+            </p:nvPicPr>
+            <p:blipFill>
+              <a:blip r:embed="rId3"/>
+              <a:stretch>
+                <a:fillRect/>
+              </a:stretch>
+            </p:blipFill>
+            <p:spPr>
+              <a:xfrm rot="7129247">
+                <a:off x="9135621" y="2320827"/>
+                <a:ext cx="377596" cy="377596"/>
+              </a:xfrm>
+              <a:prstGeom prst="rect">
+                <a:avLst/>
+              </a:prstGeom>
+            </p:spPr>
+          </p:pic>
+        </p:grpSp>
+        <p:pic>
+          <p:nvPicPr>
+            <p:cNvPr id="9" name="Picture 8">
+              <a:extLst>
+                <a:ext uri="{FF2B5EF4-FFF2-40B4-BE49-F238E27FC236}">
+                  <a16:creationId xmlns:a16="http://schemas.microsoft.com/office/drawing/2014/main" id="{626A8EFD-3ECF-8945-B1DF-CE099A2EF0C2}"/>
+                </a:ext>
+              </a:extLst>
+            </p:cNvPr>
+            <p:cNvPicPr>
+              <a:picLocks noChangeAspect="1"/>
+            </p:cNvPicPr>
+            <p:nvPr/>
+          </p:nvPicPr>
+          <p:blipFill>
+            <a:blip r:embed="rId5"/>
+            <a:stretch>
+              <a:fillRect/>
+            </a:stretch>
+          </p:blipFill>
+          <p:spPr>
+            <a:xfrm>
+              <a:off x="9309755" y="3760052"/>
+              <a:ext cx="2668571" cy="1556666"/>
+            </a:xfrm>
+            <a:prstGeom prst="rect">
+              <a:avLst/>
+            </a:prstGeom>
+          </p:spPr>
+        </p:pic>
+        <p:pic>
+          <p:nvPicPr>
+            <p:cNvPr id="11" name="Picture 10">
+              <a:extLst>
+                <a:ext uri="{FF2B5EF4-FFF2-40B4-BE49-F238E27FC236}">
+                  <a16:creationId xmlns:a16="http://schemas.microsoft.com/office/drawing/2014/main" id="{EE257840-1C6C-464D-BD6F-3F7B03543AFD}"/>
+                </a:ext>
+              </a:extLst>
+            </p:cNvPr>
+            <p:cNvPicPr>
+              <a:picLocks noChangeAspect="1"/>
+            </p:cNvPicPr>
+            <p:nvPr/>
+          </p:nvPicPr>
+          <p:blipFill>
+            <a:blip r:embed="rId6"/>
+            <a:stretch>
+              <a:fillRect/>
+            </a:stretch>
+          </p:blipFill>
+          <p:spPr>
+            <a:xfrm>
+              <a:off x="4803743" y="2525140"/>
+              <a:ext cx="2813115" cy="1640984"/>
+            </a:xfrm>
+            <a:prstGeom prst="rect">
+              <a:avLst/>
+            </a:prstGeom>
+          </p:spPr>
+        </p:pic>
+        <p:sp>
+          <p:nvSpPr>
+            <p:cNvPr id="55" name="TextBox 54">
+              <a:extLst>
+                <a:ext uri="{FF2B5EF4-FFF2-40B4-BE49-F238E27FC236}">
+                  <a16:creationId xmlns:a16="http://schemas.microsoft.com/office/drawing/2014/main" id="{D1611491-BC1D-2840-B9AC-C57D15F587AA}"/>
+                </a:ext>
+              </a:extLst>
+            </p:cNvPr>
+            <p:cNvSpPr txBox="1"/>
+            <p:nvPr/>
+          </p:nvSpPr>
+          <p:spPr>
+            <a:xfrm>
+              <a:off x="8325442" y="3753441"/>
+              <a:ext cx="1403022" cy="923330"/>
+            </a:xfrm>
+            <a:prstGeom prst="rect">
+              <a:avLst/>
+            </a:prstGeom>
+            <a:noFill/>
+          </p:spPr>
+          <p:txBody>
+            <a:bodyPr wrap="square" rtlCol="0">
+              <a:spAutoFit/>
+            </a:bodyPr>
+            <a:lstStyle/>
+            <a:p>
+              <a:r>
+                <a:rPr lang="en-US" dirty="0"/>
+                <a:t>Bootstrap</a:t>
+              </a:r>
+            </a:p>
+            <a:p>
+              <a:r>
+                <a:rPr lang="en-US" dirty="0"/>
+                <a:t>Empirical Distribution</a:t>
+              </a:r>
+            </a:p>
+          </p:txBody>
+        </p:sp>
       </p:grpSp>
       <p:sp>
         <p:nvSpPr>
@@ -6382,10 +6271,2787 @@
           </a:p>
         </p:txBody>
       </p:sp>
+      <mc:AlternateContent xmlns:mc="http://schemas.openxmlformats.org/markup-compatibility/2006" xmlns:a14="http://schemas.microsoft.com/office/drawing/2010/main">
+        <mc:Choice Requires="a14">
+          <p:sp>
+            <p:nvSpPr>
+              <p:cNvPr id="65" name="TextBox 64">
+                <a:extLst>
+                  <a:ext uri="{FF2B5EF4-FFF2-40B4-BE49-F238E27FC236}">
+                    <a16:creationId xmlns:a16="http://schemas.microsoft.com/office/drawing/2014/main" id="{820A7BD6-4C6F-F547-B90D-AB51193214B8}"/>
+                  </a:ext>
+                </a:extLst>
+              </p:cNvPr>
+              <p:cNvSpPr txBox="1"/>
+              <p:nvPr/>
+            </p:nvSpPr>
+            <p:spPr>
+              <a:xfrm>
+                <a:off x="1718268" y="5406013"/>
+                <a:ext cx="612950" cy="595548"/>
+              </a:xfrm>
+              <a:prstGeom prst="rect">
+                <a:avLst/>
+              </a:prstGeom>
+              <a:noFill/>
+            </p:spPr>
+            <p:txBody>
+              <a:bodyPr wrap="square" rtlCol="0">
+                <a:spAutoFit/>
+              </a:bodyPr>
+              <a:lstStyle/>
+              <a:p>
+                <a:pPr/>
+                <a14:m>
+                  <m:oMathPara xmlns:m="http://schemas.openxmlformats.org/officeDocument/2006/math">
+                    <m:oMathParaPr>
+                      <m:jc m:val="centerGroup"/>
+                    </m:oMathParaPr>
+                    <m:oMath xmlns:m="http://schemas.openxmlformats.org/officeDocument/2006/math">
+                      <m:sSubSup>
+                        <m:sSubSupPr>
+                          <m:ctrlPr>
+                            <a:rPr lang="en-US" sz="3200" b="0" i="1" smtClean="0">
+                              <a:latin typeface="Cambria Math" panose="02040503050406030204" pitchFamily="18" charset="0"/>
+                            </a:rPr>
+                          </m:ctrlPr>
+                        </m:sSubSupPr>
+                        <m:e>
+                          <m:r>
+                            <a:rPr lang="en-US" sz="3200" i="1">
+                              <a:latin typeface="Cambria Math" panose="02040503050406030204" pitchFamily="18" charset="0"/>
+                              <a:ea typeface="Cambria Math" panose="02040503050406030204" pitchFamily="18" charset="0"/>
+                            </a:rPr>
+                            <m:t>𝜃</m:t>
+                          </m:r>
+                        </m:e>
+                        <m:sub>
+                          <m:r>
+                            <a:rPr lang="en-US" sz="3200" b="0" i="1" smtClean="0">
+                              <a:latin typeface="Cambria Math" panose="02040503050406030204" pitchFamily="18" charset="0"/>
+                            </a:rPr>
+                            <m:t>𝐵</m:t>
+                          </m:r>
+                        </m:sub>
+                        <m:sup>
+                          <m:r>
+                            <a:rPr lang="en-US" sz="3200" b="0" i="1" smtClean="0">
+                              <a:latin typeface="Cambria Math" panose="02040503050406030204" pitchFamily="18" charset="0"/>
+                              <a:ea typeface="Cambria Math" panose="02040503050406030204" pitchFamily="18" charset="0"/>
+                            </a:rPr>
+                            <m:t>∗</m:t>
+                          </m:r>
+                        </m:sup>
+                      </m:sSubSup>
+                    </m:oMath>
+                  </m:oMathPara>
+                </a14:m>
+                <a:endParaRPr lang="en-US" sz="3200" b="0" dirty="0"/>
+              </a:p>
+            </p:txBody>
+          </p:sp>
+        </mc:Choice>
+        <mc:Fallback xmlns="">
+          <p:sp>
+            <p:nvSpPr>
+              <p:cNvPr id="65" name="TextBox 64">
+                <a:extLst>
+                  <a:ext uri="{FF2B5EF4-FFF2-40B4-BE49-F238E27FC236}">
+                    <a16:creationId xmlns:a16="http://schemas.microsoft.com/office/drawing/2014/main" id="{820A7BD6-4C6F-F547-B90D-AB51193214B8}"/>
+                  </a:ext>
+                </a:extLst>
+              </p:cNvPr>
+              <p:cNvSpPr txBox="1">
+                <a:spLocks noRot="1" noChangeAspect="1" noMove="1" noResize="1" noEditPoints="1" noAdjustHandles="1" noChangeArrowheads="1" noChangeShapeType="1" noTextEdit="1"/>
+              </p:cNvSpPr>
+              <p:nvPr/>
+            </p:nvSpPr>
+            <p:spPr>
+              <a:xfrm>
+                <a:off x="1718268" y="5406013"/>
+                <a:ext cx="612950" cy="595548"/>
+              </a:xfrm>
+              <a:prstGeom prst="rect">
+                <a:avLst/>
+              </a:prstGeom>
+              <a:blipFill>
+                <a:blip r:embed="rId7"/>
+                <a:stretch>
+                  <a:fillRect l="-6000" b="-2083"/>
+                </a:stretch>
+              </a:blipFill>
+            </p:spPr>
+            <p:txBody>
+              <a:bodyPr/>
+              <a:lstStyle/>
+              <a:p>
+                <a:r>
+                  <a:rPr lang="en-US">
+                    <a:noFill/>
+                  </a:rPr>
+                  <a:t> </a:t>
+                </a:r>
+              </a:p>
+            </p:txBody>
+          </p:sp>
+        </mc:Fallback>
+      </mc:AlternateContent>
+      <mc:AlternateContent xmlns:mc="http://schemas.openxmlformats.org/markup-compatibility/2006" xmlns:a14="http://schemas.microsoft.com/office/drawing/2010/main">
+        <mc:Choice Requires="a14">
+          <p:sp>
+            <p:nvSpPr>
+              <p:cNvPr id="8" name="TextBox 7">
+                <a:extLst>
+                  <a:ext uri="{FF2B5EF4-FFF2-40B4-BE49-F238E27FC236}">
+                    <a16:creationId xmlns:a16="http://schemas.microsoft.com/office/drawing/2014/main" id="{8AE07105-4833-7F49-90AE-D0F227BBA722}"/>
+                  </a:ext>
+                </a:extLst>
+              </p:cNvPr>
+              <p:cNvSpPr txBox="1"/>
+              <p:nvPr/>
+            </p:nvSpPr>
+            <p:spPr>
+              <a:xfrm>
+                <a:off x="9224386" y="5385917"/>
+                <a:ext cx="723481" cy="605550"/>
+              </a:xfrm>
+              <a:prstGeom prst="rect">
+                <a:avLst/>
+              </a:prstGeom>
+              <a:noFill/>
+            </p:spPr>
+            <p:txBody>
+              <a:bodyPr wrap="square" rtlCol="0">
+                <a:spAutoFit/>
+              </a:bodyPr>
+              <a:lstStyle/>
+              <a:p>
+                <a:pPr/>
+                <a14:m>
+                  <m:oMathPara xmlns:m="http://schemas.openxmlformats.org/officeDocument/2006/math">
+                    <m:oMathParaPr>
+                      <m:jc m:val="centerGroup"/>
+                    </m:oMathParaPr>
+                    <m:oMath xmlns:m="http://schemas.openxmlformats.org/officeDocument/2006/math">
+                      <m:sSub>
+                        <m:sSubPr>
+                          <m:ctrlPr>
+                            <a:rPr lang="en-US" sz="3200" i="1" smtClean="0">
+                              <a:latin typeface="Cambria Math" panose="02040503050406030204" pitchFamily="18" charset="0"/>
+                            </a:rPr>
+                          </m:ctrlPr>
+                        </m:sSubPr>
+                        <m:e>
+                          <m:acc>
+                            <m:accPr>
+                              <m:chr m:val="̂"/>
+                              <m:ctrlPr>
+                                <a:rPr lang="en-US" sz="3200" i="1" smtClean="0">
+                                  <a:latin typeface="Cambria Math" panose="02040503050406030204" pitchFamily="18" charset="0"/>
+                                </a:rPr>
+                              </m:ctrlPr>
+                            </m:accPr>
+                            <m:e>
+                              <m:r>
+                                <a:rPr lang="en-US" sz="3200" i="1" smtClean="0">
+                                  <a:latin typeface="Cambria Math" panose="02040503050406030204" pitchFamily="18" charset="0"/>
+                                  <a:ea typeface="Cambria Math" panose="02040503050406030204" pitchFamily="18" charset="0"/>
+                                </a:rPr>
+                                <m:t>𝜃</m:t>
+                              </m:r>
+                            </m:e>
+                          </m:acc>
+                        </m:e>
+                        <m:sub>
+                          <m:r>
+                            <a:rPr lang="en-US" sz="3200" b="0" i="1" smtClean="0">
+                              <a:latin typeface="Cambria Math" panose="02040503050406030204" pitchFamily="18" charset="0"/>
+                            </a:rPr>
+                            <m:t>𝐵</m:t>
+                          </m:r>
+                        </m:sub>
+                      </m:sSub>
+                    </m:oMath>
+                  </m:oMathPara>
+                </a14:m>
+                <a:endParaRPr lang="en-US" sz="3200" dirty="0"/>
+              </a:p>
+            </p:txBody>
+          </p:sp>
+        </mc:Choice>
+        <mc:Fallback xmlns="">
+          <p:sp>
+            <p:nvSpPr>
+              <p:cNvPr id="8" name="TextBox 7">
+                <a:extLst>
+                  <a:ext uri="{FF2B5EF4-FFF2-40B4-BE49-F238E27FC236}">
+                    <a16:creationId xmlns:a16="http://schemas.microsoft.com/office/drawing/2014/main" id="{8AE07105-4833-7F49-90AE-D0F227BBA722}"/>
+                  </a:ext>
+                </a:extLst>
+              </p:cNvPr>
+              <p:cNvSpPr txBox="1">
+                <a:spLocks noRot="1" noChangeAspect="1" noMove="1" noResize="1" noEditPoints="1" noAdjustHandles="1" noChangeArrowheads="1" noChangeShapeType="1" noTextEdit="1"/>
+              </p:cNvSpPr>
+              <p:nvPr/>
+            </p:nvSpPr>
+            <p:spPr>
+              <a:xfrm>
+                <a:off x="9224386" y="5385917"/>
+                <a:ext cx="723481" cy="605550"/>
+              </a:xfrm>
+              <a:prstGeom prst="rect">
+                <a:avLst/>
+              </a:prstGeom>
+              <a:blipFill>
+                <a:blip r:embed="rId8"/>
+                <a:stretch>
+                  <a:fillRect t="-10204" b="-2041"/>
+                </a:stretch>
+              </a:blipFill>
+            </p:spPr>
+            <p:txBody>
+              <a:bodyPr/>
+              <a:lstStyle/>
+              <a:p>
+                <a:r>
+                  <a:rPr lang="en-US">
+                    <a:noFill/>
+                  </a:rPr>
+                  <a:t> </a:t>
+                </a:r>
+              </a:p>
+            </p:txBody>
+          </p:sp>
+        </mc:Fallback>
+      </mc:AlternateContent>
+      <mc:AlternateContent xmlns:mc="http://schemas.openxmlformats.org/markup-compatibility/2006" xmlns:a14="http://schemas.microsoft.com/office/drawing/2010/main">
+        <mc:Choice Requires="a14">
+          <p:sp>
+            <p:nvSpPr>
+              <p:cNvPr id="67" name="TextBox 66">
+                <a:extLst>
+                  <a:ext uri="{FF2B5EF4-FFF2-40B4-BE49-F238E27FC236}">
+                    <a16:creationId xmlns:a16="http://schemas.microsoft.com/office/drawing/2014/main" id="{96003DD8-D0AE-DB46-92B3-2FC477DA9728}"/>
+                  </a:ext>
+                </a:extLst>
+              </p:cNvPr>
+              <p:cNvSpPr txBox="1"/>
+              <p:nvPr/>
+            </p:nvSpPr>
+            <p:spPr>
+              <a:xfrm>
+                <a:off x="6030685" y="4131548"/>
+                <a:ext cx="723481" cy="605550"/>
+              </a:xfrm>
+              <a:prstGeom prst="rect">
+                <a:avLst/>
+              </a:prstGeom>
+              <a:noFill/>
+            </p:spPr>
+            <p:txBody>
+              <a:bodyPr wrap="square" rtlCol="0">
+                <a:spAutoFit/>
+              </a:bodyPr>
+              <a:lstStyle/>
+              <a:p>
+                <a:pPr/>
+                <a14:m>
+                  <m:oMathPara xmlns:m="http://schemas.openxmlformats.org/officeDocument/2006/math">
+                    <m:oMathParaPr>
+                      <m:jc m:val="centerGroup"/>
+                    </m:oMathParaPr>
+                    <m:oMath xmlns:m="http://schemas.openxmlformats.org/officeDocument/2006/math">
+                      <m:sSub>
+                        <m:sSubPr>
+                          <m:ctrlPr>
+                            <a:rPr lang="en-US" sz="3200" i="1" smtClean="0">
+                              <a:latin typeface="Cambria Math" panose="02040503050406030204" pitchFamily="18" charset="0"/>
+                            </a:rPr>
+                          </m:ctrlPr>
+                        </m:sSubPr>
+                        <m:e>
+                          <m:acc>
+                            <m:accPr>
+                              <m:chr m:val="̂"/>
+                              <m:ctrlPr>
+                                <a:rPr lang="en-US" sz="3200" i="1" smtClean="0">
+                                  <a:latin typeface="Cambria Math" panose="02040503050406030204" pitchFamily="18" charset="0"/>
+                                </a:rPr>
+                              </m:ctrlPr>
+                            </m:accPr>
+                            <m:e>
+                              <m:r>
+                                <a:rPr lang="en-US" sz="3200" i="1" smtClean="0">
+                                  <a:latin typeface="Cambria Math" panose="02040503050406030204" pitchFamily="18" charset="0"/>
+                                  <a:ea typeface="Cambria Math" panose="02040503050406030204" pitchFamily="18" charset="0"/>
+                                </a:rPr>
+                                <m:t>𝜃</m:t>
+                              </m:r>
+                            </m:e>
+                          </m:acc>
+                        </m:e>
+                        <m:sub>
+                          <m:r>
+                            <a:rPr lang="en-US" sz="3200" b="0" i="1" smtClean="0">
+                              <a:latin typeface="Cambria Math" panose="02040503050406030204" pitchFamily="18" charset="0"/>
+                            </a:rPr>
+                            <m:t>𝐵</m:t>
+                          </m:r>
+                        </m:sub>
+                      </m:sSub>
+                    </m:oMath>
+                  </m:oMathPara>
+                </a14:m>
+                <a:endParaRPr lang="en-US" sz="3200" dirty="0"/>
+              </a:p>
+            </p:txBody>
+          </p:sp>
+        </mc:Choice>
+        <mc:Fallback xmlns="">
+          <p:sp>
+            <p:nvSpPr>
+              <p:cNvPr id="67" name="TextBox 66">
+                <a:extLst>
+                  <a:ext uri="{FF2B5EF4-FFF2-40B4-BE49-F238E27FC236}">
+                    <a16:creationId xmlns:a16="http://schemas.microsoft.com/office/drawing/2014/main" id="{96003DD8-D0AE-DB46-92B3-2FC477DA9728}"/>
+                  </a:ext>
+                </a:extLst>
+              </p:cNvPr>
+              <p:cNvSpPr txBox="1">
+                <a:spLocks noRot="1" noChangeAspect="1" noMove="1" noResize="1" noEditPoints="1" noAdjustHandles="1" noChangeArrowheads="1" noChangeShapeType="1" noTextEdit="1"/>
+              </p:cNvSpPr>
+              <p:nvPr/>
+            </p:nvSpPr>
+            <p:spPr>
+              <a:xfrm>
+                <a:off x="6030685" y="4131548"/>
+                <a:ext cx="723481" cy="605550"/>
+              </a:xfrm>
+              <a:prstGeom prst="rect">
+                <a:avLst/>
+              </a:prstGeom>
+              <a:blipFill>
+                <a:blip r:embed="rId9"/>
+                <a:stretch>
+                  <a:fillRect t="-8163" b="-2041"/>
+                </a:stretch>
+              </a:blipFill>
+            </p:spPr>
+            <p:txBody>
+              <a:bodyPr/>
+              <a:lstStyle/>
+              <a:p>
+                <a:r>
+                  <a:rPr lang="en-US">
+                    <a:noFill/>
+                  </a:rPr>
+                  <a:t> </a:t>
+                </a:r>
+              </a:p>
+            </p:txBody>
+          </p:sp>
+        </mc:Fallback>
+      </mc:AlternateContent>
     </p:spTree>
     <p:extLst>
       <p:ext uri="{BB962C8B-B14F-4D97-AF65-F5344CB8AC3E}">
         <p14:creationId xmlns:p14="http://schemas.microsoft.com/office/powerpoint/2010/main" val="1504583250"/>
+      </p:ext>
+    </p:extLst>
+  </p:cSld>
+  <p:clrMapOvr>
+    <a:masterClrMapping/>
+  </p:clrMapOvr>
+</p:sld>
+</file>
+
+<file path=ppt/slides/slide3.xml><?xml version="1.0" encoding="utf-8"?>
+<p:sld xmlns:a="http://schemas.openxmlformats.org/drawingml/2006/main" xmlns:r="http://schemas.openxmlformats.org/officeDocument/2006/relationships" xmlns:p="http://schemas.openxmlformats.org/presentationml/2006/main">
+  <p:cSld>
+    <p:spTree>
+      <p:nvGrpSpPr>
+        <p:cNvPr id="1" name=""/>
+        <p:cNvGrpSpPr/>
+        <p:nvPr/>
+      </p:nvGrpSpPr>
+      <p:grpSpPr>
+        <a:xfrm>
+          <a:off x="0" y="0"/>
+          <a:ext cx="0" cy="0"/>
+          <a:chOff x="0" y="0"/>
+          <a:chExt cx="0" cy="0"/>
+        </a:xfrm>
+      </p:grpSpPr>
+      <p:pic>
+        <p:nvPicPr>
+          <p:cNvPr id="11" name="Picture 10">
+            <a:extLst>
+              <a:ext uri="{FF2B5EF4-FFF2-40B4-BE49-F238E27FC236}">
+                <a16:creationId xmlns:a16="http://schemas.microsoft.com/office/drawing/2014/main" id="{1546EB17-1FE4-EA44-8047-A2543031782B}"/>
+              </a:ext>
+            </a:extLst>
+          </p:cNvPr>
+          <p:cNvPicPr>
+            <a:picLocks noChangeAspect="1"/>
+          </p:cNvPicPr>
+          <p:nvPr/>
+        </p:nvPicPr>
+        <p:blipFill>
+          <a:blip r:embed="rId2"/>
+          <a:stretch>
+            <a:fillRect/>
+          </a:stretch>
+        </p:blipFill>
+        <p:spPr>
+          <a:xfrm>
+            <a:off x="8904401" y="3733014"/>
+            <a:ext cx="2699994" cy="1570807"/>
+          </a:xfrm>
+          <a:prstGeom prst="rect">
+            <a:avLst/>
+          </a:prstGeom>
+        </p:spPr>
+      </p:pic>
+      <p:pic>
+        <p:nvPicPr>
+          <p:cNvPr id="9" name="Picture 8">
+            <a:extLst>
+              <a:ext uri="{FF2B5EF4-FFF2-40B4-BE49-F238E27FC236}">
+                <a16:creationId xmlns:a16="http://schemas.microsoft.com/office/drawing/2014/main" id="{FCA7FF9C-ABE7-D04F-808B-07C0339B52B5}"/>
+              </a:ext>
+            </a:extLst>
+          </p:cNvPr>
+          <p:cNvPicPr>
+            <a:picLocks noChangeAspect="1"/>
+          </p:cNvPicPr>
+          <p:nvPr/>
+        </p:nvPicPr>
+        <p:blipFill>
+          <a:blip r:embed="rId3"/>
+          <a:stretch>
+            <a:fillRect/>
+          </a:stretch>
+        </p:blipFill>
+        <p:spPr>
+          <a:xfrm>
+            <a:off x="1428947" y="4213780"/>
+            <a:ext cx="2558592" cy="1335137"/>
+          </a:xfrm>
+          <a:prstGeom prst="rect">
+            <a:avLst/>
+          </a:prstGeom>
+        </p:spPr>
+      </p:pic>
+      <p:grpSp>
+        <p:nvGrpSpPr>
+          <p:cNvPr id="71" name="Group 70">
+            <a:extLst>
+              <a:ext uri="{FF2B5EF4-FFF2-40B4-BE49-F238E27FC236}">
+                <a16:creationId xmlns:a16="http://schemas.microsoft.com/office/drawing/2014/main" id="{7A13632D-E284-0048-8CA7-C0B9D8D7FDE1}"/>
+              </a:ext>
+            </a:extLst>
+          </p:cNvPr>
+          <p:cNvGrpSpPr/>
+          <p:nvPr/>
+        </p:nvGrpSpPr>
+        <p:grpSpPr>
+          <a:xfrm>
+            <a:off x="184817" y="395408"/>
+            <a:ext cx="10713587" cy="4615014"/>
+            <a:chOff x="361337" y="169683"/>
+            <a:chExt cx="10713587" cy="4615014"/>
+          </a:xfrm>
+        </p:grpSpPr>
+        <p:pic>
+          <p:nvPicPr>
+            <p:cNvPr id="5" name="Picture 4">
+              <a:extLst>
+                <a:ext uri="{FF2B5EF4-FFF2-40B4-BE49-F238E27FC236}">
+                  <a16:creationId xmlns:a16="http://schemas.microsoft.com/office/drawing/2014/main" id="{929F5182-4AE7-AC4B-9D20-6A43EA71D473}"/>
+                </a:ext>
+              </a:extLst>
+            </p:cNvPr>
+            <p:cNvPicPr>
+              <a:picLocks noChangeAspect="1"/>
+            </p:cNvPicPr>
+            <p:nvPr/>
+          </p:nvPicPr>
+          <p:blipFill>
+            <a:blip r:embed="rId4"/>
+            <a:stretch>
+              <a:fillRect/>
+            </a:stretch>
+          </p:blipFill>
+          <p:spPr>
+            <a:xfrm>
+              <a:off x="361337" y="1010653"/>
+              <a:ext cx="3921905" cy="2839453"/>
+            </a:xfrm>
+            <a:prstGeom prst="rect">
+              <a:avLst/>
+            </a:prstGeom>
+          </p:spPr>
+        </p:pic>
+        <p:sp>
+          <p:nvSpPr>
+            <p:cNvPr id="15" name="Arc 14">
+              <a:extLst>
+                <a:ext uri="{FF2B5EF4-FFF2-40B4-BE49-F238E27FC236}">
+                  <a16:creationId xmlns:a16="http://schemas.microsoft.com/office/drawing/2014/main" id="{55BA842F-C23E-9343-A246-DBB9AD7F69C5}"/>
+                </a:ext>
+              </a:extLst>
+            </p:cNvPr>
+            <p:cNvSpPr/>
+            <p:nvPr/>
+          </p:nvSpPr>
+          <p:spPr>
+            <a:xfrm>
+              <a:off x="1941921" y="169683"/>
+              <a:ext cx="8155575" cy="2978870"/>
+            </a:xfrm>
+            <a:prstGeom prst="arc">
+              <a:avLst>
+                <a:gd name="adj1" fmla="val 11392369"/>
+                <a:gd name="adj2" fmla="val 0"/>
+              </a:avLst>
+            </a:prstGeom>
+            <a:noFill/>
+            <a:ln w="57150">
+              <a:solidFill>
+                <a:schemeClr val="tx1"/>
+              </a:solidFill>
+            </a:ln>
+          </p:spPr>
+          <p:style>
+            <a:lnRef idx="1">
+              <a:schemeClr val="accent1"/>
+            </a:lnRef>
+            <a:fillRef idx="0">
+              <a:schemeClr val="accent1"/>
+            </a:fillRef>
+            <a:effectRef idx="0">
+              <a:schemeClr val="accent1"/>
+            </a:effectRef>
+            <a:fontRef idx="minor">
+              <a:schemeClr val="tx1"/>
+            </a:fontRef>
+          </p:style>
+          <p:txBody>
+            <a:bodyPr rtlCol="0" anchor="ctr"/>
+            <a:lstStyle/>
+            <a:p>
+              <a:pPr algn="ctr"/>
+              <a:endParaRPr lang="en-US"/>
+            </a:p>
+          </p:txBody>
+        </p:sp>
+        <p:sp>
+          <p:nvSpPr>
+            <p:cNvPr id="16" name="Triangle 15">
+              <a:extLst>
+                <a:ext uri="{FF2B5EF4-FFF2-40B4-BE49-F238E27FC236}">
+                  <a16:creationId xmlns:a16="http://schemas.microsoft.com/office/drawing/2014/main" id="{0A0B82B3-8746-864E-A146-7FB5CE521A74}"/>
+                </a:ext>
+              </a:extLst>
+            </p:cNvPr>
+            <p:cNvSpPr/>
+            <p:nvPr/>
+          </p:nvSpPr>
+          <p:spPr>
+            <a:xfrm rot="10800000">
+              <a:off x="9794450" y="1517714"/>
+              <a:ext cx="565608" cy="386499"/>
+            </a:xfrm>
+            <a:prstGeom prst="triangle">
+              <a:avLst/>
+            </a:prstGeom>
+            <a:solidFill>
+              <a:schemeClr val="tx1"/>
+            </a:solidFill>
+            <a:ln>
+              <a:solidFill>
+                <a:schemeClr val="tx1"/>
+              </a:solidFill>
+            </a:ln>
+          </p:spPr>
+          <p:style>
+            <a:lnRef idx="2">
+              <a:schemeClr val="accent1">
+                <a:shade val="50000"/>
+              </a:schemeClr>
+            </a:lnRef>
+            <a:fillRef idx="1">
+              <a:schemeClr val="accent1"/>
+            </a:fillRef>
+            <a:effectRef idx="0">
+              <a:schemeClr val="accent1"/>
+            </a:effectRef>
+            <a:fontRef idx="minor">
+              <a:schemeClr val="lt1"/>
+            </a:fontRef>
+          </p:style>
+          <p:txBody>
+            <a:bodyPr rtlCol="0" anchor="ctr"/>
+            <a:lstStyle/>
+            <a:p>
+              <a:pPr algn="ctr"/>
+              <a:endParaRPr lang="en-US"/>
+            </a:p>
+          </p:txBody>
+        </p:sp>
+        <p:sp>
+          <p:nvSpPr>
+            <p:cNvPr id="17" name="TextBox 16">
+              <a:extLst>
+                <a:ext uri="{FF2B5EF4-FFF2-40B4-BE49-F238E27FC236}">
+                  <a16:creationId xmlns:a16="http://schemas.microsoft.com/office/drawing/2014/main" id="{49405B28-1F6C-844F-BD40-118D556B1A30}"/>
+                </a:ext>
+              </a:extLst>
+            </p:cNvPr>
+            <p:cNvSpPr txBox="1"/>
+            <p:nvPr/>
+          </p:nvSpPr>
+          <p:spPr>
+            <a:xfrm>
+              <a:off x="1574276" y="1527142"/>
+              <a:ext cx="1461155" cy="369332"/>
+            </a:xfrm>
+            <a:prstGeom prst="rect">
+              <a:avLst/>
+            </a:prstGeom>
+            <a:noFill/>
+          </p:spPr>
+          <p:txBody>
+            <a:bodyPr wrap="square" rtlCol="0">
+              <a:spAutoFit/>
+            </a:bodyPr>
+            <a:lstStyle/>
+            <a:p>
+              <a:r>
+                <a:rPr lang="en-US" b="1" dirty="0"/>
+                <a:t>POPULATION</a:t>
+              </a:r>
+            </a:p>
+          </p:txBody>
+        </p:sp>
+        <p:sp>
+          <p:nvSpPr>
+            <p:cNvPr id="18" name="TextBox 17">
+              <a:extLst>
+                <a:ext uri="{FF2B5EF4-FFF2-40B4-BE49-F238E27FC236}">
+                  <a16:creationId xmlns:a16="http://schemas.microsoft.com/office/drawing/2014/main" id="{C668BDED-97AB-1E47-A273-36B27515B521}"/>
+                </a:ext>
+              </a:extLst>
+            </p:cNvPr>
+            <p:cNvSpPr txBox="1"/>
+            <p:nvPr/>
+          </p:nvSpPr>
+          <p:spPr>
+            <a:xfrm>
+              <a:off x="5619947" y="416350"/>
+              <a:ext cx="1025952" cy="369332"/>
+            </a:xfrm>
+            <a:prstGeom prst="rect">
+              <a:avLst/>
+            </a:prstGeom>
+            <a:noFill/>
+          </p:spPr>
+          <p:txBody>
+            <a:bodyPr wrap="square" rtlCol="0">
+              <a:spAutoFit/>
+            </a:bodyPr>
+            <a:lstStyle/>
+            <a:p>
+              <a:r>
+                <a:rPr lang="en-US" b="1" dirty="0"/>
+                <a:t>DESIGN</a:t>
+              </a:r>
+            </a:p>
+          </p:txBody>
+        </p:sp>
+        <p:sp>
+          <p:nvSpPr>
+            <p:cNvPr id="19" name="TextBox 18">
+              <a:extLst>
+                <a:ext uri="{FF2B5EF4-FFF2-40B4-BE49-F238E27FC236}">
+                  <a16:creationId xmlns:a16="http://schemas.microsoft.com/office/drawing/2014/main" id="{1ED98452-CE3E-8B4E-9211-3D4BBDBDAC5C}"/>
+                </a:ext>
+              </a:extLst>
+            </p:cNvPr>
+            <p:cNvSpPr txBox="1"/>
+            <p:nvPr/>
+          </p:nvSpPr>
+          <p:spPr>
+            <a:xfrm>
+              <a:off x="9607485" y="1934066"/>
+              <a:ext cx="1035377" cy="369332"/>
+            </a:xfrm>
+            <a:prstGeom prst="rect">
+              <a:avLst/>
+            </a:prstGeom>
+            <a:noFill/>
+          </p:spPr>
+          <p:txBody>
+            <a:bodyPr wrap="square" rtlCol="0">
+              <a:spAutoFit/>
+            </a:bodyPr>
+            <a:lstStyle/>
+            <a:p>
+              <a:r>
+                <a:rPr lang="en-US" b="1" dirty="0"/>
+                <a:t>SAMPLE</a:t>
+              </a:r>
+            </a:p>
+          </p:txBody>
+        </p:sp>
+        <p:pic>
+          <p:nvPicPr>
+            <p:cNvPr id="21" name="Picture 20">
+              <a:extLst>
+                <a:ext uri="{FF2B5EF4-FFF2-40B4-BE49-F238E27FC236}">
+                  <a16:creationId xmlns:a16="http://schemas.microsoft.com/office/drawing/2014/main" id="{B45BE301-CAA8-FD48-8089-EE2A0B449787}"/>
+                </a:ext>
+              </a:extLst>
+            </p:cNvPr>
+            <p:cNvPicPr>
+              <a:picLocks noChangeAspect="1"/>
+            </p:cNvPicPr>
+            <p:nvPr/>
+          </p:nvPicPr>
+          <p:blipFill>
+            <a:blip r:embed="rId5"/>
+            <a:stretch>
+              <a:fillRect/>
+            </a:stretch>
+          </p:blipFill>
+          <p:spPr>
+            <a:xfrm>
+              <a:off x="1092986" y="3054546"/>
+              <a:ext cx="377596" cy="377596"/>
+            </a:xfrm>
+            <a:prstGeom prst="rect">
+              <a:avLst/>
+            </a:prstGeom>
+          </p:spPr>
+        </p:pic>
+        <p:pic>
+          <p:nvPicPr>
+            <p:cNvPr id="22" name="Picture 21">
+              <a:extLst>
+                <a:ext uri="{FF2B5EF4-FFF2-40B4-BE49-F238E27FC236}">
+                  <a16:creationId xmlns:a16="http://schemas.microsoft.com/office/drawing/2014/main" id="{CD6473C5-7F02-E341-810B-BD2E92987E21}"/>
+                </a:ext>
+              </a:extLst>
+            </p:cNvPr>
+            <p:cNvPicPr>
+              <a:picLocks noChangeAspect="1"/>
+            </p:cNvPicPr>
+            <p:nvPr/>
+          </p:nvPicPr>
+          <p:blipFill>
+            <a:blip r:embed="rId5"/>
+            <a:stretch>
+              <a:fillRect/>
+            </a:stretch>
+          </p:blipFill>
+          <p:spPr>
+            <a:xfrm rot="2425782">
+              <a:off x="802326" y="2848728"/>
+              <a:ext cx="377596" cy="377596"/>
+            </a:xfrm>
+            <a:prstGeom prst="rect">
+              <a:avLst/>
+            </a:prstGeom>
+          </p:spPr>
+        </p:pic>
+        <p:pic>
+          <p:nvPicPr>
+            <p:cNvPr id="23" name="Picture 22">
+              <a:extLst>
+                <a:ext uri="{FF2B5EF4-FFF2-40B4-BE49-F238E27FC236}">
+                  <a16:creationId xmlns:a16="http://schemas.microsoft.com/office/drawing/2014/main" id="{9391AD8E-8119-5E49-9FBB-2CE2CD01A3FA}"/>
+                </a:ext>
+              </a:extLst>
+            </p:cNvPr>
+            <p:cNvPicPr>
+              <a:picLocks noChangeAspect="1"/>
+            </p:cNvPicPr>
+            <p:nvPr/>
+          </p:nvPicPr>
+          <p:blipFill>
+            <a:blip r:embed="rId5"/>
+            <a:stretch>
+              <a:fillRect/>
+            </a:stretch>
+          </p:blipFill>
+          <p:spPr>
+            <a:xfrm rot="1745556">
+              <a:off x="1086701" y="2652337"/>
+              <a:ext cx="377596" cy="377596"/>
+            </a:xfrm>
+            <a:prstGeom prst="rect">
+              <a:avLst/>
+            </a:prstGeom>
+          </p:spPr>
+        </p:pic>
+        <p:pic>
+          <p:nvPicPr>
+            <p:cNvPr id="24" name="Picture 23">
+              <a:extLst>
+                <a:ext uri="{FF2B5EF4-FFF2-40B4-BE49-F238E27FC236}">
+                  <a16:creationId xmlns:a16="http://schemas.microsoft.com/office/drawing/2014/main" id="{B610EB9C-E7F0-704B-B57C-D92F2A8E6002}"/>
+                </a:ext>
+              </a:extLst>
+            </p:cNvPr>
+            <p:cNvPicPr>
+              <a:picLocks noChangeAspect="1"/>
+            </p:cNvPicPr>
+            <p:nvPr/>
+          </p:nvPicPr>
+          <p:blipFill>
+            <a:blip r:embed="rId5"/>
+            <a:stretch>
+              <a:fillRect/>
+            </a:stretch>
+          </p:blipFill>
+          <p:spPr>
+            <a:xfrm rot="16415862">
+              <a:off x="1342796" y="3323211"/>
+              <a:ext cx="377596" cy="377596"/>
+            </a:xfrm>
+            <a:prstGeom prst="rect">
+              <a:avLst/>
+            </a:prstGeom>
+          </p:spPr>
+        </p:pic>
+        <p:pic>
+          <p:nvPicPr>
+            <p:cNvPr id="25" name="Picture 24">
+              <a:extLst>
+                <a:ext uri="{FF2B5EF4-FFF2-40B4-BE49-F238E27FC236}">
+                  <a16:creationId xmlns:a16="http://schemas.microsoft.com/office/drawing/2014/main" id="{A508807C-BE73-5446-9233-50FE556F713C}"/>
+                </a:ext>
+              </a:extLst>
+            </p:cNvPr>
+            <p:cNvPicPr>
+              <a:picLocks noChangeAspect="1"/>
+            </p:cNvPicPr>
+            <p:nvPr/>
+          </p:nvPicPr>
+          <p:blipFill>
+            <a:blip r:embed="rId5"/>
+            <a:stretch>
+              <a:fillRect/>
+            </a:stretch>
+          </p:blipFill>
+          <p:spPr>
+            <a:xfrm>
+              <a:off x="1410355" y="3070258"/>
+              <a:ext cx="377596" cy="377596"/>
+            </a:xfrm>
+            <a:prstGeom prst="rect">
+              <a:avLst/>
+            </a:prstGeom>
+          </p:spPr>
+        </p:pic>
+        <p:pic>
+          <p:nvPicPr>
+            <p:cNvPr id="26" name="Picture 25">
+              <a:extLst>
+                <a:ext uri="{FF2B5EF4-FFF2-40B4-BE49-F238E27FC236}">
+                  <a16:creationId xmlns:a16="http://schemas.microsoft.com/office/drawing/2014/main" id="{A4481F2E-7983-E342-9373-DFFCCDC96398}"/>
+                </a:ext>
+              </a:extLst>
+            </p:cNvPr>
+            <p:cNvPicPr>
+              <a:picLocks noChangeAspect="1"/>
+            </p:cNvPicPr>
+            <p:nvPr/>
+          </p:nvPicPr>
+          <p:blipFill>
+            <a:blip r:embed="rId5"/>
+            <a:stretch>
+              <a:fillRect/>
+            </a:stretch>
+          </p:blipFill>
+          <p:spPr>
+            <a:xfrm rot="14405037">
+              <a:off x="1383645" y="2760744"/>
+              <a:ext cx="377596" cy="377596"/>
+            </a:xfrm>
+            <a:prstGeom prst="rect">
+              <a:avLst/>
+            </a:prstGeom>
+          </p:spPr>
+        </p:pic>
+        <p:pic>
+          <p:nvPicPr>
+            <p:cNvPr id="27" name="Picture 26">
+              <a:extLst>
+                <a:ext uri="{FF2B5EF4-FFF2-40B4-BE49-F238E27FC236}">
+                  <a16:creationId xmlns:a16="http://schemas.microsoft.com/office/drawing/2014/main" id="{2288010D-1BDE-8643-B0FB-3303595DC8EA}"/>
+                </a:ext>
+              </a:extLst>
+            </p:cNvPr>
+            <p:cNvPicPr>
+              <a:picLocks noChangeAspect="1"/>
+            </p:cNvPicPr>
+            <p:nvPr/>
+          </p:nvPicPr>
+          <p:blipFill>
+            <a:blip r:embed="rId5"/>
+            <a:stretch>
+              <a:fillRect/>
+            </a:stretch>
+          </p:blipFill>
+          <p:spPr>
+            <a:xfrm>
+              <a:off x="1658594" y="3327924"/>
+              <a:ext cx="377596" cy="377596"/>
+            </a:xfrm>
+            <a:prstGeom prst="rect">
+              <a:avLst/>
+            </a:prstGeom>
+          </p:spPr>
+        </p:pic>
+        <p:pic>
+          <p:nvPicPr>
+            <p:cNvPr id="28" name="Picture 27">
+              <a:extLst>
+                <a:ext uri="{FF2B5EF4-FFF2-40B4-BE49-F238E27FC236}">
+                  <a16:creationId xmlns:a16="http://schemas.microsoft.com/office/drawing/2014/main" id="{0570A39D-F800-8847-88B5-8BCAA0C14227}"/>
+                </a:ext>
+              </a:extLst>
+            </p:cNvPr>
+            <p:cNvPicPr>
+              <a:picLocks noChangeAspect="1"/>
+            </p:cNvPicPr>
+            <p:nvPr/>
+          </p:nvPicPr>
+          <p:blipFill>
+            <a:blip r:embed="rId5"/>
+            <a:stretch>
+              <a:fillRect/>
+            </a:stretch>
+          </p:blipFill>
+          <p:spPr>
+            <a:xfrm>
+              <a:off x="1613031" y="2952423"/>
+              <a:ext cx="377596" cy="377596"/>
+            </a:xfrm>
+            <a:prstGeom prst="rect">
+              <a:avLst/>
+            </a:prstGeom>
+          </p:spPr>
+        </p:pic>
+        <p:pic>
+          <p:nvPicPr>
+            <p:cNvPr id="29" name="Picture 28">
+              <a:extLst>
+                <a:ext uri="{FF2B5EF4-FFF2-40B4-BE49-F238E27FC236}">
+                  <a16:creationId xmlns:a16="http://schemas.microsoft.com/office/drawing/2014/main" id="{804AB597-C9D3-ED4A-8FE8-4865BFB520B2}"/>
+                </a:ext>
+              </a:extLst>
+            </p:cNvPr>
+            <p:cNvPicPr>
+              <a:picLocks noChangeAspect="1"/>
+            </p:cNvPicPr>
+            <p:nvPr/>
+          </p:nvPicPr>
+          <p:blipFill>
+            <a:blip r:embed="rId5"/>
+            <a:stretch>
+              <a:fillRect/>
+            </a:stretch>
+          </p:blipFill>
+          <p:spPr>
+            <a:xfrm rot="2467878">
+              <a:off x="1887980" y="3321639"/>
+              <a:ext cx="377596" cy="377596"/>
+            </a:xfrm>
+            <a:prstGeom prst="rect">
+              <a:avLst/>
+            </a:prstGeom>
+          </p:spPr>
+        </p:pic>
+        <p:pic>
+          <p:nvPicPr>
+            <p:cNvPr id="30" name="Picture 29">
+              <a:extLst>
+                <a:ext uri="{FF2B5EF4-FFF2-40B4-BE49-F238E27FC236}">
+                  <a16:creationId xmlns:a16="http://schemas.microsoft.com/office/drawing/2014/main" id="{F6D091CA-22D3-7F4C-84B1-15D4EFB698DA}"/>
+                </a:ext>
+              </a:extLst>
+            </p:cNvPr>
+            <p:cNvPicPr>
+              <a:picLocks noChangeAspect="1"/>
+            </p:cNvPicPr>
+            <p:nvPr/>
+          </p:nvPicPr>
+          <p:blipFill>
+            <a:blip r:embed="rId5"/>
+            <a:stretch>
+              <a:fillRect/>
+            </a:stretch>
+          </p:blipFill>
+          <p:spPr>
+            <a:xfrm rot="19431032">
+              <a:off x="1748149" y="2616200"/>
+              <a:ext cx="377596" cy="377596"/>
+            </a:xfrm>
+            <a:prstGeom prst="rect">
+              <a:avLst/>
+            </a:prstGeom>
+          </p:spPr>
+        </p:pic>
+        <p:pic>
+          <p:nvPicPr>
+            <p:cNvPr id="31" name="Picture 30">
+              <a:extLst>
+                <a:ext uri="{FF2B5EF4-FFF2-40B4-BE49-F238E27FC236}">
+                  <a16:creationId xmlns:a16="http://schemas.microsoft.com/office/drawing/2014/main" id="{3909C165-F994-234A-A4FA-749675050783}"/>
+                </a:ext>
+              </a:extLst>
+            </p:cNvPr>
+            <p:cNvPicPr>
+              <a:picLocks noChangeAspect="1"/>
+            </p:cNvPicPr>
+            <p:nvPr/>
+          </p:nvPicPr>
+          <p:blipFill>
+            <a:blip r:embed="rId5"/>
+            <a:stretch>
+              <a:fillRect/>
+            </a:stretch>
+          </p:blipFill>
+          <p:spPr>
+            <a:xfrm>
+              <a:off x="2192780" y="3296501"/>
+              <a:ext cx="377596" cy="377596"/>
+            </a:xfrm>
+            <a:prstGeom prst="rect">
+              <a:avLst/>
+            </a:prstGeom>
+          </p:spPr>
+        </p:pic>
+        <p:pic>
+          <p:nvPicPr>
+            <p:cNvPr id="32" name="Picture 31">
+              <a:extLst>
+                <a:ext uri="{FF2B5EF4-FFF2-40B4-BE49-F238E27FC236}">
+                  <a16:creationId xmlns:a16="http://schemas.microsoft.com/office/drawing/2014/main" id="{647E4B7F-1953-F24B-9946-CD380A5C123F}"/>
+                </a:ext>
+              </a:extLst>
+            </p:cNvPr>
+            <p:cNvPicPr>
+              <a:picLocks noChangeAspect="1"/>
+            </p:cNvPicPr>
+            <p:nvPr/>
+          </p:nvPicPr>
+          <p:blipFill>
+            <a:blip r:embed="rId5"/>
+            <a:stretch>
+              <a:fillRect/>
+            </a:stretch>
+          </p:blipFill>
+          <p:spPr>
+            <a:xfrm rot="8467023">
+              <a:off x="2561996" y="3298072"/>
+              <a:ext cx="377596" cy="377596"/>
+            </a:xfrm>
+            <a:prstGeom prst="rect">
+              <a:avLst/>
+            </a:prstGeom>
+          </p:spPr>
+        </p:pic>
+        <p:pic>
+          <p:nvPicPr>
+            <p:cNvPr id="33" name="Picture 32">
+              <a:extLst>
+                <a:ext uri="{FF2B5EF4-FFF2-40B4-BE49-F238E27FC236}">
+                  <a16:creationId xmlns:a16="http://schemas.microsoft.com/office/drawing/2014/main" id="{71D33E9C-2568-FB44-ADFF-121E3B3174CA}"/>
+                </a:ext>
+              </a:extLst>
+            </p:cNvPr>
+            <p:cNvPicPr>
+              <a:picLocks noChangeAspect="1"/>
+            </p:cNvPicPr>
+            <p:nvPr/>
+          </p:nvPicPr>
+          <p:blipFill>
+            <a:blip r:embed="rId5"/>
+            <a:stretch>
+              <a:fillRect/>
+            </a:stretch>
+          </p:blipFill>
+          <p:spPr>
+            <a:xfrm>
+              <a:off x="2959493" y="3327924"/>
+              <a:ext cx="377596" cy="377596"/>
+            </a:xfrm>
+            <a:prstGeom prst="rect">
+              <a:avLst/>
+            </a:prstGeom>
+          </p:spPr>
+        </p:pic>
+        <p:pic>
+          <p:nvPicPr>
+            <p:cNvPr id="34" name="Picture 33">
+              <a:extLst>
+                <a:ext uri="{FF2B5EF4-FFF2-40B4-BE49-F238E27FC236}">
+                  <a16:creationId xmlns:a16="http://schemas.microsoft.com/office/drawing/2014/main" id="{5BED1ED5-D8E1-F64E-AD2D-D6F6A8FBB806}"/>
+                </a:ext>
+              </a:extLst>
+            </p:cNvPr>
+            <p:cNvPicPr>
+              <a:picLocks noChangeAspect="1"/>
+            </p:cNvPicPr>
+            <p:nvPr/>
+          </p:nvPicPr>
+          <p:blipFill>
+            <a:blip r:embed="rId5"/>
+            <a:stretch>
+              <a:fillRect/>
+            </a:stretch>
+          </p:blipFill>
+          <p:spPr>
+            <a:xfrm>
+              <a:off x="2913930" y="2971276"/>
+              <a:ext cx="377596" cy="377596"/>
+            </a:xfrm>
+            <a:prstGeom prst="rect">
+              <a:avLst/>
+            </a:prstGeom>
+          </p:spPr>
+        </p:pic>
+        <p:pic>
+          <p:nvPicPr>
+            <p:cNvPr id="35" name="Picture 34">
+              <a:extLst>
+                <a:ext uri="{FF2B5EF4-FFF2-40B4-BE49-F238E27FC236}">
+                  <a16:creationId xmlns:a16="http://schemas.microsoft.com/office/drawing/2014/main" id="{D74DCC3E-B89B-5A44-9FDA-20227EF3F04A}"/>
+                </a:ext>
+              </a:extLst>
+            </p:cNvPr>
+            <p:cNvPicPr>
+              <a:picLocks noChangeAspect="1"/>
+            </p:cNvPicPr>
+            <p:nvPr/>
+          </p:nvPicPr>
+          <p:blipFill>
+            <a:blip r:embed="rId5"/>
+            <a:stretch>
+              <a:fillRect/>
+            </a:stretch>
+          </p:blipFill>
+          <p:spPr>
+            <a:xfrm rot="18995547">
+              <a:off x="3254866" y="3104823"/>
+              <a:ext cx="377596" cy="377596"/>
+            </a:xfrm>
+            <a:prstGeom prst="rect">
+              <a:avLst/>
+            </a:prstGeom>
+          </p:spPr>
+        </p:pic>
+        <p:pic>
+          <p:nvPicPr>
+            <p:cNvPr id="36" name="Picture 35">
+              <a:extLst>
+                <a:ext uri="{FF2B5EF4-FFF2-40B4-BE49-F238E27FC236}">
+                  <a16:creationId xmlns:a16="http://schemas.microsoft.com/office/drawing/2014/main" id="{107DC5FD-AE06-254D-A85F-DC0E8F849D67}"/>
+                </a:ext>
+              </a:extLst>
+            </p:cNvPr>
+            <p:cNvPicPr>
+              <a:picLocks noChangeAspect="1"/>
+            </p:cNvPicPr>
+            <p:nvPr/>
+          </p:nvPicPr>
+          <p:blipFill>
+            <a:blip r:embed="rId5"/>
+            <a:stretch>
+              <a:fillRect/>
+            </a:stretch>
+          </p:blipFill>
+          <p:spPr>
+            <a:xfrm rot="18199245">
+              <a:off x="2587134" y="3012126"/>
+              <a:ext cx="377596" cy="377596"/>
+            </a:xfrm>
+            <a:prstGeom prst="rect">
+              <a:avLst/>
+            </a:prstGeom>
+          </p:spPr>
+        </p:pic>
+        <p:pic>
+          <p:nvPicPr>
+            <p:cNvPr id="37" name="Picture 36">
+              <a:extLst>
+                <a:ext uri="{FF2B5EF4-FFF2-40B4-BE49-F238E27FC236}">
+                  <a16:creationId xmlns:a16="http://schemas.microsoft.com/office/drawing/2014/main" id="{10A61B54-87BB-2043-BB01-6C9966E31390}"/>
+                </a:ext>
+              </a:extLst>
+            </p:cNvPr>
+            <p:cNvPicPr>
+              <a:picLocks noChangeAspect="1"/>
+            </p:cNvPicPr>
+            <p:nvPr/>
+          </p:nvPicPr>
+          <p:blipFill>
+            <a:blip r:embed="rId5"/>
+            <a:stretch>
+              <a:fillRect/>
+            </a:stretch>
+          </p:blipFill>
+          <p:spPr>
+            <a:xfrm rot="2871506">
+              <a:off x="2249340" y="2994844"/>
+              <a:ext cx="377596" cy="377596"/>
+            </a:xfrm>
+            <a:prstGeom prst="rect">
+              <a:avLst/>
+            </a:prstGeom>
+          </p:spPr>
+        </p:pic>
+        <p:pic>
+          <p:nvPicPr>
+            <p:cNvPr id="38" name="Picture 37">
+              <a:extLst>
+                <a:ext uri="{FF2B5EF4-FFF2-40B4-BE49-F238E27FC236}">
+                  <a16:creationId xmlns:a16="http://schemas.microsoft.com/office/drawing/2014/main" id="{FD53D6BF-F599-BD4F-882F-F2985476BFBF}"/>
+                </a:ext>
+              </a:extLst>
+            </p:cNvPr>
+            <p:cNvPicPr>
+              <a:picLocks noChangeAspect="1"/>
+            </p:cNvPicPr>
+            <p:nvPr/>
+          </p:nvPicPr>
+          <p:blipFill>
+            <a:blip r:embed="rId5"/>
+            <a:stretch>
+              <a:fillRect/>
+            </a:stretch>
+          </p:blipFill>
+          <p:spPr>
+            <a:xfrm>
+              <a:off x="1883266" y="2930427"/>
+              <a:ext cx="377596" cy="377596"/>
+            </a:xfrm>
+            <a:prstGeom prst="rect">
+              <a:avLst/>
+            </a:prstGeom>
+          </p:spPr>
+        </p:pic>
+        <p:pic>
+          <p:nvPicPr>
+            <p:cNvPr id="39" name="Picture 38">
+              <a:extLst>
+                <a:ext uri="{FF2B5EF4-FFF2-40B4-BE49-F238E27FC236}">
+                  <a16:creationId xmlns:a16="http://schemas.microsoft.com/office/drawing/2014/main" id="{1F2EA987-8151-0C48-8A28-105ECF454E6A}"/>
+                </a:ext>
+              </a:extLst>
+            </p:cNvPr>
+            <p:cNvPicPr>
+              <a:picLocks noChangeAspect="1"/>
+            </p:cNvPicPr>
+            <p:nvPr/>
+          </p:nvPicPr>
+          <p:blipFill>
+            <a:blip r:embed="rId5"/>
+            <a:stretch>
+              <a:fillRect/>
+            </a:stretch>
+          </p:blipFill>
+          <p:spPr>
+            <a:xfrm rot="7316094">
+              <a:off x="3534528" y="2818876"/>
+              <a:ext cx="377596" cy="377596"/>
+            </a:xfrm>
+            <a:prstGeom prst="rect">
+              <a:avLst/>
+            </a:prstGeom>
+          </p:spPr>
+        </p:pic>
+        <p:pic>
+          <p:nvPicPr>
+            <p:cNvPr id="40" name="Picture 39">
+              <a:extLst>
+                <a:ext uri="{FF2B5EF4-FFF2-40B4-BE49-F238E27FC236}">
+                  <a16:creationId xmlns:a16="http://schemas.microsoft.com/office/drawing/2014/main" id="{2B21A3B1-A98C-5B4D-B4B6-104FACC1BFC4}"/>
+                </a:ext>
+              </a:extLst>
+            </p:cNvPr>
+            <p:cNvPicPr>
+              <a:picLocks noChangeAspect="1"/>
+            </p:cNvPicPr>
+            <p:nvPr/>
+          </p:nvPicPr>
+          <p:blipFill>
+            <a:blip r:embed="rId5"/>
+            <a:stretch>
+              <a:fillRect/>
+            </a:stretch>
+          </p:blipFill>
+          <p:spPr>
+            <a:xfrm>
+              <a:off x="3187307" y="2735606"/>
+              <a:ext cx="377596" cy="377596"/>
+            </a:xfrm>
+            <a:prstGeom prst="rect">
+              <a:avLst/>
+            </a:prstGeom>
+          </p:spPr>
+        </p:pic>
+        <p:pic>
+          <p:nvPicPr>
+            <p:cNvPr id="41" name="Picture 40">
+              <a:extLst>
+                <a:ext uri="{FF2B5EF4-FFF2-40B4-BE49-F238E27FC236}">
+                  <a16:creationId xmlns:a16="http://schemas.microsoft.com/office/drawing/2014/main" id="{D1344187-3BB5-3640-95C0-9074BDAB7AD7}"/>
+                </a:ext>
+              </a:extLst>
+            </p:cNvPr>
+            <p:cNvPicPr>
+              <a:picLocks noChangeAspect="1"/>
+            </p:cNvPicPr>
+            <p:nvPr/>
+          </p:nvPicPr>
+          <p:blipFill>
+            <a:blip r:embed="rId5"/>
+            <a:stretch>
+              <a:fillRect/>
+            </a:stretch>
+          </p:blipFill>
+          <p:spPr>
+            <a:xfrm rot="5903496">
+              <a:off x="2142503" y="2652336"/>
+              <a:ext cx="377596" cy="377596"/>
+            </a:xfrm>
+            <a:prstGeom prst="rect">
+              <a:avLst/>
+            </a:prstGeom>
+          </p:spPr>
+        </p:pic>
+        <p:pic>
+          <p:nvPicPr>
+            <p:cNvPr id="42" name="Picture 41">
+              <a:extLst>
+                <a:ext uri="{FF2B5EF4-FFF2-40B4-BE49-F238E27FC236}">
+                  <a16:creationId xmlns:a16="http://schemas.microsoft.com/office/drawing/2014/main" id="{68EAB327-C46B-4E43-8583-9BF39E6EA146}"/>
+                </a:ext>
+              </a:extLst>
+            </p:cNvPr>
+            <p:cNvPicPr>
+              <a:picLocks noChangeAspect="1"/>
+            </p:cNvPicPr>
+            <p:nvPr/>
+          </p:nvPicPr>
+          <p:blipFill>
+            <a:blip r:embed="rId5"/>
+            <a:stretch>
+              <a:fillRect/>
+            </a:stretch>
+          </p:blipFill>
+          <p:spPr>
+            <a:xfrm>
+              <a:off x="2808664" y="2677474"/>
+              <a:ext cx="377596" cy="377596"/>
+            </a:xfrm>
+            <a:prstGeom prst="rect">
+              <a:avLst/>
+            </a:prstGeom>
+          </p:spPr>
+        </p:pic>
+        <p:pic>
+          <p:nvPicPr>
+            <p:cNvPr id="43" name="Picture 42">
+              <a:extLst>
+                <a:ext uri="{FF2B5EF4-FFF2-40B4-BE49-F238E27FC236}">
+                  <a16:creationId xmlns:a16="http://schemas.microsoft.com/office/drawing/2014/main" id="{BFE84037-8AFD-6D48-9FEB-739EA2289221}"/>
+                </a:ext>
+              </a:extLst>
+            </p:cNvPr>
+            <p:cNvPicPr>
+              <a:picLocks noChangeAspect="1"/>
+            </p:cNvPicPr>
+            <p:nvPr/>
+          </p:nvPicPr>
+          <p:blipFill>
+            <a:blip r:embed="rId5"/>
+            <a:stretch>
+              <a:fillRect/>
+            </a:stretch>
+          </p:blipFill>
+          <p:spPr>
+            <a:xfrm rot="1671962">
+              <a:off x="3055332" y="2433949"/>
+              <a:ext cx="377596" cy="377596"/>
+            </a:xfrm>
+            <a:prstGeom prst="rect">
+              <a:avLst/>
+            </a:prstGeom>
+          </p:spPr>
+        </p:pic>
+        <p:pic>
+          <p:nvPicPr>
+            <p:cNvPr id="44" name="Picture 43">
+              <a:extLst>
+                <a:ext uri="{FF2B5EF4-FFF2-40B4-BE49-F238E27FC236}">
+                  <a16:creationId xmlns:a16="http://schemas.microsoft.com/office/drawing/2014/main" id="{E1D56CE7-0E2B-9A4C-AFA2-05B26907CAF5}"/>
+                </a:ext>
+              </a:extLst>
+            </p:cNvPr>
+            <p:cNvPicPr>
+              <a:picLocks noChangeAspect="1"/>
+            </p:cNvPicPr>
+            <p:nvPr/>
+          </p:nvPicPr>
+          <p:blipFill>
+            <a:blip r:embed="rId5"/>
+            <a:stretch>
+              <a:fillRect/>
+            </a:stretch>
+          </p:blipFill>
+          <p:spPr>
+            <a:xfrm rot="1962492">
+              <a:off x="2491294" y="2605202"/>
+              <a:ext cx="377596" cy="377596"/>
+            </a:xfrm>
+            <a:prstGeom prst="rect">
+              <a:avLst/>
+            </a:prstGeom>
+          </p:spPr>
+        </p:pic>
+        <p:pic>
+          <p:nvPicPr>
+            <p:cNvPr id="45" name="Picture 44">
+              <a:extLst>
+                <a:ext uri="{FF2B5EF4-FFF2-40B4-BE49-F238E27FC236}">
+                  <a16:creationId xmlns:a16="http://schemas.microsoft.com/office/drawing/2014/main" id="{2D3BFE50-0964-4940-9F55-09BF6EB2C57B}"/>
+                </a:ext>
+              </a:extLst>
+            </p:cNvPr>
+            <p:cNvPicPr>
+              <a:picLocks noChangeAspect="1"/>
+            </p:cNvPicPr>
+            <p:nvPr/>
+          </p:nvPicPr>
+          <p:blipFill>
+            <a:blip r:embed="rId5"/>
+            <a:stretch>
+              <a:fillRect/>
+            </a:stretch>
+          </p:blipFill>
+          <p:spPr>
+            <a:xfrm rot="2181941">
+              <a:off x="9624243" y="2262694"/>
+              <a:ext cx="377596" cy="377596"/>
+            </a:xfrm>
+            <a:prstGeom prst="rect">
+              <a:avLst/>
+            </a:prstGeom>
+          </p:spPr>
+        </p:pic>
+        <p:pic>
+          <p:nvPicPr>
+            <p:cNvPr id="46" name="Picture 45">
+              <a:extLst>
+                <a:ext uri="{FF2B5EF4-FFF2-40B4-BE49-F238E27FC236}">
+                  <a16:creationId xmlns:a16="http://schemas.microsoft.com/office/drawing/2014/main" id="{FA013E27-2B11-4342-A98E-5EC6659EA4CB}"/>
+                </a:ext>
+              </a:extLst>
+            </p:cNvPr>
+            <p:cNvPicPr>
+              <a:picLocks noChangeAspect="1"/>
+            </p:cNvPicPr>
+            <p:nvPr/>
+          </p:nvPicPr>
+          <p:blipFill>
+            <a:blip r:embed="rId5"/>
+            <a:stretch>
+              <a:fillRect/>
+            </a:stretch>
+          </p:blipFill>
+          <p:spPr>
+            <a:xfrm rot="3785886">
+              <a:off x="9908619" y="2650765"/>
+              <a:ext cx="377596" cy="377596"/>
+            </a:xfrm>
+            <a:prstGeom prst="rect">
+              <a:avLst/>
+            </a:prstGeom>
+          </p:spPr>
+        </p:pic>
+        <p:pic>
+          <p:nvPicPr>
+            <p:cNvPr id="47" name="Picture 46">
+              <a:extLst>
+                <a:ext uri="{FF2B5EF4-FFF2-40B4-BE49-F238E27FC236}">
+                  <a16:creationId xmlns:a16="http://schemas.microsoft.com/office/drawing/2014/main" id="{BB918D08-4DC9-5648-BAF0-5729786B2E82}"/>
+                </a:ext>
+              </a:extLst>
+            </p:cNvPr>
+            <p:cNvPicPr>
+              <a:picLocks noChangeAspect="1"/>
+            </p:cNvPicPr>
+            <p:nvPr/>
+          </p:nvPicPr>
+          <p:blipFill>
+            <a:blip r:embed="rId5"/>
+            <a:stretch>
+              <a:fillRect/>
+            </a:stretch>
+          </p:blipFill>
+          <p:spPr>
+            <a:xfrm rot="16600393">
+              <a:off x="9853629" y="3019982"/>
+              <a:ext cx="377596" cy="377596"/>
+            </a:xfrm>
+            <a:prstGeom prst="rect">
+              <a:avLst/>
+            </a:prstGeom>
+          </p:spPr>
+        </p:pic>
+        <p:pic>
+          <p:nvPicPr>
+            <p:cNvPr id="48" name="Picture 47">
+              <a:extLst>
+                <a:ext uri="{FF2B5EF4-FFF2-40B4-BE49-F238E27FC236}">
+                  <a16:creationId xmlns:a16="http://schemas.microsoft.com/office/drawing/2014/main" id="{CE1B675C-34B3-A44F-9316-7EF69B60D37A}"/>
+                </a:ext>
+              </a:extLst>
+            </p:cNvPr>
+            <p:cNvPicPr>
+              <a:picLocks noChangeAspect="1"/>
+            </p:cNvPicPr>
+            <p:nvPr/>
+          </p:nvPicPr>
+          <p:blipFill>
+            <a:blip r:embed="rId5"/>
+            <a:stretch>
+              <a:fillRect/>
+            </a:stretch>
+          </p:blipFill>
+          <p:spPr>
+            <a:xfrm rot="7588957">
+              <a:off x="10222845" y="2267409"/>
+              <a:ext cx="377596" cy="377596"/>
+            </a:xfrm>
+            <a:prstGeom prst="rect">
+              <a:avLst/>
+            </a:prstGeom>
+          </p:spPr>
+        </p:pic>
+        <p:pic>
+          <p:nvPicPr>
+            <p:cNvPr id="49" name="Picture 48">
+              <a:extLst>
+                <a:ext uri="{FF2B5EF4-FFF2-40B4-BE49-F238E27FC236}">
+                  <a16:creationId xmlns:a16="http://schemas.microsoft.com/office/drawing/2014/main" id="{A8D5BFE9-1EDB-7346-9DB8-CCE62DA2B854}"/>
+                </a:ext>
+              </a:extLst>
+            </p:cNvPr>
+            <p:cNvPicPr>
+              <a:picLocks noChangeAspect="1"/>
+            </p:cNvPicPr>
+            <p:nvPr/>
+          </p:nvPicPr>
+          <p:blipFill>
+            <a:blip r:embed="rId5"/>
+            <a:stretch>
+              <a:fillRect/>
+            </a:stretch>
+          </p:blipFill>
+          <p:spPr>
+            <a:xfrm rot="6663518">
+              <a:off x="10403526" y="3023124"/>
+              <a:ext cx="377596" cy="377596"/>
+            </a:xfrm>
+            <a:prstGeom prst="rect">
+              <a:avLst/>
+            </a:prstGeom>
+          </p:spPr>
+        </p:pic>
+        <p:pic>
+          <p:nvPicPr>
+            <p:cNvPr id="50" name="Picture 49">
+              <a:extLst>
+                <a:ext uri="{FF2B5EF4-FFF2-40B4-BE49-F238E27FC236}">
+                  <a16:creationId xmlns:a16="http://schemas.microsoft.com/office/drawing/2014/main" id="{46AD7148-D043-0A42-9123-7E2B25296FCE}"/>
+                </a:ext>
+              </a:extLst>
+            </p:cNvPr>
+            <p:cNvPicPr>
+              <a:picLocks noChangeAspect="1"/>
+            </p:cNvPicPr>
+            <p:nvPr/>
+          </p:nvPicPr>
+          <p:blipFill>
+            <a:blip r:embed="rId5"/>
+            <a:stretch>
+              <a:fillRect/>
+            </a:stretch>
+          </p:blipFill>
+          <p:spPr>
+            <a:xfrm rot="17630836">
+              <a:off x="10697328" y="2609915"/>
+              <a:ext cx="377596" cy="377596"/>
+            </a:xfrm>
+            <a:prstGeom prst="rect">
+              <a:avLst/>
+            </a:prstGeom>
+          </p:spPr>
+        </p:pic>
+        <p:pic>
+          <p:nvPicPr>
+            <p:cNvPr id="51" name="Picture 50">
+              <a:extLst>
+                <a:ext uri="{FF2B5EF4-FFF2-40B4-BE49-F238E27FC236}">
+                  <a16:creationId xmlns:a16="http://schemas.microsoft.com/office/drawing/2014/main" id="{630567DB-AE3E-6444-A1A4-2DA2AF91B613}"/>
+                </a:ext>
+              </a:extLst>
+            </p:cNvPr>
+            <p:cNvPicPr>
+              <a:picLocks noChangeAspect="1"/>
+            </p:cNvPicPr>
+            <p:nvPr/>
+          </p:nvPicPr>
+          <p:blipFill>
+            <a:blip r:embed="rId5"/>
+            <a:stretch>
+              <a:fillRect/>
+            </a:stretch>
+          </p:blipFill>
+          <p:spPr>
+            <a:xfrm rot="19067721">
+              <a:off x="9492268" y="2696328"/>
+              <a:ext cx="377596" cy="377596"/>
+            </a:xfrm>
+            <a:prstGeom prst="rect">
+              <a:avLst/>
+            </a:prstGeom>
+          </p:spPr>
+        </p:pic>
+        <p:pic>
+          <p:nvPicPr>
+            <p:cNvPr id="52" name="Picture 51">
+              <a:extLst>
+                <a:ext uri="{FF2B5EF4-FFF2-40B4-BE49-F238E27FC236}">
+                  <a16:creationId xmlns:a16="http://schemas.microsoft.com/office/drawing/2014/main" id="{87CF84BD-AB17-974D-AD06-93F764123DE4}"/>
+                </a:ext>
+              </a:extLst>
+            </p:cNvPr>
+            <p:cNvPicPr>
+              <a:picLocks noChangeAspect="1"/>
+            </p:cNvPicPr>
+            <p:nvPr/>
+          </p:nvPicPr>
+          <p:blipFill>
+            <a:blip r:embed="rId5"/>
+            <a:stretch>
+              <a:fillRect/>
+            </a:stretch>
+          </p:blipFill>
+          <p:spPr>
+            <a:xfrm rot="7129247">
+              <a:off x="9135621" y="2320827"/>
+              <a:ext cx="377596" cy="377596"/>
+            </a:xfrm>
+            <a:prstGeom prst="rect">
+              <a:avLst/>
+            </a:prstGeom>
+          </p:spPr>
+        </p:pic>
+        <p:sp>
+          <p:nvSpPr>
+            <p:cNvPr id="54" name="TextBox 53">
+              <a:extLst>
+                <a:ext uri="{FF2B5EF4-FFF2-40B4-BE49-F238E27FC236}">
+                  <a16:creationId xmlns:a16="http://schemas.microsoft.com/office/drawing/2014/main" id="{C8C55FD7-47BC-5049-852B-6E780533CCF3}"/>
+                </a:ext>
+              </a:extLst>
+            </p:cNvPr>
+            <p:cNvSpPr txBox="1"/>
+            <p:nvPr/>
+          </p:nvSpPr>
+          <p:spPr>
+            <a:xfrm>
+              <a:off x="5073193" y="1613555"/>
+              <a:ext cx="1393595" cy="923330"/>
+            </a:xfrm>
+            <a:prstGeom prst="rect">
+              <a:avLst/>
+            </a:prstGeom>
+            <a:noFill/>
+          </p:spPr>
+          <p:txBody>
+            <a:bodyPr wrap="square" rtlCol="0">
+              <a:spAutoFit/>
+            </a:bodyPr>
+            <a:lstStyle/>
+            <a:p>
+              <a:r>
+                <a:rPr lang="en-US" dirty="0"/>
+                <a:t>Sampling Distribution of Statistic</a:t>
+              </a:r>
+            </a:p>
+          </p:txBody>
+        </p:sp>
+        <p:sp>
+          <p:nvSpPr>
+            <p:cNvPr id="55" name="TextBox 54">
+              <a:extLst>
+                <a:ext uri="{FF2B5EF4-FFF2-40B4-BE49-F238E27FC236}">
+                  <a16:creationId xmlns:a16="http://schemas.microsoft.com/office/drawing/2014/main" id="{D1611491-BC1D-2840-B9AC-C57D15F587AA}"/>
+                </a:ext>
+              </a:extLst>
+            </p:cNvPr>
+            <p:cNvSpPr txBox="1"/>
+            <p:nvPr/>
+          </p:nvSpPr>
+          <p:spPr>
+            <a:xfrm>
+              <a:off x="8023784" y="4026818"/>
+              <a:ext cx="1403022" cy="646331"/>
+            </a:xfrm>
+            <a:prstGeom prst="rect">
+              <a:avLst/>
+            </a:prstGeom>
+            <a:noFill/>
+          </p:spPr>
+          <p:txBody>
+            <a:bodyPr wrap="square" rtlCol="0">
+              <a:spAutoFit/>
+            </a:bodyPr>
+            <a:lstStyle/>
+            <a:p>
+              <a:r>
+                <a:rPr lang="en-US" dirty="0"/>
+                <a:t>Empirical Distribution</a:t>
+              </a:r>
+            </a:p>
+          </p:txBody>
+        </p:sp>
+        <p:sp>
+          <p:nvSpPr>
+            <p:cNvPr id="53" name="TextBox 52">
+              <a:extLst>
+                <a:ext uri="{FF2B5EF4-FFF2-40B4-BE49-F238E27FC236}">
+                  <a16:creationId xmlns:a16="http://schemas.microsoft.com/office/drawing/2014/main" id="{48EBCDF8-D4D2-E549-A02F-4BB2A45D54F1}"/>
+                </a:ext>
+              </a:extLst>
+            </p:cNvPr>
+            <p:cNvSpPr txBox="1"/>
+            <p:nvPr/>
+          </p:nvSpPr>
+          <p:spPr>
+            <a:xfrm>
+              <a:off x="499620" y="4138366"/>
+              <a:ext cx="2168165" cy="646331"/>
+            </a:xfrm>
+            <a:prstGeom prst="rect">
+              <a:avLst/>
+            </a:prstGeom>
+            <a:noFill/>
+          </p:spPr>
+          <p:txBody>
+            <a:bodyPr wrap="square" rtlCol="0">
+              <a:spAutoFit/>
+            </a:bodyPr>
+            <a:lstStyle/>
+            <a:p>
+              <a:r>
+                <a:rPr lang="en-US" dirty="0"/>
+                <a:t>Population Distribution</a:t>
+              </a:r>
+            </a:p>
+          </p:txBody>
+        </p:sp>
+      </p:grpSp>
+      <mc:AlternateContent xmlns:mc="http://schemas.openxmlformats.org/markup-compatibility/2006">
+        <mc:Choice xmlns:a14="http://schemas.microsoft.com/office/drawing/2010/main" Requires="a14">
+          <p:sp>
+            <p:nvSpPr>
+              <p:cNvPr id="2" name="TextBox 1">
+                <a:extLst>
+                  <a:ext uri="{FF2B5EF4-FFF2-40B4-BE49-F238E27FC236}">
+                    <a16:creationId xmlns:a16="http://schemas.microsoft.com/office/drawing/2014/main" id="{44005832-F47D-9641-907F-2793BCC0F546}"/>
+                  </a:ext>
+                </a:extLst>
+              </p:cNvPr>
+              <p:cNvSpPr txBox="1"/>
+              <p:nvPr/>
+            </p:nvSpPr>
+            <p:spPr>
+              <a:xfrm>
+                <a:off x="4637988" y="4452015"/>
+                <a:ext cx="2281286" cy="439736"/>
+              </a:xfrm>
+              <a:prstGeom prst="rect">
+                <a:avLst/>
+              </a:prstGeom>
+              <a:noFill/>
+            </p:spPr>
+            <p:txBody>
+              <a:bodyPr wrap="square" rtlCol="0">
+                <a:spAutoFit/>
+              </a:bodyPr>
+              <a:lstStyle/>
+              <a:p>
+                <a:pPr/>
+                <a14:m>
+                  <m:oMathPara xmlns:m="http://schemas.openxmlformats.org/officeDocument/2006/math">
+                    <m:oMathParaPr>
+                      <m:jc m:val="centerGroup"/>
+                    </m:oMathParaPr>
+                    <m:oMath xmlns:m="http://schemas.openxmlformats.org/officeDocument/2006/math">
+                      <m:r>
+                        <a:rPr lang="en-US" sz="2000" b="0" i="1" smtClean="0">
+                          <a:latin typeface="Cambria Math" panose="02040503050406030204" pitchFamily="18" charset="0"/>
+                        </a:rPr>
+                        <m:t>𝐸</m:t>
+                      </m:r>
+                      <m:d>
+                        <m:dPr>
+                          <m:ctrlPr>
+                            <a:rPr lang="en-US" sz="2000" b="0" i="1" smtClean="0">
+                              <a:latin typeface="Cambria Math" panose="02040503050406030204" pitchFamily="18" charset="0"/>
+                            </a:rPr>
+                          </m:ctrlPr>
+                        </m:dPr>
+                        <m:e>
+                          <m:acc>
+                            <m:accPr>
+                              <m:chr m:val="̂"/>
+                              <m:ctrlPr>
+                                <a:rPr lang="en-US" sz="2000" b="0" i="1" smtClean="0">
+                                  <a:latin typeface="Cambria Math" panose="02040503050406030204" pitchFamily="18" charset="0"/>
+                                </a:rPr>
+                              </m:ctrlPr>
+                            </m:accPr>
+                            <m:e>
+                              <m:r>
+                                <a:rPr lang="en-US" sz="2000" b="0" i="1" smtClean="0">
+                                  <a:latin typeface="Cambria Math" panose="02040503050406030204" pitchFamily="18" charset="0"/>
+                                  <a:ea typeface="Cambria Math" panose="02040503050406030204" pitchFamily="18" charset="0"/>
+                                </a:rPr>
+                                <m:t>𝜃</m:t>
+                              </m:r>
+                            </m:e>
+                          </m:acc>
+                        </m:e>
+                      </m:d>
+                      <m:r>
+                        <a:rPr lang="en-US" sz="2000" b="0" i="1" smtClean="0">
+                          <a:latin typeface="Cambria Math" panose="02040503050406030204" pitchFamily="18" charset="0"/>
+                          <a:ea typeface="Cambria Math" panose="02040503050406030204" pitchFamily="18" charset="0"/>
+                        </a:rPr>
+                        <m:t>=100.5</m:t>
+                      </m:r>
+                    </m:oMath>
+                  </m:oMathPara>
+                </a14:m>
+                <a:endParaRPr lang="en-US" sz="2000" b="0" i="1" dirty="0">
+                  <a:latin typeface="Cambria Math" panose="02040503050406030204" pitchFamily="18" charset="0"/>
+                </a:endParaRPr>
+              </a:p>
+            </p:txBody>
+          </p:sp>
+        </mc:Choice>
+        <mc:Fallback>
+          <p:sp>
+            <p:nvSpPr>
+              <p:cNvPr id="2" name="TextBox 1">
+                <a:extLst>
+                  <a:ext uri="{FF2B5EF4-FFF2-40B4-BE49-F238E27FC236}">
+                    <a16:creationId xmlns:a16="http://schemas.microsoft.com/office/drawing/2014/main" id="{44005832-F47D-9641-907F-2793BCC0F546}"/>
+                  </a:ext>
+                </a:extLst>
+              </p:cNvPr>
+              <p:cNvSpPr txBox="1">
+                <a:spLocks noRot="1" noChangeAspect="1" noMove="1" noResize="1" noEditPoints="1" noAdjustHandles="1" noChangeArrowheads="1" noChangeShapeType="1" noTextEdit="1"/>
+              </p:cNvSpPr>
+              <p:nvPr/>
+            </p:nvSpPr>
+            <p:spPr>
+              <a:xfrm>
+                <a:off x="4637988" y="4452015"/>
+                <a:ext cx="2281286" cy="439736"/>
+              </a:xfrm>
+              <a:prstGeom prst="rect">
+                <a:avLst/>
+              </a:prstGeom>
+              <a:blipFill>
+                <a:blip r:embed="rId6"/>
+                <a:stretch>
+                  <a:fillRect/>
+                </a:stretch>
+              </a:blipFill>
+            </p:spPr>
+            <p:txBody>
+              <a:bodyPr/>
+              <a:lstStyle/>
+              <a:p>
+                <a:r>
+                  <a:rPr lang="en-US">
+                    <a:noFill/>
+                  </a:rPr>
+                  <a:t> </a:t>
+                </a:r>
+              </a:p>
+            </p:txBody>
+          </p:sp>
+        </mc:Fallback>
+      </mc:AlternateContent>
+      <mc:AlternateContent xmlns:mc="http://schemas.openxmlformats.org/markup-compatibility/2006">
+        <mc:Choice xmlns:a14="http://schemas.microsoft.com/office/drawing/2010/main" Requires="a14">
+          <p:sp>
+            <p:nvSpPr>
+              <p:cNvPr id="73" name="TextBox 72">
+                <a:extLst>
+                  <a:ext uri="{FF2B5EF4-FFF2-40B4-BE49-F238E27FC236}">
+                    <a16:creationId xmlns:a16="http://schemas.microsoft.com/office/drawing/2014/main" id="{BB3694D1-200C-7449-96F9-40C867E721DB}"/>
+                  </a:ext>
+                </a:extLst>
+              </p:cNvPr>
+              <p:cNvSpPr txBox="1"/>
+              <p:nvPr/>
+            </p:nvSpPr>
+            <p:spPr>
+              <a:xfrm>
+                <a:off x="8380428" y="5564301"/>
+                <a:ext cx="3528768" cy="413190"/>
+              </a:xfrm>
+              <a:prstGeom prst="rect">
+                <a:avLst/>
+              </a:prstGeom>
+              <a:noFill/>
+            </p:spPr>
+            <p:txBody>
+              <a:bodyPr wrap="square" rtlCol="0">
+                <a:spAutoFit/>
+              </a:bodyPr>
+              <a:lstStyle/>
+              <a:p>
+                <a:pPr/>
+                <a14:m>
+                  <m:oMathPara xmlns:m="http://schemas.openxmlformats.org/officeDocument/2006/math">
+                    <m:oMathParaPr>
+                      <m:jc m:val="centerGroup"/>
+                    </m:oMathParaPr>
+                    <m:oMath xmlns:m="http://schemas.openxmlformats.org/officeDocument/2006/math">
+                      <m:acc>
+                        <m:accPr>
+                          <m:chr m:val="̂"/>
+                          <m:ctrlPr>
+                            <a:rPr lang="en-US" sz="2000" i="1" smtClean="0">
+                              <a:latin typeface="Cambria Math" panose="02040503050406030204" pitchFamily="18" charset="0"/>
+                            </a:rPr>
+                          </m:ctrlPr>
+                        </m:accPr>
+                        <m:e>
+                          <m:r>
+                            <a:rPr lang="en-US" sz="2000" i="1">
+                              <a:latin typeface="Cambria Math" panose="02040503050406030204" pitchFamily="18" charset="0"/>
+                              <a:ea typeface="Cambria Math" panose="02040503050406030204" pitchFamily="18" charset="0"/>
+                            </a:rPr>
+                            <m:t>𝜃</m:t>
+                          </m:r>
+                        </m:e>
+                      </m:acc>
+                      <m:r>
+                        <a:rPr lang="en-US" sz="2000" b="0" i="1" smtClean="0">
+                          <a:latin typeface="Cambria Math" panose="02040503050406030204" pitchFamily="18" charset="0"/>
+                          <a:ea typeface="Cambria Math" panose="02040503050406030204" pitchFamily="18" charset="0"/>
+                        </a:rPr>
+                        <m:t>=</m:t>
+                      </m:r>
+                      <m:r>
+                        <a:rPr lang="en-US" sz="2000" b="0" i="1" smtClean="0">
+                          <a:latin typeface="Cambria Math" panose="02040503050406030204" pitchFamily="18" charset="0"/>
+                          <a:ea typeface="Cambria Math" panose="02040503050406030204" pitchFamily="18" charset="0"/>
+                        </a:rPr>
+                        <m:t>𝐴𝑣𝑔</m:t>
+                      </m:r>
+                      <m:r>
+                        <a:rPr lang="en-US" sz="2000" b="0" i="1" smtClean="0">
+                          <a:latin typeface="Cambria Math" panose="02040503050406030204" pitchFamily="18" charset="0"/>
+                          <a:ea typeface="Cambria Math" panose="02040503050406030204" pitchFamily="18" charset="0"/>
+                        </a:rPr>
+                        <m:t>(</m:t>
+                      </m:r>
+                      <m:r>
+                        <a:rPr lang="en-US" sz="2000" b="0" i="1" smtClean="0">
+                          <a:latin typeface="Cambria Math" panose="02040503050406030204" pitchFamily="18" charset="0"/>
+                          <a:ea typeface="Cambria Math" panose="02040503050406030204" pitchFamily="18" charset="0"/>
+                        </a:rPr>
+                        <m:t>𝑠𝑎𝑚𝑝</m:t>
+                      </m:r>
+                      <m:r>
+                        <a:rPr lang="en-US" sz="2000" b="0" i="1" smtClean="0">
+                          <a:latin typeface="Cambria Math" panose="02040503050406030204" pitchFamily="18" charset="0"/>
+                          <a:ea typeface="Cambria Math" panose="02040503050406030204" pitchFamily="18" charset="0"/>
+                        </a:rPr>
+                        <m:t>)=113.7</m:t>
+                      </m:r>
+                    </m:oMath>
+                  </m:oMathPara>
+                </a14:m>
+                <a:endParaRPr lang="en-US" sz="2000" b="0" i="1" dirty="0">
+                  <a:latin typeface="Cambria Math" panose="02040503050406030204" pitchFamily="18" charset="0"/>
+                </a:endParaRPr>
+              </a:p>
+            </p:txBody>
+          </p:sp>
+        </mc:Choice>
+        <mc:Fallback>
+          <p:sp>
+            <p:nvSpPr>
+              <p:cNvPr id="73" name="TextBox 72">
+                <a:extLst>
+                  <a:ext uri="{FF2B5EF4-FFF2-40B4-BE49-F238E27FC236}">
+                    <a16:creationId xmlns:a16="http://schemas.microsoft.com/office/drawing/2014/main" id="{BB3694D1-200C-7449-96F9-40C867E721DB}"/>
+                  </a:ext>
+                </a:extLst>
+              </p:cNvPr>
+              <p:cNvSpPr txBox="1">
+                <a:spLocks noRot="1" noChangeAspect="1" noMove="1" noResize="1" noEditPoints="1" noAdjustHandles="1" noChangeArrowheads="1" noChangeShapeType="1" noTextEdit="1"/>
+              </p:cNvSpPr>
+              <p:nvPr/>
+            </p:nvSpPr>
+            <p:spPr>
+              <a:xfrm>
+                <a:off x="8380428" y="5564301"/>
+                <a:ext cx="3528768" cy="413190"/>
+              </a:xfrm>
+              <a:prstGeom prst="rect">
+                <a:avLst/>
+              </a:prstGeom>
+              <a:blipFill>
+                <a:blip r:embed="rId7"/>
+                <a:stretch>
+                  <a:fillRect b="-11765"/>
+                </a:stretch>
+              </a:blipFill>
+            </p:spPr>
+            <p:txBody>
+              <a:bodyPr/>
+              <a:lstStyle/>
+              <a:p>
+                <a:r>
+                  <a:rPr lang="en-US">
+                    <a:noFill/>
+                  </a:rPr>
+                  <a:t> </a:t>
+                </a:r>
+              </a:p>
+            </p:txBody>
+          </p:sp>
+        </mc:Fallback>
+      </mc:AlternateContent>
+      <p:sp>
+        <p:nvSpPr>
+          <p:cNvPr id="4" name="TextBox 3">
+            <a:extLst>
+              <a:ext uri="{FF2B5EF4-FFF2-40B4-BE49-F238E27FC236}">
+                <a16:creationId xmlns:a16="http://schemas.microsoft.com/office/drawing/2014/main" id="{60CDB0EE-B3B7-1943-9B0B-5CCAD1553B38}"/>
+              </a:ext>
+            </a:extLst>
+          </p:cNvPr>
+          <p:cNvSpPr txBox="1"/>
+          <p:nvPr/>
+        </p:nvSpPr>
+        <p:spPr>
+          <a:xfrm>
+            <a:off x="7942342" y="5218202"/>
+            <a:ext cx="1467059" cy="369332"/>
+          </a:xfrm>
+          <a:prstGeom prst="rect">
+            <a:avLst/>
+          </a:prstGeom>
+          <a:noFill/>
+        </p:spPr>
+        <p:txBody>
+          <a:bodyPr wrap="square" rtlCol="0">
+            <a:spAutoFit/>
+          </a:bodyPr>
+          <a:lstStyle/>
+          <a:p>
+            <a:r>
+              <a:rPr lang="en-US" dirty="0"/>
+              <a:t>Observed</a:t>
+            </a:r>
+          </a:p>
+        </p:txBody>
+      </p:sp>
+      <p:pic>
+        <p:nvPicPr>
+          <p:cNvPr id="7" name="Picture 6">
+            <a:extLst>
+              <a:ext uri="{FF2B5EF4-FFF2-40B4-BE49-F238E27FC236}">
+                <a16:creationId xmlns:a16="http://schemas.microsoft.com/office/drawing/2014/main" id="{34DA5F83-7918-F34A-9523-A8F5D2C28580}"/>
+              </a:ext>
+            </a:extLst>
+          </p:cNvPr>
+          <p:cNvPicPr>
+            <a:picLocks noChangeAspect="1"/>
+          </p:cNvPicPr>
+          <p:nvPr/>
+        </p:nvPicPr>
+        <p:blipFill>
+          <a:blip r:embed="rId8"/>
+          <a:stretch>
+            <a:fillRect/>
+          </a:stretch>
+        </p:blipFill>
+        <p:spPr>
+          <a:xfrm>
+            <a:off x="4483230" y="2412017"/>
+            <a:ext cx="3137218" cy="1830044"/>
+          </a:xfrm>
+          <a:prstGeom prst="rect">
+            <a:avLst/>
+          </a:prstGeom>
+        </p:spPr>
+      </p:pic>
+      <mc:AlternateContent xmlns:mc="http://schemas.openxmlformats.org/markup-compatibility/2006">
+        <mc:Choice xmlns:a14="http://schemas.microsoft.com/office/drawing/2010/main" Requires="a14">
+          <p:sp>
+            <p:nvSpPr>
+              <p:cNvPr id="58" name="TextBox 57">
+                <a:extLst>
+                  <a:ext uri="{FF2B5EF4-FFF2-40B4-BE49-F238E27FC236}">
+                    <a16:creationId xmlns:a16="http://schemas.microsoft.com/office/drawing/2014/main" id="{1E89B64B-026A-9F42-9788-340437FE3E6A}"/>
+                  </a:ext>
+                </a:extLst>
+              </p:cNvPr>
+              <p:cNvSpPr txBox="1"/>
+              <p:nvPr/>
+            </p:nvSpPr>
+            <p:spPr>
+              <a:xfrm>
+                <a:off x="5185318" y="2417396"/>
+                <a:ext cx="392156" cy="477118"/>
+              </a:xfrm>
+              <a:prstGeom prst="rect">
+                <a:avLst/>
+              </a:prstGeom>
+              <a:noFill/>
+            </p:spPr>
+            <p:txBody>
+              <a:bodyPr wrap="square" rtlCol="0">
+                <a:spAutoFit/>
+              </a:bodyPr>
+              <a:lstStyle/>
+              <a:p>
+                <a:pPr/>
+                <a14:m>
+                  <m:oMathPara xmlns:m="http://schemas.openxmlformats.org/officeDocument/2006/math">
+                    <m:oMathParaPr>
+                      <m:jc m:val="centerGroup"/>
+                    </m:oMathParaPr>
+                    <m:oMath xmlns:m="http://schemas.openxmlformats.org/officeDocument/2006/math">
+                      <m:acc>
+                        <m:accPr>
+                          <m:chr m:val="̂"/>
+                          <m:ctrlPr>
+                            <a:rPr lang="en-US" sz="2400" b="0" i="1" smtClean="0">
+                              <a:latin typeface="Cambria Math" panose="02040503050406030204" pitchFamily="18" charset="0"/>
+                            </a:rPr>
+                          </m:ctrlPr>
+                        </m:accPr>
+                        <m:e>
+                          <m:r>
+                            <a:rPr lang="en-US" sz="2400" b="0" i="1" smtClean="0">
+                              <a:latin typeface="Cambria Math" panose="02040503050406030204" pitchFamily="18" charset="0"/>
+                              <a:ea typeface="Cambria Math" panose="02040503050406030204" pitchFamily="18" charset="0"/>
+                            </a:rPr>
+                            <m:t>𝜃</m:t>
+                          </m:r>
+                        </m:e>
+                      </m:acc>
+                    </m:oMath>
+                  </m:oMathPara>
+                </a14:m>
+                <a:endParaRPr lang="en-US" sz="2400" b="0" i="1" dirty="0">
+                  <a:latin typeface="Cambria Math" panose="02040503050406030204" pitchFamily="18" charset="0"/>
+                </a:endParaRPr>
+              </a:p>
+            </p:txBody>
+          </p:sp>
+        </mc:Choice>
+        <mc:Fallback>
+          <p:sp>
+            <p:nvSpPr>
+              <p:cNvPr id="58" name="TextBox 57">
+                <a:extLst>
+                  <a:ext uri="{FF2B5EF4-FFF2-40B4-BE49-F238E27FC236}">
+                    <a16:creationId xmlns:a16="http://schemas.microsoft.com/office/drawing/2014/main" id="{1E89B64B-026A-9F42-9788-340437FE3E6A}"/>
+                  </a:ext>
+                </a:extLst>
+              </p:cNvPr>
+              <p:cNvSpPr txBox="1">
+                <a:spLocks noRot="1" noChangeAspect="1" noMove="1" noResize="1" noEditPoints="1" noAdjustHandles="1" noChangeArrowheads="1" noChangeShapeType="1" noTextEdit="1"/>
+              </p:cNvSpPr>
+              <p:nvPr/>
+            </p:nvSpPr>
+            <p:spPr>
+              <a:xfrm>
+                <a:off x="5185318" y="2417396"/>
+                <a:ext cx="392156" cy="477118"/>
+              </a:xfrm>
+              <a:prstGeom prst="rect">
+                <a:avLst/>
+              </a:prstGeom>
+              <a:blipFill>
+                <a:blip r:embed="rId9"/>
+                <a:stretch>
+                  <a:fillRect t="-7692"/>
+                </a:stretch>
+              </a:blipFill>
+            </p:spPr>
+            <p:txBody>
+              <a:bodyPr/>
+              <a:lstStyle/>
+              <a:p>
+                <a:r>
+                  <a:rPr lang="en-US">
+                    <a:noFill/>
+                  </a:rPr>
+                  <a:t> </a:t>
+                </a:r>
+              </a:p>
+            </p:txBody>
+          </p:sp>
+        </mc:Fallback>
+      </mc:AlternateContent>
+      <mc:AlternateContent xmlns:mc="http://schemas.openxmlformats.org/markup-compatibility/2006">
+        <mc:Choice xmlns:a14="http://schemas.microsoft.com/office/drawing/2010/main" Requires="a14">
+          <p:sp>
+            <p:nvSpPr>
+              <p:cNvPr id="59" name="TextBox 58">
+                <a:extLst>
+                  <a:ext uri="{FF2B5EF4-FFF2-40B4-BE49-F238E27FC236}">
+                    <a16:creationId xmlns:a16="http://schemas.microsoft.com/office/drawing/2014/main" id="{3A205E35-5B5E-874D-8699-A645FFBD3592}"/>
+                  </a:ext>
+                </a:extLst>
+              </p:cNvPr>
+              <p:cNvSpPr txBox="1"/>
+              <p:nvPr/>
+            </p:nvSpPr>
+            <p:spPr>
+              <a:xfrm>
+                <a:off x="4564144" y="4858940"/>
+                <a:ext cx="2270288" cy="439736"/>
+              </a:xfrm>
+              <a:prstGeom prst="rect">
+                <a:avLst/>
+              </a:prstGeom>
+              <a:noFill/>
+            </p:spPr>
+            <p:txBody>
+              <a:bodyPr wrap="square" rtlCol="0">
+                <a:spAutoFit/>
+              </a:bodyPr>
+              <a:lstStyle/>
+              <a:p>
+                <a:pPr/>
+                <a14:m>
+                  <m:oMathPara xmlns:m="http://schemas.openxmlformats.org/officeDocument/2006/math">
+                    <m:oMathParaPr>
+                      <m:jc m:val="centerGroup"/>
+                    </m:oMathParaPr>
+                    <m:oMath xmlns:m="http://schemas.openxmlformats.org/officeDocument/2006/math">
+                      <m:r>
+                        <a:rPr lang="en-US" sz="2000" b="0" i="1" smtClean="0">
+                          <a:latin typeface="Cambria Math" panose="02040503050406030204" pitchFamily="18" charset="0"/>
+                        </a:rPr>
+                        <m:t>𝑆𝐷</m:t>
+                      </m:r>
+                      <m:d>
+                        <m:dPr>
+                          <m:ctrlPr>
+                            <a:rPr lang="en-US" sz="2000" b="0" i="1" smtClean="0">
+                              <a:latin typeface="Cambria Math" panose="02040503050406030204" pitchFamily="18" charset="0"/>
+                            </a:rPr>
+                          </m:ctrlPr>
+                        </m:dPr>
+                        <m:e>
+                          <m:acc>
+                            <m:accPr>
+                              <m:chr m:val="̂"/>
+                              <m:ctrlPr>
+                                <a:rPr lang="en-US" sz="2000" b="0" i="1" smtClean="0">
+                                  <a:latin typeface="Cambria Math" panose="02040503050406030204" pitchFamily="18" charset="0"/>
+                                </a:rPr>
+                              </m:ctrlPr>
+                            </m:accPr>
+                            <m:e>
+                              <m:r>
+                                <a:rPr lang="en-US" sz="2000" b="0" i="1" smtClean="0">
+                                  <a:latin typeface="Cambria Math" panose="02040503050406030204" pitchFamily="18" charset="0"/>
+                                  <a:ea typeface="Cambria Math" panose="02040503050406030204" pitchFamily="18" charset="0"/>
+                                </a:rPr>
+                                <m:t>𝜃</m:t>
+                              </m:r>
+                            </m:e>
+                          </m:acc>
+                        </m:e>
+                      </m:d>
+                      <m:r>
+                        <a:rPr lang="en-US" sz="2000" b="0" i="1" smtClean="0">
+                          <a:latin typeface="Cambria Math" panose="02040503050406030204" pitchFamily="18" charset="0"/>
+                          <a:ea typeface="Cambria Math" panose="02040503050406030204" pitchFamily="18" charset="0"/>
+                        </a:rPr>
+                        <m:t>=4.1</m:t>
+                      </m:r>
+                    </m:oMath>
+                  </m:oMathPara>
+                </a14:m>
+                <a:endParaRPr lang="en-US" sz="2000" b="0" i="1" dirty="0">
+                  <a:latin typeface="Cambria Math" panose="02040503050406030204" pitchFamily="18" charset="0"/>
+                </a:endParaRPr>
+              </a:p>
+            </p:txBody>
+          </p:sp>
+        </mc:Choice>
+        <mc:Fallback>
+          <p:sp>
+            <p:nvSpPr>
+              <p:cNvPr id="59" name="TextBox 58">
+                <a:extLst>
+                  <a:ext uri="{FF2B5EF4-FFF2-40B4-BE49-F238E27FC236}">
+                    <a16:creationId xmlns:a16="http://schemas.microsoft.com/office/drawing/2014/main" id="{3A205E35-5B5E-874D-8699-A645FFBD3592}"/>
+                  </a:ext>
+                </a:extLst>
+              </p:cNvPr>
+              <p:cNvSpPr txBox="1">
+                <a:spLocks noRot="1" noChangeAspect="1" noMove="1" noResize="1" noEditPoints="1" noAdjustHandles="1" noChangeArrowheads="1" noChangeShapeType="1" noTextEdit="1"/>
+              </p:cNvSpPr>
+              <p:nvPr/>
+            </p:nvSpPr>
+            <p:spPr>
+              <a:xfrm>
+                <a:off x="4564144" y="4858940"/>
+                <a:ext cx="2270288" cy="439736"/>
+              </a:xfrm>
+              <a:prstGeom prst="rect">
+                <a:avLst/>
+              </a:prstGeom>
+              <a:blipFill>
+                <a:blip r:embed="rId10"/>
+                <a:stretch>
+                  <a:fillRect/>
+                </a:stretch>
+              </a:blipFill>
+            </p:spPr>
+            <p:txBody>
+              <a:bodyPr/>
+              <a:lstStyle/>
+              <a:p>
+                <a:r>
+                  <a:rPr lang="en-US">
+                    <a:noFill/>
+                  </a:rPr>
+                  <a:t> </a:t>
+                </a:r>
+              </a:p>
+            </p:txBody>
+          </p:sp>
+        </mc:Fallback>
+      </mc:AlternateContent>
+      <mc:AlternateContent xmlns:mc="http://schemas.openxmlformats.org/markup-compatibility/2006">
+        <mc:Choice xmlns:a14="http://schemas.microsoft.com/office/drawing/2010/main" Requires="a14">
+          <p:sp>
+            <p:nvSpPr>
+              <p:cNvPr id="61" name="TextBox 60">
+                <a:extLst>
+                  <a:ext uri="{FF2B5EF4-FFF2-40B4-BE49-F238E27FC236}">
+                    <a16:creationId xmlns:a16="http://schemas.microsoft.com/office/drawing/2014/main" id="{24789D84-C56E-BB4E-82F3-4F8690AA3637}"/>
+                  </a:ext>
+                </a:extLst>
+              </p:cNvPr>
+              <p:cNvSpPr txBox="1"/>
+              <p:nvPr/>
+            </p:nvSpPr>
+            <p:spPr>
+              <a:xfrm>
+                <a:off x="8305014" y="5942945"/>
+                <a:ext cx="2846895" cy="400110"/>
+              </a:xfrm>
+              <a:prstGeom prst="rect">
+                <a:avLst/>
+              </a:prstGeom>
+              <a:noFill/>
+            </p:spPr>
+            <p:txBody>
+              <a:bodyPr wrap="square" rtlCol="0">
+                <a:spAutoFit/>
+              </a:bodyPr>
+              <a:lstStyle/>
+              <a:p>
+                <a:pPr/>
+                <a14:m>
+                  <m:oMathPara xmlns:m="http://schemas.openxmlformats.org/officeDocument/2006/math">
+                    <m:oMathParaPr>
+                      <m:jc m:val="centerGroup"/>
+                    </m:oMathParaPr>
+                    <m:oMath xmlns:m="http://schemas.openxmlformats.org/officeDocument/2006/math">
+                      <m:r>
+                        <a:rPr lang="en-US" sz="2000" b="0" i="1" smtClean="0">
+                          <a:latin typeface="Cambria Math" panose="02040503050406030204" pitchFamily="18" charset="0"/>
+                        </a:rPr>
+                        <m:t>𝑆𝐷</m:t>
+                      </m:r>
+                      <m:r>
+                        <a:rPr lang="en-US" sz="2000" b="0" i="1" smtClean="0">
+                          <a:latin typeface="Cambria Math" panose="02040503050406030204" pitchFamily="18" charset="0"/>
+                        </a:rPr>
+                        <m:t>(</m:t>
+                      </m:r>
+                      <m:r>
+                        <a:rPr lang="en-US" sz="2000" b="0" i="1" smtClean="0">
+                          <a:latin typeface="Cambria Math" panose="02040503050406030204" pitchFamily="18" charset="0"/>
+                        </a:rPr>
+                        <m:t>𝑠𝑎𝑚𝑝</m:t>
+                      </m:r>
+                      <m:r>
+                        <a:rPr lang="en-US" sz="2000" b="0" i="1" smtClean="0">
+                          <a:latin typeface="Cambria Math" panose="02040503050406030204" pitchFamily="18" charset="0"/>
+                        </a:rPr>
+                        <m:t>) =55.3</m:t>
+                      </m:r>
+                    </m:oMath>
+                  </m:oMathPara>
+                </a14:m>
+                <a:endParaRPr lang="en-US" sz="2000" b="0" i="1" dirty="0">
+                  <a:latin typeface="Cambria Math" panose="02040503050406030204" pitchFamily="18" charset="0"/>
+                </a:endParaRPr>
+              </a:p>
+            </p:txBody>
+          </p:sp>
+        </mc:Choice>
+        <mc:Fallback>
+          <p:sp>
+            <p:nvSpPr>
+              <p:cNvPr id="61" name="TextBox 60">
+                <a:extLst>
+                  <a:ext uri="{FF2B5EF4-FFF2-40B4-BE49-F238E27FC236}">
+                    <a16:creationId xmlns:a16="http://schemas.microsoft.com/office/drawing/2014/main" id="{24789D84-C56E-BB4E-82F3-4F8690AA3637}"/>
+                  </a:ext>
+                </a:extLst>
+              </p:cNvPr>
+              <p:cNvSpPr txBox="1">
+                <a:spLocks noRot="1" noChangeAspect="1" noMove="1" noResize="1" noEditPoints="1" noAdjustHandles="1" noChangeArrowheads="1" noChangeShapeType="1" noTextEdit="1"/>
+              </p:cNvSpPr>
+              <p:nvPr/>
+            </p:nvSpPr>
+            <p:spPr>
+              <a:xfrm>
+                <a:off x="8305014" y="5942945"/>
+                <a:ext cx="2846895" cy="400110"/>
+              </a:xfrm>
+              <a:prstGeom prst="rect">
+                <a:avLst/>
+              </a:prstGeom>
+              <a:blipFill>
+                <a:blip r:embed="rId11"/>
+                <a:stretch>
+                  <a:fillRect b="-19355"/>
+                </a:stretch>
+              </a:blipFill>
+            </p:spPr>
+            <p:txBody>
+              <a:bodyPr/>
+              <a:lstStyle/>
+              <a:p>
+                <a:r>
+                  <a:rPr lang="en-US">
+                    <a:noFill/>
+                  </a:rPr>
+                  <a:t> </a:t>
+                </a:r>
+              </a:p>
+            </p:txBody>
+          </p:sp>
+        </mc:Fallback>
+      </mc:AlternateContent>
+      <mc:AlternateContent xmlns:mc="http://schemas.openxmlformats.org/markup-compatibility/2006">
+        <mc:Choice xmlns:a14="http://schemas.microsoft.com/office/drawing/2010/main" Requires="a14">
+          <p:sp>
+            <p:nvSpPr>
+              <p:cNvPr id="63" name="TextBox 62">
+                <a:extLst>
+                  <a:ext uri="{FF2B5EF4-FFF2-40B4-BE49-F238E27FC236}">
+                    <a16:creationId xmlns:a16="http://schemas.microsoft.com/office/drawing/2014/main" id="{77D4BA6A-6A77-D54D-81FF-7E4FDF5D20A6}"/>
+                  </a:ext>
+                </a:extLst>
+              </p:cNvPr>
+              <p:cNvSpPr txBox="1"/>
+              <p:nvPr/>
+            </p:nvSpPr>
+            <p:spPr>
+              <a:xfrm>
+                <a:off x="604887" y="5897382"/>
+                <a:ext cx="2846895" cy="400110"/>
+              </a:xfrm>
+              <a:prstGeom prst="rect">
+                <a:avLst/>
+              </a:prstGeom>
+              <a:noFill/>
+            </p:spPr>
+            <p:txBody>
+              <a:bodyPr wrap="square" rtlCol="0">
+                <a:spAutoFit/>
+              </a:bodyPr>
+              <a:lstStyle/>
+              <a:p>
+                <a:pPr/>
+                <a14:m>
+                  <m:oMathPara xmlns:m="http://schemas.openxmlformats.org/officeDocument/2006/math">
+                    <m:oMathParaPr>
+                      <m:jc m:val="centerGroup"/>
+                    </m:oMathParaPr>
+                    <m:oMath xmlns:m="http://schemas.openxmlformats.org/officeDocument/2006/math">
+                      <m:r>
+                        <a:rPr lang="en-US" sz="2000" b="0" i="1" smtClean="0">
+                          <a:latin typeface="Cambria Math" panose="02040503050406030204" pitchFamily="18" charset="0"/>
+                        </a:rPr>
+                        <m:t>𝑆𝐷</m:t>
+                      </m:r>
+                      <m:r>
+                        <a:rPr lang="en-US" sz="2000" b="0" i="1" smtClean="0">
+                          <a:latin typeface="Cambria Math" panose="02040503050406030204" pitchFamily="18" charset="0"/>
+                        </a:rPr>
+                        <m:t>(</m:t>
+                      </m:r>
+                      <m:r>
+                        <a:rPr lang="en-US" sz="2000" b="0" i="1" smtClean="0">
+                          <a:latin typeface="Cambria Math" panose="02040503050406030204" pitchFamily="18" charset="0"/>
+                        </a:rPr>
+                        <m:t>𝑝𝑜𝑝</m:t>
+                      </m:r>
+                      <m:r>
+                        <a:rPr lang="en-US" sz="2000" b="0" i="1" smtClean="0">
+                          <a:latin typeface="Cambria Math" panose="02040503050406030204" pitchFamily="18" charset="0"/>
+                        </a:rPr>
+                        <m:t>) =57.7</m:t>
+                      </m:r>
+                    </m:oMath>
+                  </m:oMathPara>
+                </a14:m>
+                <a:endParaRPr lang="en-US" sz="2000" b="0" i="1" dirty="0">
+                  <a:latin typeface="Cambria Math" panose="02040503050406030204" pitchFamily="18" charset="0"/>
+                </a:endParaRPr>
+              </a:p>
+            </p:txBody>
+          </p:sp>
+        </mc:Choice>
+        <mc:Fallback>
+          <p:sp>
+            <p:nvSpPr>
+              <p:cNvPr id="63" name="TextBox 62">
+                <a:extLst>
+                  <a:ext uri="{FF2B5EF4-FFF2-40B4-BE49-F238E27FC236}">
+                    <a16:creationId xmlns:a16="http://schemas.microsoft.com/office/drawing/2014/main" id="{77D4BA6A-6A77-D54D-81FF-7E4FDF5D20A6}"/>
+                  </a:ext>
+                </a:extLst>
+              </p:cNvPr>
+              <p:cNvSpPr txBox="1">
+                <a:spLocks noRot="1" noChangeAspect="1" noMove="1" noResize="1" noEditPoints="1" noAdjustHandles="1" noChangeArrowheads="1" noChangeShapeType="1" noTextEdit="1"/>
+              </p:cNvSpPr>
+              <p:nvPr/>
+            </p:nvSpPr>
+            <p:spPr>
+              <a:xfrm>
+                <a:off x="604887" y="5897382"/>
+                <a:ext cx="2846895" cy="400110"/>
+              </a:xfrm>
+              <a:prstGeom prst="rect">
+                <a:avLst/>
+              </a:prstGeom>
+              <a:blipFill>
+                <a:blip r:embed="rId12"/>
+                <a:stretch>
+                  <a:fillRect b="-15152"/>
+                </a:stretch>
+              </a:blipFill>
+            </p:spPr>
+            <p:txBody>
+              <a:bodyPr/>
+              <a:lstStyle/>
+              <a:p>
+                <a:r>
+                  <a:rPr lang="en-US">
+                    <a:noFill/>
+                  </a:rPr>
+                  <a:t> </a:t>
+                </a:r>
+              </a:p>
+            </p:txBody>
+          </p:sp>
+        </mc:Fallback>
+      </mc:AlternateContent>
+      <mc:AlternateContent xmlns:mc="http://schemas.openxmlformats.org/markup-compatibility/2006">
+        <mc:Choice xmlns:a14="http://schemas.microsoft.com/office/drawing/2010/main" Requires="a14">
+          <p:sp>
+            <p:nvSpPr>
+              <p:cNvPr id="64" name="TextBox 63">
+                <a:extLst>
+                  <a:ext uri="{FF2B5EF4-FFF2-40B4-BE49-F238E27FC236}">
+                    <a16:creationId xmlns:a16="http://schemas.microsoft.com/office/drawing/2014/main" id="{823A087B-396C-6644-A854-D655B212A544}"/>
+                  </a:ext>
+                </a:extLst>
+              </p:cNvPr>
+              <p:cNvSpPr txBox="1"/>
+              <p:nvPr/>
+            </p:nvSpPr>
+            <p:spPr>
+              <a:xfrm>
+                <a:off x="689726" y="5575298"/>
+                <a:ext cx="3674883" cy="400110"/>
+              </a:xfrm>
+              <a:prstGeom prst="rect">
+                <a:avLst/>
+              </a:prstGeom>
+              <a:noFill/>
+            </p:spPr>
+            <p:txBody>
+              <a:bodyPr wrap="square" rtlCol="0">
+                <a:spAutoFit/>
+              </a:bodyPr>
+              <a:lstStyle/>
+              <a:p>
+                <a:pPr/>
+                <a14:m>
+                  <m:oMathPara xmlns:m="http://schemas.openxmlformats.org/officeDocument/2006/math">
+                    <m:oMathParaPr>
+                      <m:jc m:val="centerGroup"/>
+                    </m:oMathParaPr>
+                    <m:oMath xmlns:m="http://schemas.openxmlformats.org/officeDocument/2006/math">
+                      <m:sSup>
+                        <m:sSupPr>
+                          <m:ctrlPr>
+                            <a:rPr lang="en-US" sz="2000" i="1" dirty="0">
+                              <a:latin typeface="Cambria Math" panose="02040503050406030204" pitchFamily="18" charset="0"/>
+                            </a:rPr>
+                          </m:ctrlPr>
+                        </m:sSupPr>
+                        <m:e>
+                          <m:r>
+                            <a:rPr lang="en-US" sz="2000" i="1" dirty="0">
+                              <a:latin typeface="Cambria Math" panose="02040503050406030204" pitchFamily="18" charset="0"/>
+                              <a:ea typeface="Cambria Math" panose="02040503050406030204" pitchFamily="18" charset="0"/>
+                            </a:rPr>
+                            <m:t>𝜃</m:t>
+                          </m:r>
+                        </m:e>
+                        <m:sup>
+                          <m:r>
+                            <a:rPr lang="en-US" sz="2000" i="1" dirty="0">
+                              <a:latin typeface="Cambria Math" panose="02040503050406030204" pitchFamily="18" charset="0"/>
+                              <a:ea typeface="Cambria Math" panose="02040503050406030204" pitchFamily="18" charset="0"/>
+                            </a:rPr>
+                            <m:t>∗</m:t>
+                          </m:r>
+                        </m:sup>
+                      </m:sSup>
+                      <m:r>
+                        <a:rPr lang="en-US" sz="2000" i="1" dirty="0">
+                          <a:latin typeface="Cambria Math" panose="02040503050406030204" pitchFamily="18" charset="0"/>
+                          <a:ea typeface="Cambria Math" panose="02040503050406030204" pitchFamily="18" charset="0"/>
+                        </a:rPr>
+                        <m:t>= </m:t>
+                      </m:r>
+                      <m:r>
+                        <a:rPr lang="en-US" sz="2000" b="0" i="1" smtClean="0">
+                          <a:latin typeface="Cambria Math" panose="02040503050406030204" pitchFamily="18" charset="0"/>
+                          <a:ea typeface="Cambria Math" panose="02040503050406030204" pitchFamily="18" charset="0"/>
+                        </a:rPr>
+                        <m:t>𝐴𝑣𝑔</m:t>
+                      </m:r>
+                      <m:r>
+                        <a:rPr lang="en-US" sz="2000" b="0" i="1" smtClean="0">
+                          <a:latin typeface="Cambria Math" panose="02040503050406030204" pitchFamily="18" charset="0"/>
+                          <a:ea typeface="Cambria Math" panose="02040503050406030204" pitchFamily="18" charset="0"/>
+                        </a:rPr>
+                        <m:t>(</m:t>
+                      </m:r>
+                      <m:r>
+                        <a:rPr lang="en-US" sz="2000" b="0" i="1" smtClean="0">
+                          <a:latin typeface="Cambria Math" panose="02040503050406030204" pitchFamily="18" charset="0"/>
+                          <a:ea typeface="Cambria Math" panose="02040503050406030204" pitchFamily="18" charset="0"/>
+                        </a:rPr>
+                        <m:t>𝑝𝑜𝑝</m:t>
+                      </m:r>
+                      <m:r>
+                        <a:rPr lang="en-US" sz="2000" b="0" i="1" smtClean="0">
+                          <a:latin typeface="Cambria Math" panose="02040503050406030204" pitchFamily="18" charset="0"/>
+                          <a:ea typeface="Cambria Math" panose="02040503050406030204" pitchFamily="18" charset="0"/>
+                        </a:rPr>
+                        <m:t>)=100.5</m:t>
+                      </m:r>
+                    </m:oMath>
+                  </m:oMathPara>
+                </a14:m>
+                <a:endParaRPr lang="en-US" sz="2000" b="0" i="1" dirty="0">
+                  <a:latin typeface="Cambria Math" panose="02040503050406030204" pitchFamily="18" charset="0"/>
+                </a:endParaRPr>
+              </a:p>
+            </p:txBody>
+          </p:sp>
+        </mc:Choice>
+        <mc:Fallback>
+          <p:sp>
+            <p:nvSpPr>
+              <p:cNvPr id="64" name="TextBox 63">
+                <a:extLst>
+                  <a:ext uri="{FF2B5EF4-FFF2-40B4-BE49-F238E27FC236}">
+                    <a16:creationId xmlns:a16="http://schemas.microsoft.com/office/drawing/2014/main" id="{823A087B-396C-6644-A854-D655B212A544}"/>
+                  </a:ext>
+                </a:extLst>
+              </p:cNvPr>
+              <p:cNvSpPr txBox="1">
+                <a:spLocks noRot="1" noChangeAspect="1" noMove="1" noResize="1" noEditPoints="1" noAdjustHandles="1" noChangeArrowheads="1" noChangeShapeType="1" noTextEdit="1"/>
+              </p:cNvSpPr>
+              <p:nvPr/>
+            </p:nvSpPr>
+            <p:spPr>
+              <a:xfrm>
+                <a:off x="689726" y="5575298"/>
+                <a:ext cx="3674883" cy="400110"/>
+              </a:xfrm>
+              <a:prstGeom prst="rect">
+                <a:avLst/>
+              </a:prstGeom>
+              <a:blipFill>
+                <a:blip r:embed="rId13"/>
+                <a:stretch>
+                  <a:fillRect b="-15152"/>
+                </a:stretch>
+              </a:blipFill>
+            </p:spPr>
+            <p:txBody>
+              <a:bodyPr/>
+              <a:lstStyle/>
+              <a:p>
+                <a:r>
+                  <a:rPr lang="en-US">
+                    <a:noFill/>
+                  </a:rPr>
+                  <a:t> </a:t>
+                </a:r>
+              </a:p>
+            </p:txBody>
+          </p:sp>
+        </mc:Fallback>
+      </mc:AlternateContent>
+    </p:spTree>
+    <p:extLst>
+      <p:ext uri="{BB962C8B-B14F-4D97-AF65-F5344CB8AC3E}">
+        <p14:creationId xmlns:p14="http://schemas.microsoft.com/office/powerpoint/2010/main" val="2487234798"/>
       </p:ext>
     </p:extLst>
   </p:cSld>
